--- a/BCIT/OOP/Cours/Lecture 14 Inner Classes Interfaces Patterns.pptx
+++ b/BCIT/OOP/Cours/Lecture 14 Inner Classes Interfaces Patterns.pptx
@@ -1,32 +1,32 @@
 
 <file path=ppt/presentation.xml><?xml version="1.0" encoding="utf-8"?>
-<p:presentation xmlns:a="http://schemas.openxmlformats.org/drawingml/2006/main" xmlns:r="http://schemas.openxmlformats.org/officeDocument/2006/relationships" xmlns:p="http://schemas.openxmlformats.org/presentationml/2006/main" saveSubsetFonts="1">
+<p:presentation xmlns:a="http://schemas.openxmlformats.org/drawingml/2006/main" xmlns:r="http://schemas.openxmlformats.org/officeDocument/2006/relationships" xmlns:p="http://schemas.openxmlformats.org/presentationml/2006/main" xmlns:m="http://schemas.openxmlformats.org/officeDocument/2006/math" xmlns:w="http://schemas.openxmlformats.org/wordprocessingml/2006/main" saveSubsetFonts="1">
   <p:sldMasterIdLst>
     <p:sldMasterId id="2147483648" r:id="rId1"/>
   </p:sldMasterIdLst>
   <p:notesMasterIdLst>
-    <p:notesMasterId r:id="rId21"/>
+    <p:notesMasterId r:id="rId23"/>
   </p:notesMasterIdLst>
   <p:sldIdLst>
-    <p:sldId id="256" r:id="rId2"/>
-    <p:sldId id="277" r:id="rId3"/>
-    <p:sldId id="262" r:id="rId4"/>
-    <p:sldId id="258" r:id="rId5"/>
-    <p:sldId id="260" r:id="rId6"/>
-    <p:sldId id="261" r:id="rId7"/>
-    <p:sldId id="263" r:id="rId8"/>
-    <p:sldId id="264" r:id="rId9"/>
-    <p:sldId id="265" r:id="rId10"/>
-    <p:sldId id="266" r:id="rId11"/>
-    <p:sldId id="267" r:id="rId12"/>
-    <p:sldId id="268" r:id="rId13"/>
-    <p:sldId id="269" r:id="rId14"/>
-    <p:sldId id="270" r:id="rId15"/>
-    <p:sldId id="271" r:id="rId16"/>
-    <p:sldId id="272" r:id="rId17"/>
-    <p:sldId id="273" r:id="rId18"/>
-    <p:sldId id="274" r:id="rId19"/>
-    <p:sldId id="275" r:id="rId20"/>
+    <p:sldId id="256" r:id="rId4"/>
+    <p:sldId id="257" r:id="rId5"/>
+    <p:sldId id="258" r:id="rId6"/>
+    <p:sldId id="259" r:id="rId7"/>
+    <p:sldId id="260" r:id="rId8"/>
+    <p:sldId id="261" r:id="rId9"/>
+    <p:sldId id="262" r:id="rId10"/>
+    <p:sldId id="263" r:id="rId11"/>
+    <p:sldId id="264" r:id="rId12"/>
+    <p:sldId id="265" r:id="rId13"/>
+    <p:sldId id="266" r:id="rId14"/>
+    <p:sldId id="267" r:id="rId15"/>
+    <p:sldId id="268" r:id="rId16"/>
+    <p:sldId id="269" r:id="rId17"/>
+    <p:sldId id="270" r:id="rId18"/>
+    <p:sldId id="271" r:id="rId19"/>
+    <p:sldId id="272" r:id="rId20"/>
+    <p:sldId id="273" r:id="rId21"/>
+    <p:sldId id="274" r:id="rId22"/>
   </p:sldIdLst>
   <p:sldSz cx="9144000" cy="6858000" type="screen4x3"/>
   <p:notesSz cx="6858000" cy="9144000"/>
@@ -34,8 +34,8 @@
     <a:defPPr>
       <a:defRPr lang="en-US"/>
     </a:defPPr>
-    <a:lvl1pPr marL="0" algn="l" defTabSz="914400" rtl="0" eaLnBrk="1" latinLnBrk="0" hangingPunct="1">
-      <a:defRPr sz="1800" kern="1200">
+    <a:lvl1pPr marL="0" algn="l" defTabSz="914400">
+      <a:defRPr sz="1800">
         <a:solidFill>
           <a:schemeClr val="tx1"/>
         </a:solidFill>
@@ -44,8 +44,8 @@
         <a:cs typeface="+mn-cs"/>
       </a:defRPr>
     </a:lvl1pPr>
-    <a:lvl2pPr marL="457200" algn="l" defTabSz="914400" rtl="0" eaLnBrk="1" latinLnBrk="0" hangingPunct="1">
-      <a:defRPr sz="1800" kern="1200">
+    <a:lvl2pPr marL="457200" algn="l" defTabSz="914400">
+      <a:defRPr sz="1800">
         <a:solidFill>
           <a:schemeClr val="tx1"/>
         </a:solidFill>
@@ -54,8 +54,8 @@
         <a:cs typeface="+mn-cs"/>
       </a:defRPr>
     </a:lvl2pPr>
-    <a:lvl3pPr marL="914400" algn="l" defTabSz="914400" rtl="0" eaLnBrk="1" latinLnBrk="0" hangingPunct="1">
-      <a:defRPr sz="1800" kern="1200">
+    <a:lvl3pPr marL="914400" algn="l" defTabSz="914400">
+      <a:defRPr sz="1800">
         <a:solidFill>
           <a:schemeClr val="tx1"/>
         </a:solidFill>
@@ -64,8 +64,8 @@
         <a:cs typeface="+mn-cs"/>
       </a:defRPr>
     </a:lvl3pPr>
-    <a:lvl4pPr marL="1371600" algn="l" defTabSz="914400" rtl="0" eaLnBrk="1" latinLnBrk="0" hangingPunct="1">
-      <a:defRPr sz="1800" kern="1200">
+    <a:lvl4pPr marL="1371600" algn="l" defTabSz="914400">
+      <a:defRPr sz="1800">
         <a:solidFill>
           <a:schemeClr val="tx1"/>
         </a:solidFill>
@@ -74,8 +74,8 @@
         <a:cs typeface="+mn-cs"/>
       </a:defRPr>
     </a:lvl4pPr>
-    <a:lvl5pPr marL="1828800" algn="l" defTabSz="914400" rtl="0" eaLnBrk="1" latinLnBrk="0" hangingPunct="1">
-      <a:defRPr sz="1800" kern="1200">
+    <a:lvl5pPr marL="1828800" algn="l" defTabSz="914400">
+      <a:defRPr sz="1800">
         <a:solidFill>
           <a:schemeClr val="tx1"/>
         </a:solidFill>
@@ -84,8 +84,8 @@
         <a:cs typeface="+mn-cs"/>
       </a:defRPr>
     </a:lvl5pPr>
-    <a:lvl6pPr marL="2286000" algn="l" defTabSz="914400" rtl="0" eaLnBrk="1" latinLnBrk="0" hangingPunct="1">
-      <a:defRPr sz="1800" kern="1200">
+    <a:lvl6pPr marL="2286000" algn="l" defTabSz="914400">
+      <a:defRPr sz="1800">
         <a:solidFill>
           <a:schemeClr val="tx1"/>
         </a:solidFill>
@@ -94,8 +94,8 @@
         <a:cs typeface="+mn-cs"/>
       </a:defRPr>
     </a:lvl6pPr>
-    <a:lvl7pPr marL="2743200" algn="l" defTabSz="914400" rtl="0" eaLnBrk="1" latinLnBrk="0" hangingPunct="1">
-      <a:defRPr sz="1800" kern="1200">
+    <a:lvl7pPr marL="2743200" algn="l" defTabSz="914400">
+      <a:defRPr sz="1800">
         <a:solidFill>
           <a:schemeClr val="tx1"/>
         </a:solidFill>
@@ -104,8 +104,8 @@
         <a:cs typeface="+mn-cs"/>
       </a:defRPr>
     </a:lvl7pPr>
-    <a:lvl8pPr marL="3200400" algn="l" defTabSz="914400" rtl="0" eaLnBrk="1" latinLnBrk="0" hangingPunct="1">
-      <a:defRPr sz="1800" kern="1200">
+    <a:lvl8pPr marL="3200400" algn="l" defTabSz="914400">
+      <a:defRPr sz="1800">
         <a:solidFill>
           <a:schemeClr val="tx1"/>
         </a:solidFill>
@@ -114,8 +114,8 @@
         <a:cs typeface="+mn-cs"/>
       </a:defRPr>
     </a:lvl8pPr>
-    <a:lvl9pPr marL="3657600" algn="l" defTabSz="914400" rtl="0" eaLnBrk="1" latinLnBrk="0" hangingPunct="1">
-      <a:defRPr sz="1800" kern="1200">
+    <a:lvl9pPr marL="3657600" algn="l" defTabSz="914400">
+      <a:defRPr sz="1800">
         <a:solidFill>
           <a:schemeClr val="tx1"/>
         </a:solidFill>
@@ -125,28 +125,12 @@
       </a:defRPr>
     </a:lvl9pPr>
   </p:defaultTextStyle>
-  <p:extLst>
-    <p:ext uri="{EFAFB233-063F-42B5-8137-9DF3F51BA10A}">
-      <p15:sldGuideLst xmlns:p15="http://schemas.microsoft.com/office/powerpoint/2012/main">
-        <p15:guide id="1" orient="horz" pos="2160">
-          <p15:clr>
-            <a:srgbClr val="A4A3A4"/>
-          </p15:clr>
-        </p15:guide>
-        <p15:guide id="2" pos="2880">
-          <p15:clr>
-            <a:srgbClr val="A4A3A4"/>
-          </p15:clr>
-        </p15:guide>
-      </p15:sldGuideLst>
-    </p:ext>
-  </p:extLst>
 </p:presentation>
 </file>
 
 <file path=ppt/notesMasters/notesMaster1.xml><?xml version="1.0" encoding="utf-8"?>
 <p:notesMaster xmlns:a="http://schemas.openxmlformats.org/drawingml/2006/main" xmlns:r="http://schemas.openxmlformats.org/officeDocument/2006/relationships" xmlns:p="http://schemas.openxmlformats.org/presentationml/2006/main">
-  <p:cSld>
+  <p:cSld name="">
     <p:bg>
       <p:bgRef idx="1001">
         <a:schemeClr val="bg1"/>
@@ -158,7 +142,7 @@
         <p:cNvGrpSpPr/>
         <p:nvPr/>
       </p:nvGrpSpPr>
-      <p:grpSpPr>
+      <p:grpSpPr bwMode="auto">
         <a:xfrm>
           <a:off x="0" y="0"/>
           <a:ext cx="0" cy="0"/>
@@ -176,7 +160,7 @@
             <p:ph type="hdr" sz="quarter"/>
           </p:nvPr>
         </p:nvSpPr>
-        <p:spPr>
+        <p:spPr bwMode="auto">
           <a:xfrm>
             <a:off x="0" y="0"/>
             <a:ext cx="2971800" cy="457200"/>
@@ -193,6 +177,9 @@
             </a:lvl1pPr>
           </a:lstStyle>
           <a:p>
+            <a:pPr>
+              <a:defRPr/>
+            </a:pPr>
             <a:endParaRPr lang="en-CA"/>
           </a:p>
         </p:txBody>
@@ -207,7 +194,7 @@
             <p:ph type="dt" idx="1"/>
           </p:nvPr>
         </p:nvSpPr>
-        <p:spPr>
+        <p:spPr bwMode="auto">
           <a:xfrm>
             <a:off x="3884613" y="0"/>
             <a:ext cx="2971800" cy="457200"/>
@@ -224,8 +211,11 @@
             </a:lvl1pPr>
           </a:lstStyle>
           <a:p>
+            <a:pPr>
+              <a:defRPr/>
+            </a:pPr>
             <a:fld id="{827D14C6-856A-4AA3-8C99-C837FCBEEEBC}" type="datetimeFigureOut">
-              <a:rPr lang="en-CA" smtClean="0"/>
+              <a:rPr lang="en-CA"/>
               <a:t>2019-03-27</a:t>
             </a:fld>
             <a:endParaRPr lang="en-CA"/>
@@ -236,13 +226,13 @@
         <p:nvSpPr>
           <p:cNvPr id="4" name="Slide Image Placeholder 3"/>
           <p:cNvSpPr>
-            <a:spLocks noGrp="1" noRot="1" noChangeAspect="1"/>
+            <a:spLocks noChangeAspect="1" noGrp="1" noRot="1"/>
           </p:cNvSpPr>
           <p:nvPr>
             <p:ph type="sldImg" idx="2"/>
           </p:nvPr>
         </p:nvSpPr>
-        <p:spPr>
+        <p:spPr bwMode="auto">
           <a:xfrm>
             <a:off x="1143000" y="685800"/>
             <a:ext cx="4572000" cy="3429000"/>
@@ -261,6 +251,9 @@
           <a:bodyPr vert="horz" lIns="91440" tIns="45720" rIns="91440" bIns="45720" rtlCol="0" anchor="ctr"/>
           <a:lstStyle/>
           <a:p>
+            <a:pPr>
+              <a:defRPr/>
+            </a:pPr>
             <a:endParaRPr lang="en-CA"/>
           </a:p>
         </p:txBody>
@@ -275,7 +268,7 @@
             <p:ph type="body" sz="quarter" idx="3"/>
           </p:nvPr>
         </p:nvSpPr>
-        <p:spPr>
+        <p:spPr bwMode="auto">
           <a:xfrm>
             <a:off x="685800" y="4343400"/>
             <a:ext cx="5486400" cy="4114800"/>
@@ -288,35 +281,49 @@
           <a:bodyPr vert="horz" lIns="91440" tIns="45720" rIns="91440" bIns="45720" rtlCol="0"/>
           <a:lstStyle/>
           <a:p>
-            <a:pPr lvl="0"/>
+            <a:pPr lvl="0">
+              <a:defRPr/>
+            </a:pPr>
             <a:r>
               <a:rPr lang="en-US"/>
               <a:t>Click to edit Master text styles</a:t>
             </a:r>
-          </a:p>
-          <a:p>
-            <a:pPr lvl="1"/>
+            <a:endParaRPr/>
+          </a:p>
+          <a:p>
+            <a:pPr lvl="1">
+              <a:defRPr/>
+            </a:pPr>
             <a:r>
               <a:rPr lang="en-US"/>
               <a:t>Second level</a:t>
             </a:r>
-          </a:p>
-          <a:p>
-            <a:pPr lvl="2"/>
+            <a:endParaRPr/>
+          </a:p>
+          <a:p>
+            <a:pPr lvl="2">
+              <a:defRPr/>
+            </a:pPr>
             <a:r>
               <a:rPr lang="en-US"/>
               <a:t>Third level</a:t>
             </a:r>
-          </a:p>
-          <a:p>
-            <a:pPr lvl="3"/>
+            <a:endParaRPr/>
+          </a:p>
+          <a:p>
+            <a:pPr lvl="3">
+              <a:defRPr/>
+            </a:pPr>
             <a:r>
               <a:rPr lang="en-US"/>
               <a:t>Fourth level</a:t>
             </a:r>
-          </a:p>
-          <a:p>
-            <a:pPr lvl="4"/>
+            <a:endParaRPr/>
+          </a:p>
+          <a:p>
+            <a:pPr lvl="4">
+              <a:defRPr/>
+            </a:pPr>
             <a:r>
               <a:rPr lang="en-US"/>
               <a:t>Fifth level</a:t>
@@ -335,7 +342,7 @@
             <p:ph type="ftr" sz="quarter" idx="4"/>
           </p:nvPr>
         </p:nvSpPr>
-        <p:spPr>
+        <p:spPr bwMode="auto">
           <a:xfrm>
             <a:off x="0" y="8685213"/>
             <a:ext cx="2971800" cy="457200"/>
@@ -352,6 +359,9 @@
             </a:lvl1pPr>
           </a:lstStyle>
           <a:p>
+            <a:pPr>
+              <a:defRPr/>
+            </a:pPr>
             <a:endParaRPr lang="en-CA"/>
           </a:p>
         </p:txBody>
@@ -366,7 +376,7 @@
             <p:ph type="sldNum" sz="quarter" idx="5"/>
           </p:nvPr>
         </p:nvSpPr>
-        <p:spPr>
+        <p:spPr bwMode="auto">
           <a:xfrm>
             <a:off x="3884613" y="8685213"/>
             <a:ext cx="2971800" cy="457200"/>
@@ -383,8 +393,11 @@
             </a:lvl1pPr>
           </a:lstStyle>
           <a:p>
+            <a:pPr>
+              <a:defRPr/>
+            </a:pPr>
             <a:fld id="{5C2CAE63-1FEC-4081-8530-803C5AABD14F}" type="slidenum">
-              <a:rPr lang="en-CA" smtClean="0"/>
+              <a:rPr lang="en-CA"/>
               <a:t>‹#›</a:t>
             </a:fld>
             <a:endParaRPr lang="en-CA"/>
@@ -392,16 +405,11 @@
         </p:txBody>
       </p:sp>
     </p:spTree>
-    <p:extLst>
-      <p:ext uri="{BB962C8B-B14F-4D97-AF65-F5344CB8AC3E}">
-        <p14:creationId xmlns:p14="http://schemas.microsoft.com/office/powerpoint/2010/main" val="817081477"/>
-      </p:ext>
-    </p:extLst>
   </p:cSld>
   <p:clrMap bg1="lt1" tx1="dk1" bg2="lt2" tx2="dk2" accent1="accent1" accent2="accent2" accent3="accent3" accent4="accent4" accent5="accent5" accent6="accent6" hlink="hlink" folHlink="folHlink"/>
   <p:notesStyle>
-    <a:lvl1pPr marL="0" algn="l" defTabSz="914400" rtl="0" eaLnBrk="1" latinLnBrk="0" hangingPunct="1">
-      <a:defRPr sz="1200" kern="1200">
+    <a:lvl1pPr marL="0" algn="l" defTabSz="914400">
+      <a:defRPr sz="1200">
         <a:solidFill>
           <a:schemeClr val="tx1"/>
         </a:solidFill>
@@ -410,8 +418,8 @@
         <a:cs typeface="+mn-cs"/>
       </a:defRPr>
     </a:lvl1pPr>
-    <a:lvl2pPr marL="457200" algn="l" defTabSz="914400" rtl="0" eaLnBrk="1" latinLnBrk="0" hangingPunct="1">
-      <a:defRPr sz="1200" kern="1200">
+    <a:lvl2pPr marL="457200" algn="l" defTabSz="914400">
+      <a:defRPr sz="1200">
         <a:solidFill>
           <a:schemeClr val="tx1"/>
         </a:solidFill>
@@ -420,8 +428,8 @@
         <a:cs typeface="+mn-cs"/>
       </a:defRPr>
     </a:lvl2pPr>
-    <a:lvl3pPr marL="914400" algn="l" defTabSz="914400" rtl="0" eaLnBrk="1" latinLnBrk="0" hangingPunct="1">
-      <a:defRPr sz="1200" kern="1200">
+    <a:lvl3pPr marL="914400" algn="l" defTabSz="914400">
+      <a:defRPr sz="1200">
         <a:solidFill>
           <a:schemeClr val="tx1"/>
         </a:solidFill>
@@ -430,8 +438,8 @@
         <a:cs typeface="+mn-cs"/>
       </a:defRPr>
     </a:lvl3pPr>
-    <a:lvl4pPr marL="1371600" algn="l" defTabSz="914400" rtl="0" eaLnBrk="1" latinLnBrk="0" hangingPunct="1">
-      <a:defRPr sz="1200" kern="1200">
+    <a:lvl4pPr marL="1371600" algn="l" defTabSz="914400">
+      <a:defRPr sz="1200">
         <a:solidFill>
           <a:schemeClr val="tx1"/>
         </a:solidFill>
@@ -440,8 +448,8 @@
         <a:cs typeface="+mn-cs"/>
       </a:defRPr>
     </a:lvl4pPr>
-    <a:lvl5pPr marL="1828800" algn="l" defTabSz="914400" rtl="0" eaLnBrk="1" latinLnBrk="0" hangingPunct="1">
-      <a:defRPr sz="1200" kern="1200">
+    <a:lvl5pPr marL="1828800" algn="l" defTabSz="914400">
+      <a:defRPr sz="1200">
         <a:solidFill>
           <a:schemeClr val="tx1"/>
         </a:solidFill>
@@ -450,8 +458,8 @@
         <a:cs typeface="+mn-cs"/>
       </a:defRPr>
     </a:lvl5pPr>
-    <a:lvl6pPr marL="2286000" algn="l" defTabSz="914400" rtl="0" eaLnBrk="1" latinLnBrk="0" hangingPunct="1">
-      <a:defRPr sz="1200" kern="1200">
+    <a:lvl6pPr marL="2286000" algn="l" defTabSz="914400">
+      <a:defRPr sz="1200">
         <a:solidFill>
           <a:schemeClr val="tx1"/>
         </a:solidFill>
@@ -460,8 +468,8 @@
         <a:cs typeface="+mn-cs"/>
       </a:defRPr>
     </a:lvl6pPr>
-    <a:lvl7pPr marL="2743200" algn="l" defTabSz="914400" rtl="0" eaLnBrk="1" latinLnBrk="0" hangingPunct="1">
-      <a:defRPr sz="1200" kern="1200">
+    <a:lvl7pPr marL="2743200" algn="l" defTabSz="914400">
+      <a:defRPr sz="1200">
         <a:solidFill>
           <a:schemeClr val="tx1"/>
         </a:solidFill>
@@ -470,8 +478,8 @@
         <a:cs typeface="+mn-cs"/>
       </a:defRPr>
     </a:lvl7pPr>
-    <a:lvl8pPr marL="3200400" algn="l" defTabSz="914400" rtl="0" eaLnBrk="1" latinLnBrk="0" hangingPunct="1">
-      <a:defRPr sz="1200" kern="1200">
+    <a:lvl8pPr marL="3200400" algn="l" defTabSz="914400">
+      <a:defRPr sz="1200">
         <a:solidFill>
           <a:schemeClr val="tx1"/>
         </a:solidFill>
@@ -480,8 +488,8 @@
         <a:cs typeface="+mn-cs"/>
       </a:defRPr>
     </a:lvl8pPr>
-    <a:lvl9pPr marL="3657600" algn="l" defTabSz="914400" rtl="0" eaLnBrk="1" latinLnBrk="0" hangingPunct="1">
-      <a:defRPr sz="1200" kern="1200">
+    <a:lvl9pPr marL="3657600" algn="l" defTabSz="914400">
+      <a:defRPr sz="1200">
         <a:solidFill>
           <a:schemeClr val="tx1"/>
         </a:solidFill>
@@ -495,15 +503,15 @@
 </file>
 
 <file path=ppt/notesSlides/notesSlide1.xml><?xml version="1.0" encoding="utf-8"?>
-<p:notes xmlns:a="http://schemas.openxmlformats.org/drawingml/2006/main" xmlns:r="http://schemas.openxmlformats.org/officeDocument/2006/relationships" xmlns:p="http://schemas.openxmlformats.org/presentationml/2006/main">
-  <p:cSld>
+<p:notes xmlns:a="http://schemas.openxmlformats.org/drawingml/2006/main" xmlns:r="http://schemas.openxmlformats.org/officeDocument/2006/relationships" xmlns:p="http://schemas.openxmlformats.org/presentationml/2006/main" xmlns:m="http://schemas.openxmlformats.org/officeDocument/2006/math" xmlns:w="http://schemas.openxmlformats.org/wordprocessingml/2006/main">
+  <p:cSld name="">
     <p:spTree>
       <p:nvGrpSpPr>
         <p:cNvPr id="1" name=""/>
         <p:cNvGrpSpPr/>
         <p:nvPr/>
       </p:nvGrpSpPr>
-      <p:grpSpPr>
+      <p:grpSpPr bwMode="auto">
         <a:xfrm>
           <a:off x="0" y="0"/>
           <a:ext cx="0" cy="0"/>
@@ -515,13 +523,13 @@
         <p:nvSpPr>
           <p:cNvPr id="2" name="Slide Image Placeholder 1"/>
           <p:cNvSpPr>
-            <a:spLocks noGrp="1" noRot="1" noChangeAspect="1"/>
+            <a:spLocks noChangeAspect="1" noGrp="1" noRot="1"/>
           </p:cNvSpPr>
           <p:nvPr>
             <p:ph type="sldImg"/>
           </p:nvPr>
         </p:nvSpPr>
-        <p:spPr/>
+        <p:spPr bwMode="auto"/>
       </p:sp>
       <p:sp>
         <p:nvSpPr>
@@ -533,20 +541,1272 @@
             <p:ph type="body" idx="1"/>
           </p:nvPr>
         </p:nvSpPr>
-        <p:spPr/>
-        <p:txBody>
-          <a:bodyPr/>
-          <a:lstStyle/>
-          <a:p>
+        <p:spPr bwMode="auto"/>
+        <p:txBody>
+          <a:bodyPr/>
+          <a:lstStyle/>
+          <a:p>
+            <a:pPr>
+              <a:defRPr/>
+            </a:pPr>
+            <a:endParaRPr/>
+          </a:p>
+        </p:txBody>
+      </p:sp>
+      <p:sp>
+        <p:nvSpPr>
+          <p:cNvPr id="4" name="Slide Number Placeholder 3"/>
+          <p:cNvSpPr>
+            <a:spLocks noGrp="1"/>
+          </p:cNvSpPr>
+          <p:nvPr>
+            <p:ph type="sldNum" sz="quarter" idx="10"/>
+          </p:nvPr>
+        </p:nvSpPr>
+        <p:spPr bwMode="auto"/>
+        <p:txBody>
+          <a:bodyPr/>
+          <a:lstStyle/>
+          <a:p>
+            <a:pPr>
+              <a:defRPr/>
+            </a:pPr>
+            <a:fld id="{E9708CDB-86CB-01FA-5088-0A252895F6B7}" type="slidenum">
+              <a:rPr/>
+              <a:t/>
+            </a:fld>
+            <a:endParaRPr/>
+          </a:p>
+        </p:txBody>
+      </p:sp>
+    </p:spTree>
+  </p:cSld>
+</p:notes>
+</file>
+
+<file path=ppt/notesSlides/notesSlide10.xml><?xml version="1.0" encoding="utf-8"?>
+<p:notes xmlns:a="http://schemas.openxmlformats.org/drawingml/2006/main" xmlns:r="http://schemas.openxmlformats.org/officeDocument/2006/relationships" xmlns:p="http://schemas.openxmlformats.org/presentationml/2006/main" xmlns:m="http://schemas.openxmlformats.org/officeDocument/2006/math" xmlns:w="http://schemas.openxmlformats.org/wordprocessingml/2006/main">
+  <p:cSld name="">
+    <p:spTree>
+      <p:nvGrpSpPr>
+        <p:cNvPr id="1" name=""/>
+        <p:cNvGrpSpPr/>
+        <p:nvPr/>
+      </p:nvGrpSpPr>
+      <p:grpSpPr bwMode="auto">
+        <a:xfrm>
+          <a:off x="0" y="0"/>
+          <a:ext cx="0" cy="0"/>
+          <a:chOff x="0" y="0"/>
+          <a:chExt cx="0" cy="0"/>
+        </a:xfrm>
+      </p:grpSpPr>
+      <p:sp>
+        <p:nvSpPr>
+          <p:cNvPr id="2" name="Slide Image Placeholder 1"/>
+          <p:cNvSpPr>
+            <a:spLocks noChangeAspect="1" noGrp="1" noRot="1"/>
+          </p:cNvSpPr>
+          <p:nvPr>
+            <p:ph type="sldImg"/>
+          </p:nvPr>
+        </p:nvSpPr>
+        <p:spPr bwMode="auto"/>
+      </p:sp>
+      <p:sp>
+        <p:nvSpPr>
+          <p:cNvPr id="3" name="Notes Placeholder 2"/>
+          <p:cNvSpPr>
+            <a:spLocks noGrp="1"/>
+          </p:cNvSpPr>
+          <p:nvPr>
+            <p:ph type="body" idx="1"/>
+          </p:nvPr>
+        </p:nvSpPr>
+        <p:spPr bwMode="auto"/>
+        <p:txBody>
+          <a:bodyPr/>
+          <a:lstStyle/>
+          <a:p>
+            <a:pPr>
+              <a:defRPr/>
+            </a:pPr>
+            <a:endParaRPr/>
+          </a:p>
+        </p:txBody>
+      </p:sp>
+      <p:sp>
+        <p:nvSpPr>
+          <p:cNvPr id="4" name="Slide Number Placeholder 3"/>
+          <p:cNvSpPr>
+            <a:spLocks noGrp="1"/>
+          </p:cNvSpPr>
+          <p:nvPr>
+            <p:ph type="sldNum" sz="quarter" idx="10"/>
+          </p:nvPr>
+        </p:nvSpPr>
+        <p:spPr bwMode="auto"/>
+        <p:txBody>
+          <a:bodyPr/>
+          <a:lstStyle/>
+          <a:p>
+            <a:pPr>
+              <a:defRPr/>
+            </a:pPr>
+            <a:fld id="{E7E059AA-276E-60C3-D035-7ABB39E79194}" type="slidenum">
+              <a:rPr/>
+              <a:t/>
+            </a:fld>
+            <a:endParaRPr/>
+          </a:p>
+        </p:txBody>
+      </p:sp>
+    </p:spTree>
+  </p:cSld>
+</p:notes>
+</file>
+
+<file path=ppt/notesSlides/notesSlide11.xml><?xml version="1.0" encoding="utf-8"?>
+<p:notes xmlns:a="http://schemas.openxmlformats.org/drawingml/2006/main" xmlns:r="http://schemas.openxmlformats.org/officeDocument/2006/relationships" xmlns:p="http://schemas.openxmlformats.org/presentationml/2006/main" xmlns:m="http://schemas.openxmlformats.org/officeDocument/2006/math" xmlns:w="http://schemas.openxmlformats.org/wordprocessingml/2006/main">
+  <p:cSld name="">
+    <p:spTree>
+      <p:nvGrpSpPr>
+        <p:cNvPr id="1" name=""/>
+        <p:cNvGrpSpPr/>
+        <p:nvPr/>
+      </p:nvGrpSpPr>
+      <p:grpSpPr bwMode="auto">
+        <a:xfrm>
+          <a:off x="0" y="0"/>
+          <a:ext cx="0" cy="0"/>
+          <a:chOff x="0" y="0"/>
+          <a:chExt cx="0" cy="0"/>
+        </a:xfrm>
+      </p:grpSpPr>
+      <p:sp>
+        <p:nvSpPr>
+          <p:cNvPr id="2" name="Slide Image Placeholder 1"/>
+          <p:cNvSpPr>
+            <a:spLocks noChangeAspect="1" noGrp="1" noRot="1"/>
+          </p:cNvSpPr>
+          <p:nvPr>
+            <p:ph type="sldImg"/>
+          </p:nvPr>
+        </p:nvSpPr>
+        <p:spPr bwMode="auto"/>
+      </p:sp>
+      <p:sp>
+        <p:nvSpPr>
+          <p:cNvPr id="3" name="Notes Placeholder 2"/>
+          <p:cNvSpPr>
+            <a:spLocks noGrp="1"/>
+          </p:cNvSpPr>
+          <p:nvPr>
+            <p:ph type="body" idx="1"/>
+          </p:nvPr>
+        </p:nvSpPr>
+        <p:spPr bwMode="auto"/>
+        <p:txBody>
+          <a:bodyPr/>
+          <a:lstStyle/>
+          <a:p>
+            <a:pPr>
+              <a:defRPr/>
+            </a:pPr>
+            <a:endParaRPr/>
+          </a:p>
+        </p:txBody>
+      </p:sp>
+      <p:sp>
+        <p:nvSpPr>
+          <p:cNvPr id="4" name="Slide Number Placeholder 3"/>
+          <p:cNvSpPr>
+            <a:spLocks noGrp="1"/>
+          </p:cNvSpPr>
+          <p:nvPr>
+            <p:ph type="sldNum" sz="quarter" idx="10"/>
+          </p:nvPr>
+        </p:nvSpPr>
+        <p:spPr bwMode="auto"/>
+        <p:txBody>
+          <a:bodyPr/>
+          <a:lstStyle/>
+          <a:p>
+            <a:pPr>
+              <a:defRPr/>
+            </a:pPr>
+            <a:fld id="{3378ADA8-1373-5BB0-CFAD-1CA13C0DC17F}" type="slidenum">
+              <a:rPr/>
+              <a:t/>
+            </a:fld>
+            <a:endParaRPr/>
+          </a:p>
+        </p:txBody>
+      </p:sp>
+    </p:spTree>
+  </p:cSld>
+</p:notes>
+</file>
+
+<file path=ppt/notesSlides/notesSlide12.xml><?xml version="1.0" encoding="utf-8"?>
+<p:notes xmlns:a="http://schemas.openxmlformats.org/drawingml/2006/main" xmlns:r="http://schemas.openxmlformats.org/officeDocument/2006/relationships" xmlns:p="http://schemas.openxmlformats.org/presentationml/2006/main" xmlns:m="http://schemas.openxmlformats.org/officeDocument/2006/math" xmlns:w="http://schemas.openxmlformats.org/wordprocessingml/2006/main">
+  <p:cSld name="">
+    <p:spTree>
+      <p:nvGrpSpPr>
+        <p:cNvPr id="1" name=""/>
+        <p:cNvGrpSpPr/>
+        <p:nvPr/>
+      </p:nvGrpSpPr>
+      <p:grpSpPr bwMode="auto">
+        <a:xfrm>
+          <a:off x="0" y="0"/>
+          <a:ext cx="0" cy="0"/>
+          <a:chOff x="0" y="0"/>
+          <a:chExt cx="0" cy="0"/>
+        </a:xfrm>
+      </p:grpSpPr>
+      <p:sp>
+        <p:nvSpPr>
+          <p:cNvPr id="2" name="Slide Image Placeholder 1"/>
+          <p:cNvSpPr>
+            <a:spLocks noChangeAspect="1" noGrp="1" noRot="1"/>
+          </p:cNvSpPr>
+          <p:nvPr>
+            <p:ph type="sldImg"/>
+          </p:nvPr>
+        </p:nvSpPr>
+        <p:spPr bwMode="auto"/>
+      </p:sp>
+      <p:sp>
+        <p:nvSpPr>
+          <p:cNvPr id="3" name="Notes Placeholder 2"/>
+          <p:cNvSpPr>
+            <a:spLocks noGrp="1"/>
+          </p:cNvSpPr>
+          <p:nvPr>
+            <p:ph type="body" idx="1"/>
+          </p:nvPr>
+        </p:nvSpPr>
+        <p:spPr bwMode="auto"/>
+        <p:txBody>
+          <a:bodyPr/>
+          <a:lstStyle/>
+          <a:p>
+            <a:pPr>
+              <a:defRPr/>
+            </a:pPr>
+            <a:endParaRPr/>
+          </a:p>
+        </p:txBody>
+      </p:sp>
+      <p:sp>
+        <p:nvSpPr>
+          <p:cNvPr id="4" name="Slide Number Placeholder 3"/>
+          <p:cNvSpPr>
+            <a:spLocks noGrp="1"/>
+          </p:cNvSpPr>
+          <p:nvPr>
+            <p:ph type="sldNum" sz="quarter" idx="10"/>
+          </p:nvPr>
+        </p:nvSpPr>
+        <p:spPr bwMode="auto"/>
+        <p:txBody>
+          <a:bodyPr/>
+          <a:lstStyle/>
+          <a:p>
+            <a:pPr>
+              <a:defRPr/>
+            </a:pPr>
+            <a:fld id="{E01F6B4A-2507-EE90-FC88-A8628689FC9F}" type="slidenum">
+              <a:rPr/>
+              <a:t/>
+            </a:fld>
+            <a:endParaRPr/>
+          </a:p>
+        </p:txBody>
+      </p:sp>
+    </p:spTree>
+  </p:cSld>
+</p:notes>
+</file>
+
+<file path=ppt/notesSlides/notesSlide13.xml><?xml version="1.0" encoding="utf-8"?>
+<p:notes xmlns:a="http://schemas.openxmlformats.org/drawingml/2006/main" xmlns:r="http://schemas.openxmlformats.org/officeDocument/2006/relationships" xmlns:p="http://schemas.openxmlformats.org/presentationml/2006/main" xmlns:m="http://schemas.openxmlformats.org/officeDocument/2006/math" xmlns:w="http://schemas.openxmlformats.org/wordprocessingml/2006/main">
+  <p:cSld name="">
+    <p:spTree>
+      <p:nvGrpSpPr>
+        <p:cNvPr id="1" name=""/>
+        <p:cNvGrpSpPr/>
+        <p:nvPr/>
+      </p:nvGrpSpPr>
+      <p:grpSpPr bwMode="auto">
+        <a:xfrm>
+          <a:off x="0" y="0"/>
+          <a:ext cx="0" cy="0"/>
+          <a:chOff x="0" y="0"/>
+          <a:chExt cx="0" cy="0"/>
+        </a:xfrm>
+      </p:grpSpPr>
+      <p:sp>
+        <p:nvSpPr>
+          <p:cNvPr id="2" name="Slide Image Placeholder 1"/>
+          <p:cNvSpPr>
+            <a:spLocks noChangeAspect="1" noGrp="1" noRot="1"/>
+          </p:cNvSpPr>
+          <p:nvPr>
+            <p:ph type="sldImg"/>
+          </p:nvPr>
+        </p:nvSpPr>
+        <p:spPr bwMode="auto"/>
+      </p:sp>
+      <p:sp>
+        <p:nvSpPr>
+          <p:cNvPr id="3" name="Notes Placeholder 2"/>
+          <p:cNvSpPr>
+            <a:spLocks noGrp="1"/>
+          </p:cNvSpPr>
+          <p:nvPr>
+            <p:ph type="body" idx="1"/>
+          </p:nvPr>
+        </p:nvSpPr>
+        <p:spPr bwMode="auto"/>
+        <p:txBody>
+          <a:bodyPr/>
+          <a:lstStyle/>
+          <a:p>
+            <a:pPr>
+              <a:defRPr/>
+            </a:pPr>
+            <a:endParaRPr/>
+          </a:p>
+        </p:txBody>
+      </p:sp>
+      <p:sp>
+        <p:nvSpPr>
+          <p:cNvPr id="4" name="Slide Number Placeholder 3"/>
+          <p:cNvSpPr>
+            <a:spLocks noGrp="1"/>
+          </p:cNvSpPr>
+          <p:nvPr>
+            <p:ph type="sldNum" sz="quarter" idx="10"/>
+          </p:nvPr>
+        </p:nvSpPr>
+        <p:spPr bwMode="auto"/>
+        <p:txBody>
+          <a:bodyPr/>
+          <a:lstStyle/>
+          <a:p>
+            <a:pPr>
+              <a:defRPr/>
+            </a:pPr>
+            <a:fld id="{29A3BAB0-B8EC-5E0C-0ABD-F5E51C5B1E3B}" type="slidenum">
+              <a:rPr/>
+              <a:t/>
+            </a:fld>
+            <a:endParaRPr/>
+          </a:p>
+        </p:txBody>
+      </p:sp>
+    </p:spTree>
+  </p:cSld>
+</p:notes>
+</file>
+
+<file path=ppt/notesSlides/notesSlide14.xml><?xml version="1.0" encoding="utf-8"?>
+<p:notes xmlns:a="http://schemas.openxmlformats.org/drawingml/2006/main" xmlns:r="http://schemas.openxmlformats.org/officeDocument/2006/relationships" xmlns:p="http://schemas.openxmlformats.org/presentationml/2006/main" xmlns:m="http://schemas.openxmlformats.org/officeDocument/2006/math" xmlns:w="http://schemas.openxmlformats.org/wordprocessingml/2006/main">
+  <p:cSld name="">
+    <p:spTree>
+      <p:nvGrpSpPr>
+        <p:cNvPr id="1" name=""/>
+        <p:cNvGrpSpPr/>
+        <p:nvPr/>
+      </p:nvGrpSpPr>
+      <p:grpSpPr bwMode="auto">
+        <a:xfrm>
+          <a:off x="0" y="0"/>
+          <a:ext cx="0" cy="0"/>
+          <a:chOff x="0" y="0"/>
+          <a:chExt cx="0" cy="0"/>
+        </a:xfrm>
+      </p:grpSpPr>
+      <p:sp>
+        <p:nvSpPr>
+          <p:cNvPr id="2" name="Slide Image Placeholder 1"/>
+          <p:cNvSpPr>
+            <a:spLocks noChangeAspect="1" noGrp="1" noRot="1"/>
+          </p:cNvSpPr>
+          <p:nvPr>
+            <p:ph type="sldImg"/>
+          </p:nvPr>
+        </p:nvSpPr>
+        <p:spPr bwMode="auto"/>
+      </p:sp>
+      <p:sp>
+        <p:nvSpPr>
+          <p:cNvPr id="3" name="Notes Placeholder 2"/>
+          <p:cNvSpPr>
+            <a:spLocks noGrp="1"/>
+          </p:cNvSpPr>
+          <p:nvPr>
+            <p:ph type="body" idx="1"/>
+          </p:nvPr>
+        </p:nvSpPr>
+        <p:spPr bwMode="auto"/>
+        <p:txBody>
+          <a:bodyPr/>
+          <a:lstStyle/>
+          <a:p>
+            <a:pPr>
+              <a:defRPr/>
+            </a:pPr>
+            <a:endParaRPr/>
+          </a:p>
+        </p:txBody>
+      </p:sp>
+      <p:sp>
+        <p:nvSpPr>
+          <p:cNvPr id="4" name="Slide Number Placeholder 3"/>
+          <p:cNvSpPr>
+            <a:spLocks noGrp="1"/>
+          </p:cNvSpPr>
+          <p:nvPr>
+            <p:ph type="sldNum" sz="quarter" idx="10"/>
+          </p:nvPr>
+        </p:nvSpPr>
+        <p:spPr bwMode="auto"/>
+        <p:txBody>
+          <a:bodyPr/>
+          <a:lstStyle/>
+          <a:p>
+            <a:pPr>
+              <a:defRPr/>
+            </a:pPr>
+            <a:fld id="{DBF493A4-34E3-2004-94EA-E804830359D7}" type="slidenum">
+              <a:rPr/>
+              <a:t/>
+            </a:fld>
+            <a:endParaRPr/>
+          </a:p>
+        </p:txBody>
+      </p:sp>
+    </p:spTree>
+  </p:cSld>
+</p:notes>
+</file>
+
+<file path=ppt/notesSlides/notesSlide15.xml><?xml version="1.0" encoding="utf-8"?>
+<p:notes xmlns:a="http://schemas.openxmlformats.org/drawingml/2006/main" xmlns:r="http://schemas.openxmlformats.org/officeDocument/2006/relationships" xmlns:p="http://schemas.openxmlformats.org/presentationml/2006/main" xmlns:m="http://schemas.openxmlformats.org/officeDocument/2006/math" xmlns:w="http://schemas.openxmlformats.org/wordprocessingml/2006/main">
+  <p:cSld name="">
+    <p:spTree>
+      <p:nvGrpSpPr>
+        <p:cNvPr id="1" name=""/>
+        <p:cNvGrpSpPr/>
+        <p:nvPr/>
+      </p:nvGrpSpPr>
+      <p:grpSpPr bwMode="auto">
+        <a:xfrm>
+          <a:off x="0" y="0"/>
+          <a:ext cx="0" cy="0"/>
+          <a:chOff x="0" y="0"/>
+          <a:chExt cx="0" cy="0"/>
+        </a:xfrm>
+      </p:grpSpPr>
+      <p:sp>
+        <p:nvSpPr>
+          <p:cNvPr id="2" name="Slide Image Placeholder 1"/>
+          <p:cNvSpPr>
+            <a:spLocks noChangeAspect="1" noGrp="1" noRot="1"/>
+          </p:cNvSpPr>
+          <p:nvPr>
+            <p:ph type="sldImg"/>
+          </p:nvPr>
+        </p:nvSpPr>
+        <p:spPr bwMode="auto"/>
+      </p:sp>
+      <p:sp>
+        <p:nvSpPr>
+          <p:cNvPr id="3" name="Notes Placeholder 2"/>
+          <p:cNvSpPr>
+            <a:spLocks noGrp="1"/>
+          </p:cNvSpPr>
+          <p:nvPr>
+            <p:ph type="body" idx="1"/>
+          </p:nvPr>
+        </p:nvSpPr>
+        <p:spPr bwMode="auto"/>
+        <p:txBody>
+          <a:bodyPr/>
+          <a:lstStyle/>
+          <a:p>
+            <a:pPr>
+              <a:defRPr/>
+            </a:pPr>
+            <a:endParaRPr/>
+          </a:p>
+        </p:txBody>
+      </p:sp>
+      <p:sp>
+        <p:nvSpPr>
+          <p:cNvPr id="4" name="Slide Number Placeholder 3"/>
+          <p:cNvSpPr>
+            <a:spLocks noGrp="1"/>
+          </p:cNvSpPr>
+          <p:nvPr>
+            <p:ph type="sldNum" sz="quarter" idx="10"/>
+          </p:nvPr>
+        </p:nvSpPr>
+        <p:spPr bwMode="auto"/>
+        <p:txBody>
+          <a:bodyPr/>
+          <a:lstStyle/>
+          <a:p>
+            <a:pPr>
+              <a:defRPr/>
+            </a:pPr>
+            <a:fld id="{5CDE52A7-D2A1-75AD-B336-72DF69F59DF5}" type="slidenum">
+              <a:rPr/>
+              <a:t/>
+            </a:fld>
+            <a:endParaRPr/>
+          </a:p>
+        </p:txBody>
+      </p:sp>
+    </p:spTree>
+  </p:cSld>
+</p:notes>
+</file>
+
+<file path=ppt/notesSlides/notesSlide16.xml><?xml version="1.0" encoding="utf-8"?>
+<p:notes xmlns:a="http://schemas.openxmlformats.org/drawingml/2006/main" xmlns:r="http://schemas.openxmlformats.org/officeDocument/2006/relationships" xmlns:p="http://schemas.openxmlformats.org/presentationml/2006/main" xmlns:m="http://schemas.openxmlformats.org/officeDocument/2006/math" xmlns:w="http://schemas.openxmlformats.org/wordprocessingml/2006/main">
+  <p:cSld name="">
+    <p:spTree>
+      <p:nvGrpSpPr>
+        <p:cNvPr id="1" name=""/>
+        <p:cNvGrpSpPr/>
+        <p:nvPr/>
+      </p:nvGrpSpPr>
+      <p:grpSpPr bwMode="auto">
+        <a:xfrm>
+          <a:off x="0" y="0"/>
+          <a:ext cx="0" cy="0"/>
+          <a:chOff x="0" y="0"/>
+          <a:chExt cx="0" cy="0"/>
+        </a:xfrm>
+      </p:grpSpPr>
+      <p:sp>
+        <p:nvSpPr>
+          <p:cNvPr id="2" name="Slide Image Placeholder 1"/>
+          <p:cNvSpPr>
+            <a:spLocks noChangeAspect="1" noGrp="1" noRot="1"/>
+          </p:cNvSpPr>
+          <p:nvPr>
+            <p:ph type="sldImg"/>
+          </p:nvPr>
+        </p:nvSpPr>
+        <p:spPr bwMode="auto"/>
+      </p:sp>
+      <p:sp>
+        <p:nvSpPr>
+          <p:cNvPr id="3" name="Notes Placeholder 2"/>
+          <p:cNvSpPr>
+            <a:spLocks noGrp="1"/>
+          </p:cNvSpPr>
+          <p:nvPr>
+            <p:ph type="body" idx="1"/>
+          </p:nvPr>
+        </p:nvSpPr>
+        <p:spPr bwMode="auto"/>
+        <p:txBody>
+          <a:bodyPr/>
+          <a:lstStyle/>
+          <a:p>
+            <a:pPr>
+              <a:defRPr/>
+            </a:pPr>
+            <a:endParaRPr/>
+          </a:p>
+        </p:txBody>
+      </p:sp>
+      <p:sp>
+        <p:nvSpPr>
+          <p:cNvPr id="4" name="Slide Number Placeholder 3"/>
+          <p:cNvSpPr>
+            <a:spLocks noGrp="1"/>
+          </p:cNvSpPr>
+          <p:nvPr>
+            <p:ph type="sldNum" sz="quarter" idx="10"/>
+          </p:nvPr>
+        </p:nvSpPr>
+        <p:spPr bwMode="auto"/>
+        <p:txBody>
+          <a:bodyPr/>
+          <a:lstStyle/>
+          <a:p>
+            <a:pPr>
+              <a:defRPr/>
+            </a:pPr>
+            <a:fld id="{1E56EEE8-D1E0-6C19-EE48-17BB04895393}" type="slidenum">
+              <a:rPr/>
+              <a:t/>
+            </a:fld>
+            <a:endParaRPr/>
+          </a:p>
+        </p:txBody>
+      </p:sp>
+    </p:spTree>
+  </p:cSld>
+</p:notes>
+</file>
+
+<file path=ppt/notesSlides/notesSlide17.xml><?xml version="1.0" encoding="utf-8"?>
+<p:notes xmlns:a="http://schemas.openxmlformats.org/drawingml/2006/main" xmlns:r="http://schemas.openxmlformats.org/officeDocument/2006/relationships" xmlns:p="http://schemas.openxmlformats.org/presentationml/2006/main" xmlns:m="http://schemas.openxmlformats.org/officeDocument/2006/math" xmlns:w="http://schemas.openxmlformats.org/wordprocessingml/2006/main">
+  <p:cSld name="">
+    <p:spTree>
+      <p:nvGrpSpPr>
+        <p:cNvPr id="1" name=""/>
+        <p:cNvGrpSpPr/>
+        <p:nvPr/>
+      </p:nvGrpSpPr>
+      <p:grpSpPr bwMode="auto">
+        <a:xfrm>
+          <a:off x="0" y="0"/>
+          <a:ext cx="0" cy="0"/>
+          <a:chOff x="0" y="0"/>
+          <a:chExt cx="0" cy="0"/>
+        </a:xfrm>
+      </p:grpSpPr>
+      <p:sp>
+        <p:nvSpPr>
+          <p:cNvPr id="2" name="Slide Image Placeholder 1"/>
+          <p:cNvSpPr>
+            <a:spLocks noChangeAspect="1" noGrp="1" noRot="1"/>
+          </p:cNvSpPr>
+          <p:nvPr>
+            <p:ph type="sldImg"/>
+          </p:nvPr>
+        </p:nvSpPr>
+        <p:spPr bwMode="auto"/>
+      </p:sp>
+      <p:sp>
+        <p:nvSpPr>
+          <p:cNvPr id="3" name="Notes Placeholder 2"/>
+          <p:cNvSpPr>
+            <a:spLocks noGrp="1"/>
+          </p:cNvSpPr>
+          <p:nvPr>
+            <p:ph type="body" idx="1"/>
+          </p:nvPr>
+        </p:nvSpPr>
+        <p:spPr bwMode="auto"/>
+        <p:txBody>
+          <a:bodyPr/>
+          <a:lstStyle/>
+          <a:p>
+            <a:pPr>
+              <a:defRPr/>
+            </a:pPr>
+            <a:r>
+              <a:rPr/>
+              <a:t>Pour créer un constructeur d’une inner class, on doit appeler le constructeur de sa outer class. Ex :</a:t>
+            </a:r>
+            <a:br>
+              <a:rPr/>
+            </a:br>
+            <a:r>
+              <a:rPr/>
+              <a:t>On a une classe Coquille qui contient une inner class Blanc tel que :</a:t>
+            </a:r>
+            <a:br>
+              <a:rPr/>
+            </a:br>
+            <a:r>
+              <a:rPr/>
+              <a:t>class Coquille{</a:t>
+            </a:r>
+            <a:br>
+              <a:rPr/>
+            </a:br>
+            <a:r>
+              <a:rPr/>
+              <a:t>	int value = 0;</a:t>
+            </a:r>
+            <a:endParaRPr/>
+          </a:p>
+          <a:p>
+            <a:pPr>
+              <a:defRPr/>
+            </a:pPr>
+            <a:endParaRPr/>
+          </a:p>
+          <a:p>
+            <a:pPr>
+              <a:defRPr/>
+            </a:pPr>
+            <a:r>
+              <a:rPr/>
+              <a:t>	class Blanc{</a:t>
+            </a:r>
+            <a:endParaRPr/>
+          </a:p>
+          <a:p>
+            <a:pPr>
+              <a:defRPr/>
+            </a:pPr>
+            <a:r>
+              <a:rPr/>
+              <a:t>		Blanc(Coquille c){</a:t>
+            </a:r>
+            <a:endParaRPr/>
+          </a:p>
+          <a:p>
+            <a:pPr>
+              <a:defRPr/>
+            </a:pPr>
+            <a:r>
+              <a:rPr/>
+              <a:t>			c.super()	// va appeler le constructeur de Coquille		</a:t>
+            </a:r>
+            <a:endParaRPr/>
+          </a:p>
+          <a:p>
+            <a:pPr>
+              <a:defRPr/>
+            </a:pPr>
+            <a:r>
+              <a:rPr/>
+              <a:t>		}</a:t>
+            </a:r>
+            <a:endParaRPr/>
+          </a:p>
+          <a:p>
+            <a:pPr>
+              <a:defRPr/>
+            </a:pPr>
+            <a:r>
+              <a:rPr/>
+              <a:t>	}</a:t>
+            </a:r>
+            <a:endParaRPr/>
+          </a:p>
+          <a:p>
+            <a:pPr>
+              <a:defRPr/>
+            </a:pPr>
+            <a:r>
+              <a:rPr/>
+              <a:t>}</a:t>
+            </a:r>
+            <a:endParaRPr/>
+          </a:p>
+          <a:p>
+            <a:pPr>
+              <a:defRPr/>
+            </a:pPr>
+            <a:r>
+              <a:rPr/>
+              <a:t>On ne peut pas accéder au blanc de l’oeuf si on a pas accès à sa coquille</a:t>
+            </a:r>
+            <a:endParaRPr/>
+          </a:p>
+        </p:txBody>
+      </p:sp>
+      <p:sp>
+        <p:nvSpPr>
+          <p:cNvPr id="4" name="Slide Number Placeholder 3"/>
+          <p:cNvSpPr>
+            <a:spLocks noGrp="1"/>
+          </p:cNvSpPr>
+          <p:nvPr>
+            <p:ph type="sldNum" sz="quarter" idx="10"/>
+          </p:nvPr>
+        </p:nvSpPr>
+        <p:spPr bwMode="auto"/>
+        <p:txBody>
+          <a:bodyPr/>
+          <a:lstStyle/>
+          <a:p>
+            <a:pPr>
+              <a:defRPr/>
+            </a:pPr>
+            <a:fld id="{26A602B4-5D82-0CF9-70C5-1E196B0C0514}" type="slidenum">
+              <a:rPr/>
+              <a:t/>
+            </a:fld>
+            <a:endParaRPr/>
+          </a:p>
+        </p:txBody>
+      </p:sp>
+    </p:spTree>
+  </p:cSld>
+</p:notes>
+</file>
+
+<file path=ppt/notesSlides/notesSlide18.xml><?xml version="1.0" encoding="utf-8"?>
+<p:notes xmlns:a="http://schemas.openxmlformats.org/drawingml/2006/main" xmlns:r="http://schemas.openxmlformats.org/officeDocument/2006/relationships" xmlns:p="http://schemas.openxmlformats.org/presentationml/2006/main" xmlns:m="http://schemas.openxmlformats.org/officeDocument/2006/math" xmlns:w="http://schemas.openxmlformats.org/wordprocessingml/2006/main">
+  <p:cSld name="">
+    <p:spTree>
+      <p:nvGrpSpPr>
+        <p:cNvPr id="1" name=""/>
+        <p:cNvGrpSpPr/>
+        <p:nvPr/>
+      </p:nvGrpSpPr>
+      <p:grpSpPr bwMode="auto">
+        <a:xfrm>
+          <a:off x="0" y="0"/>
+          <a:ext cx="0" cy="0"/>
+          <a:chOff x="0" y="0"/>
+          <a:chExt cx="0" cy="0"/>
+        </a:xfrm>
+      </p:grpSpPr>
+      <p:sp>
+        <p:nvSpPr>
+          <p:cNvPr id="2" name="Slide Image Placeholder 1"/>
+          <p:cNvSpPr>
+            <a:spLocks noChangeAspect="1" noGrp="1" noRot="1"/>
+          </p:cNvSpPr>
+          <p:nvPr>
+            <p:ph type="sldImg"/>
+          </p:nvPr>
+        </p:nvSpPr>
+        <p:spPr bwMode="auto"/>
+      </p:sp>
+      <p:sp>
+        <p:nvSpPr>
+          <p:cNvPr id="3" name="Notes Placeholder 2"/>
+          <p:cNvSpPr>
+            <a:spLocks noGrp="1"/>
+          </p:cNvSpPr>
+          <p:nvPr>
+            <p:ph type="body" idx="1"/>
+          </p:nvPr>
+        </p:nvSpPr>
+        <p:spPr bwMode="auto"/>
+        <p:txBody>
+          <a:bodyPr/>
+          <a:lstStyle/>
+          <a:p>
+            <a:pPr>
+              <a:defRPr/>
+            </a:pPr>
+            <a:endParaRPr/>
+          </a:p>
+        </p:txBody>
+      </p:sp>
+      <p:sp>
+        <p:nvSpPr>
+          <p:cNvPr id="4" name="Slide Number Placeholder 3"/>
+          <p:cNvSpPr>
+            <a:spLocks noGrp="1"/>
+          </p:cNvSpPr>
+          <p:nvPr>
+            <p:ph type="sldNum" sz="quarter" idx="10"/>
+          </p:nvPr>
+        </p:nvSpPr>
+        <p:spPr bwMode="auto"/>
+        <p:txBody>
+          <a:bodyPr/>
+          <a:lstStyle/>
+          <a:p>
+            <a:pPr>
+              <a:defRPr/>
+            </a:pPr>
+            <a:fld id="{7530B52A-3A92-1BC6-F8CA-94008FA37605}" type="slidenum">
+              <a:rPr/>
+              <a:t/>
+            </a:fld>
+            <a:endParaRPr/>
+          </a:p>
+        </p:txBody>
+      </p:sp>
+    </p:spTree>
+  </p:cSld>
+</p:notes>
+</file>
+
+<file path=ppt/notesSlides/notesSlide19.xml><?xml version="1.0" encoding="utf-8"?>
+<p:notes xmlns:a="http://schemas.openxmlformats.org/drawingml/2006/main" xmlns:r="http://schemas.openxmlformats.org/officeDocument/2006/relationships" xmlns:p="http://schemas.openxmlformats.org/presentationml/2006/main" xmlns:m="http://schemas.openxmlformats.org/officeDocument/2006/math" xmlns:w="http://schemas.openxmlformats.org/wordprocessingml/2006/main">
+  <p:cSld name="">
+    <p:spTree>
+      <p:nvGrpSpPr>
+        <p:cNvPr id="1" name=""/>
+        <p:cNvGrpSpPr/>
+        <p:nvPr/>
+      </p:nvGrpSpPr>
+      <p:grpSpPr bwMode="auto">
+        <a:xfrm>
+          <a:off x="0" y="0"/>
+          <a:ext cx="0" cy="0"/>
+          <a:chOff x="0" y="0"/>
+          <a:chExt cx="0" cy="0"/>
+        </a:xfrm>
+      </p:grpSpPr>
+      <p:sp>
+        <p:nvSpPr>
+          <p:cNvPr id="2" name="Slide Image Placeholder 1"/>
+          <p:cNvSpPr>
+            <a:spLocks noChangeAspect="1" noGrp="1" noRot="1"/>
+          </p:cNvSpPr>
+          <p:nvPr>
+            <p:ph type="sldImg"/>
+          </p:nvPr>
+        </p:nvSpPr>
+        <p:spPr bwMode="auto"/>
+      </p:sp>
+      <p:sp>
+        <p:nvSpPr>
+          <p:cNvPr id="3" name="Notes Placeholder 2"/>
+          <p:cNvSpPr>
+            <a:spLocks noGrp="1"/>
+          </p:cNvSpPr>
+          <p:nvPr>
+            <p:ph type="body" idx="1"/>
+          </p:nvPr>
+        </p:nvSpPr>
+        <p:spPr bwMode="auto"/>
+        <p:txBody>
+          <a:bodyPr/>
+          <a:lstStyle/>
+          <a:p>
+            <a:pPr>
+              <a:defRPr/>
+            </a:pPr>
+            <a:endParaRPr/>
+          </a:p>
+        </p:txBody>
+      </p:sp>
+      <p:sp>
+        <p:nvSpPr>
+          <p:cNvPr id="4" name="Slide Number Placeholder 3"/>
+          <p:cNvSpPr>
+            <a:spLocks noGrp="1"/>
+          </p:cNvSpPr>
+          <p:nvPr>
+            <p:ph type="sldNum" sz="quarter" idx="10"/>
+          </p:nvPr>
+        </p:nvSpPr>
+        <p:spPr bwMode="auto"/>
+        <p:txBody>
+          <a:bodyPr/>
+          <a:lstStyle/>
+          <a:p>
+            <a:pPr>
+              <a:defRPr/>
+            </a:pPr>
+            <a:fld id="{B9066D52-9C67-39E8-69CE-9649503B67DD}" type="slidenum">
+              <a:rPr/>
+              <a:t/>
+            </a:fld>
+            <a:endParaRPr/>
+          </a:p>
+        </p:txBody>
+      </p:sp>
+    </p:spTree>
+  </p:cSld>
+</p:notes>
+</file>
+
+<file path=ppt/notesSlides/notesSlide2.xml><?xml version="1.0" encoding="utf-8"?>
+<p:notes xmlns:a="http://schemas.openxmlformats.org/drawingml/2006/main" xmlns:r="http://schemas.openxmlformats.org/officeDocument/2006/relationships" xmlns:p="http://schemas.openxmlformats.org/presentationml/2006/main" xmlns:m="http://schemas.openxmlformats.org/officeDocument/2006/math" xmlns:w="http://schemas.openxmlformats.org/wordprocessingml/2006/main">
+  <p:cSld name="">
+    <p:spTree>
+      <p:nvGrpSpPr>
+        <p:cNvPr id="1" name=""/>
+        <p:cNvGrpSpPr/>
+        <p:nvPr/>
+      </p:nvGrpSpPr>
+      <p:grpSpPr bwMode="auto">
+        <a:xfrm>
+          <a:off x="0" y="0"/>
+          <a:ext cx="0" cy="0"/>
+          <a:chOff x="0" y="0"/>
+          <a:chExt cx="0" cy="0"/>
+        </a:xfrm>
+      </p:grpSpPr>
+      <p:sp>
+        <p:nvSpPr>
+          <p:cNvPr id="2" name="Slide Image Placeholder 1"/>
+          <p:cNvSpPr>
+            <a:spLocks noChangeAspect="1" noGrp="1" noRot="1"/>
+          </p:cNvSpPr>
+          <p:nvPr>
+            <p:ph type="sldImg"/>
+          </p:nvPr>
+        </p:nvSpPr>
+        <p:spPr bwMode="auto"/>
+      </p:sp>
+      <p:sp>
+        <p:nvSpPr>
+          <p:cNvPr id="3" name="Notes Placeholder 2"/>
+          <p:cNvSpPr>
+            <a:spLocks noGrp="1"/>
+          </p:cNvSpPr>
+          <p:nvPr>
+            <p:ph type="body" idx="1"/>
+          </p:nvPr>
+        </p:nvSpPr>
+        <p:spPr bwMode="auto"/>
+        <p:txBody>
+          <a:bodyPr/>
+          <a:lstStyle/>
+          <a:p>
+            <a:pPr>
+              <a:defRPr/>
+            </a:pPr>
+            <a:endParaRPr/>
+          </a:p>
+        </p:txBody>
+      </p:sp>
+      <p:sp>
+        <p:nvSpPr>
+          <p:cNvPr id="4" name="Slide Number Placeholder 3"/>
+          <p:cNvSpPr>
+            <a:spLocks noGrp="1"/>
+          </p:cNvSpPr>
+          <p:nvPr>
+            <p:ph type="sldNum" sz="quarter" idx="10"/>
+          </p:nvPr>
+        </p:nvSpPr>
+        <p:spPr bwMode="auto"/>
+        <p:txBody>
+          <a:bodyPr/>
+          <a:lstStyle/>
+          <a:p>
+            <a:pPr>
+              <a:defRPr/>
+            </a:pPr>
+            <a:fld id="{1AF0E9FC-76C0-E40D-5B8D-C5BDBD837588}" type="slidenum">
+              <a:rPr/>
+              <a:t/>
+            </a:fld>
+            <a:endParaRPr/>
+          </a:p>
+        </p:txBody>
+      </p:sp>
+    </p:spTree>
+  </p:cSld>
+</p:notes>
+</file>
+
+<file path=ppt/notesSlides/notesSlide3.xml><?xml version="1.0" encoding="utf-8"?>
+<p:notes xmlns:a="http://schemas.openxmlformats.org/drawingml/2006/main" xmlns:r="http://schemas.openxmlformats.org/officeDocument/2006/relationships" xmlns:p="http://schemas.openxmlformats.org/presentationml/2006/main" xmlns:m="http://schemas.openxmlformats.org/officeDocument/2006/math" xmlns:w="http://schemas.openxmlformats.org/wordprocessingml/2006/main">
+  <p:cSld name="">
+    <p:spTree>
+      <p:nvGrpSpPr>
+        <p:cNvPr id="1" name=""/>
+        <p:cNvGrpSpPr/>
+        <p:nvPr/>
+      </p:nvGrpSpPr>
+      <p:grpSpPr bwMode="auto">
+        <a:xfrm>
+          <a:off x="0" y="0"/>
+          <a:ext cx="0" cy="0"/>
+          <a:chOff x="0" y="0"/>
+          <a:chExt cx="0" cy="0"/>
+        </a:xfrm>
+      </p:grpSpPr>
+      <p:sp>
+        <p:nvSpPr>
+          <p:cNvPr id="2" name="Slide Image Placeholder 1"/>
+          <p:cNvSpPr>
+            <a:spLocks noChangeAspect="1" noGrp="1" noRot="1"/>
+          </p:cNvSpPr>
+          <p:nvPr>
+            <p:ph type="sldImg"/>
+          </p:nvPr>
+        </p:nvSpPr>
+        <p:spPr bwMode="auto"/>
+      </p:sp>
+      <p:sp>
+        <p:nvSpPr>
+          <p:cNvPr id="3" name="Notes Placeholder 2"/>
+          <p:cNvSpPr>
+            <a:spLocks noGrp="1"/>
+          </p:cNvSpPr>
+          <p:nvPr>
+            <p:ph type="body" idx="1"/>
+          </p:nvPr>
+        </p:nvSpPr>
+        <p:spPr bwMode="auto"/>
+        <p:txBody>
+          <a:bodyPr/>
+          <a:lstStyle/>
+          <a:p>
+            <a:pPr>
+              <a:defRPr/>
+            </a:pPr>
+            <a:endParaRPr/>
+          </a:p>
+        </p:txBody>
+      </p:sp>
+      <p:sp>
+        <p:nvSpPr>
+          <p:cNvPr id="4" name="Slide Number Placeholder 3"/>
+          <p:cNvSpPr>
+            <a:spLocks noGrp="1"/>
+          </p:cNvSpPr>
+          <p:nvPr>
+            <p:ph type="sldNum" sz="quarter" idx="10"/>
+          </p:nvPr>
+        </p:nvSpPr>
+        <p:spPr bwMode="auto"/>
+        <p:txBody>
+          <a:bodyPr/>
+          <a:lstStyle/>
+          <a:p>
+            <a:pPr>
+              <a:defRPr/>
+            </a:pPr>
+            <a:fld id="{9B24C81B-9576-F883-D551-BCF4250BF3AD}" type="slidenum">
+              <a:rPr/>
+              <a:t/>
+            </a:fld>
+            <a:endParaRPr/>
+          </a:p>
+        </p:txBody>
+      </p:sp>
+    </p:spTree>
+  </p:cSld>
+</p:notes>
+</file>
+
+<file path=ppt/notesSlides/notesSlide4.xml><?xml version="1.0" encoding="utf-8"?>
+<p:notes xmlns:a="http://schemas.openxmlformats.org/drawingml/2006/main" xmlns:r="http://schemas.openxmlformats.org/officeDocument/2006/relationships" xmlns:p="http://schemas.openxmlformats.org/presentationml/2006/main" xmlns:m="http://schemas.openxmlformats.org/officeDocument/2006/math" xmlns:w="http://schemas.openxmlformats.org/wordprocessingml/2006/main">
+  <p:cSld name="">
+    <p:spTree>
+      <p:nvGrpSpPr>
+        <p:cNvPr id="1" name=""/>
+        <p:cNvGrpSpPr/>
+        <p:nvPr/>
+      </p:nvGrpSpPr>
+      <p:grpSpPr bwMode="auto">
+        <a:xfrm>
+          <a:off x="0" y="0"/>
+          <a:ext cx="0" cy="0"/>
+          <a:chOff x="0" y="0"/>
+          <a:chExt cx="0" cy="0"/>
+        </a:xfrm>
+      </p:grpSpPr>
+      <p:sp>
+        <p:nvSpPr>
+          <p:cNvPr id="2" name="Slide Image Placeholder 1"/>
+          <p:cNvSpPr>
+            <a:spLocks noChangeAspect="1" noGrp="1" noRot="1"/>
+          </p:cNvSpPr>
+          <p:nvPr>
+            <p:ph type="sldImg"/>
+          </p:nvPr>
+        </p:nvSpPr>
+        <p:spPr bwMode="auto"/>
+      </p:sp>
+      <p:sp>
+        <p:nvSpPr>
+          <p:cNvPr id="3" name="Notes Placeholder 2"/>
+          <p:cNvSpPr>
+            <a:spLocks noGrp="1"/>
+          </p:cNvSpPr>
+          <p:nvPr>
+            <p:ph type="body" idx="1"/>
+          </p:nvPr>
+        </p:nvSpPr>
+        <p:spPr bwMode="auto"/>
+        <p:txBody>
+          <a:bodyPr/>
+          <a:lstStyle/>
+          <a:p>
+            <a:pPr>
+              <a:defRPr/>
+            </a:pPr>
+            <a:endParaRPr/>
+          </a:p>
+        </p:txBody>
+      </p:sp>
+      <p:sp>
+        <p:nvSpPr>
+          <p:cNvPr id="4" name="Slide Number Placeholder 3"/>
+          <p:cNvSpPr>
+            <a:spLocks noGrp="1"/>
+          </p:cNvSpPr>
+          <p:nvPr>
+            <p:ph type="sldNum" sz="quarter" idx="10"/>
+          </p:nvPr>
+        </p:nvSpPr>
+        <p:spPr bwMode="auto"/>
+        <p:txBody>
+          <a:bodyPr/>
+          <a:lstStyle/>
+          <a:p>
+            <a:pPr>
+              <a:defRPr/>
+            </a:pPr>
+            <a:fld id="{16A64A9F-346A-58C5-E747-4B475F9E8719}" type="slidenum">
+              <a:rPr/>
+              <a:t/>
+            </a:fld>
+            <a:endParaRPr/>
+          </a:p>
+        </p:txBody>
+      </p:sp>
+    </p:spTree>
+  </p:cSld>
+</p:notes>
+</file>
+
+<file path=ppt/notesSlides/notesSlide5.xml><?xml version="1.0" encoding="utf-8"?>
+<p:notes xmlns:a="http://schemas.openxmlformats.org/drawingml/2006/main" xmlns:r="http://schemas.openxmlformats.org/officeDocument/2006/relationships" xmlns:p="http://schemas.openxmlformats.org/presentationml/2006/main" xmlns:m="http://schemas.openxmlformats.org/officeDocument/2006/math" xmlns:w="http://schemas.openxmlformats.org/wordprocessingml/2006/main">
+  <p:cSld name="">
+    <p:spTree>
+      <p:nvGrpSpPr>
+        <p:cNvPr id="1" name=""/>
+        <p:cNvGrpSpPr/>
+        <p:nvPr/>
+      </p:nvGrpSpPr>
+      <p:grpSpPr bwMode="auto">
+        <a:xfrm>
+          <a:off x="0" y="0"/>
+          <a:ext cx="0" cy="0"/>
+          <a:chOff x="0" y="0"/>
+          <a:chExt cx="0" cy="0"/>
+        </a:xfrm>
+      </p:grpSpPr>
+      <p:sp>
+        <p:nvSpPr>
+          <p:cNvPr id="2" name="Slide Image Placeholder 1"/>
+          <p:cNvSpPr>
+            <a:spLocks noChangeAspect="1" noGrp="1" noRot="1"/>
+          </p:cNvSpPr>
+          <p:nvPr>
+            <p:ph type="sldImg"/>
+          </p:nvPr>
+        </p:nvSpPr>
+        <p:spPr bwMode="auto"/>
+      </p:sp>
+      <p:sp>
+        <p:nvSpPr>
+          <p:cNvPr id="3" name="Notes Placeholder 2"/>
+          <p:cNvSpPr>
+            <a:spLocks noGrp="1"/>
+          </p:cNvSpPr>
+          <p:nvPr>
+            <p:ph type="body" idx="1"/>
+          </p:nvPr>
+        </p:nvSpPr>
+        <p:spPr bwMode="auto"/>
+        <p:txBody>
+          <a:bodyPr/>
+          <a:lstStyle/>
+          <a:p>
+            <a:pPr>
+              <a:defRPr/>
+            </a:pPr>
             <a:r>
               <a:rPr lang="en-CA"/>
               <a:t>March</a:t>
             </a:r>
             <a:r>
-              <a:rPr lang="en-CA" baseline="0"/>
+              <a:rPr lang="en-CA"/>
               <a:t> 22, 2017</a:t>
             </a:r>
-            <a:endParaRPr lang="en-CA" dirty="0"/>
+            <a:endParaRPr lang="en-CA"/>
           </a:p>
         </p:txBody>
       </p:sp>
@@ -560,13 +1820,16 @@
             <p:ph type="sldNum" sz="quarter" idx="10"/>
           </p:nvPr>
         </p:nvSpPr>
-        <p:spPr/>
-        <p:txBody>
-          <a:bodyPr/>
-          <a:lstStyle/>
-          <a:p>
+        <p:spPr bwMode="auto"/>
+        <p:txBody>
+          <a:bodyPr/>
+          <a:lstStyle/>
+          <a:p>
+            <a:pPr>
+              <a:defRPr/>
+            </a:pPr>
             <a:fld id="{5C2CAE63-1FEC-4081-8530-803C5AABD14F}" type="slidenum">
-              <a:rPr lang="en-CA" smtClean="0"/>
+              <a:rPr lang="en-CA"/>
               <a:t>5</a:t>
             </a:fld>
             <a:endParaRPr lang="en-CA"/>
@@ -574,20 +1837,340 @@
         </p:txBody>
       </p:sp>
     </p:spTree>
-    <p:extLst>
-      <p:ext uri="{BB962C8B-B14F-4D97-AF65-F5344CB8AC3E}">
-        <p14:creationId xmlns:p14="http://schemas.microsoft.com/office/powerpoint/2010/main" val="3128154657"/>
-      </p:ext>
-    </p:extLst>
   </p:cSld>
-  <p:clrMapOvr>
-    <a:masterClrMapping/>
-  </p:clrMapOvr>
+</p:notes>
+</file>
+
+<file path=ppt/notesSlides/notesSlide6.xml><?xml version="1.0" encoding="utf-8"?>
+<p:notes xmlns:a="http://schemas.openxmlformats.org/drawingml/2006/main" xmlns:r="http://schemas.openxmlformats.org/officeDocument/2006/relationships" xmlns:p="http://schemas.openxmlformats.org/presentationml/2006/main" xmlns:m="http://schemas.openxmlformats.org/officeDocument/2006/math" xmlns:w="http://schemas.openxmlformats.org/wordprocessingml/2006/main">
+  <p:cSld name="">
+    <p:spTree>
+      <p:nvGrpSpPr>
+        <p:cNvPr id="1" name=""/>
+        <p:cNvGrpSpPr/>
+        <p:nvPr/>
+      </p:nvGrpSpPr>
+      <p:grpSpPr bwMode="auto">
+        <a:xfrm>
+          <a:off x="0" y="0"/>
+          <a:ext cx="0" cy="0"/>
+          <a:chOff x="0" y="0"/>
+          <a:chExt cx="0" cy="0"/>
+        </a:xfrm>
+      </p:grpSpPr>
+      <p:sp>
+        <p:nvSpPr>
+          <p:cNvPr id="2" name="Slide Image Placeholder 1"/>
+          <p:cNvSpPr>
+            <a:spLocks noChangeAspect="1" noGrp="1" noRot="1"/>
+          </p:cNvSpPr>
+          <p:nvPr>
+            <p:ph type="sldImg"/>
+          </p:nvPr>
+        </p:nvSpPr>
+        <p:spPr bwMode="auto"/>
+      </p:sp>
+      <p:sp>
+        <p:nvSpPr>
+          <p:cNvPr id="3" name="Notes Placeholder 2"/>
+          <p:cNvSpPr>
+            <a:spLocks noGrp="1"/>
+          </p:cNvSpPr>
+          <p:nvPr>
+            <p:ph type="body" idx="1"/>
+          </p:nvPr>
+        </p:nvSpPr>
+        <p:spPr bwMode="auto"/>
+        <p:txBody>
+          <a:bodyPr/>
+          <a:lstStyle/>
+          <a:p>
+            <a:pPr>
+              <a:defRPr/>
+            </a:pPr>
+            <a:endParaRPr/>
+          </a:p>
+        </p:txBody>
+      </p:sp>
+      <p:sp>
+        <p:nvSpPr>
+          <p:cNvPr id="4" name="Slide Number Placeholder 3"/>
+          <p:cNvSpPr>
+            <a:spLocks noGrp="1"/>
+          </p:cNvSpPr>
+          <p:nvPr>
+            <p:ph type="sldNum" sz="quarter" idx="10"/>
+          </p:nvPr>
+        </p:nvSpPr>
+        <p:spPr bwMode="auto"/>
+        <p:txBody>
+          <a:bodyPr/>
+          <a:lstStyle/>
+          <a:p>
+            <a:pPr>
+              <a:defRPr/>
+            </a:pPr>
+            <a:fld id="{D2F54EF2-1EE4-D59C-400C-96C823AF182C}" type="slidenum">
+              <a:rPr/>
+              <a:t/>
+            </a:fld>
+            <a:endParaRPr/>
+          </a:p>
+        </p:txBody>
+      </p:sp>
+    </p:spTree>
+  </p:cSld>
+</p:notes>
+</file>
+
+<file path=ppt/notesSlides/notesSlide7.xml><?xml version="1.0" encoding="utf-8"?>
+<p:notes xmlns:a="http://schemas.openxmlformats.org/drawingml/2006/main" xmlns:r="http://schemas.openxmlformats.org/officeDocument/2006/relationships" xmlns:p="http://schemas.openxmlformats.org/presentationml/2006/main" xmlns:m="http://schemas.openxmlformats.org/officeDocument/2006/math" xmlns:w="http://schemas.openxmlformats.org/wordprocessingml/2006/main">
+  <p:cSld name="">
+    <p:spTree>
+      <p:nvGrpSpPr>
+        <p:cNvPr id="1" name=""/>
+        <p:cNvGrpSpPr/>
+        <p:nvPr/>
+      </p:nvGrpSpPr>
+      <p:grpSpPr bwMode="auto">
+        <a:xfrm>
+          <a:off x="0" y="0"/>
+          <a:ext cx="0" cy="0"/>
+          <a:chOff x="0" y="0"/>
+          <a:chExt cx="0" cy="0"/>
+        </a:xfrm>
+      </p:grpSpPr>
+      <p:sp>
+        <p:nvSpPr>
+          <p:cNvPr id="2" name="Slide Image Placeholder 1"/>
+          <p:cNvSpPr>
+            <a:spLocks noChangeAspect="1" noGrp="1" noRot="1"/>
+          </p:cNvSpPr>
+          <p:nvPr>
+            <p:ph type="sldImg"/>
+          </p:nvPr>
+        </p:nvSpPr>
+        <p:spPr bwMode="auto"/>
+      </p:sp>
+      <p:sp>
+        <p:nvSpPr>
+          <p:cNvPr id="3" name="Notes Placeholder 2"/>
+          <p:cNvSpPr>
+            <a:spLocks noGrp="1"/>
+          </p:cNvSpPr>
+          <p:nvPr>
+            <p:ph type="body" idx="1"/>
+          </p:nvPr>
+        </p:nvSpPr>
+        <p:spPr bwMode="auto"/>
+        <p:txBody>
+          <a:bodyPr/>
+          <a:lstStyle/>
+          <a:p>
+            <a:pPr>
+              <a:defRPr/>
+            </a:pPr>
+            <a:endParaRPr/>
+          </a:p>
+        </p:txBody>
+      </p:sp>
+      <p:sp>
+        <p:nvSpPr>
+          <p:cNvPr id="4" name="Slide Number Placeholder 3"/>
+          <p:cNvSpPr>
+            <a:spLocks noGrp="1"/>
+          </p:cNvSpPr>
+          <p:nvPr>
+            <p:ph type="sldNum" sz="quarter" idx="10"/>
+          </p:nvPr>
+        </p:nvSpPr>
+        <p:spPr bwMode="auto"/>
+        <p:txBody>
+          <a:bodyPr/>
+          <a:lstStyle/>
+          <a:p>
+            <a:pPr>
+              <a:defRPr/>
+            </a:pPr>
+            <a:fld id="{CD9BD1F0-12F7-2A52-25BC-029466129D9E}" type="slidenum">
+              <a:rPr/>
+              <a:t/>
+            </a:fld>
+            <a:endParaRPr/>
+          </a:p>
+        </p:txBody>
+      </p:sp>
+    </p:spTree>
+  </p:cSld>
+</p:notes>
+</file>
+
+<file path=ppt/notesSlides/notesSlide8.xml><?xml version="1.0" encoding="utf-8"?>
+<p:notes xmlns:a="http://schemas.openxmlformats.org/drawingml/2006/main" xmlns:r="http://schemas.openxmlformats.org/officeDocument/2006/relationships" xmlns:p="http://schemas.openxmlformats.org/presentationml/2006/main" xmlns:m="http://schemas.openxmlformats.org/officeDocument/2006/math" xmlns:w="http://schemas.openxmlformats.org/wordprocessingml/2006/main">
+  <p:cSld name="">
+    <p:spTree>
+      <p:nvGrpSpPr>
+        <p:cNvPr id="1" name=""/>
+        <p:cNvGrpSpPr/>
+        <p:nvPr/>
+      </p:nvGrpSpPr>
+      <p:grpSpPr bwMode="auto">
+        <a:xfrm>
+          <a:off x="0" y="0"/>
+          <a:ext cx="0" cy="0"/>
+          <a:chOff x="0" y="0"/>
+          <a:chExt cx="0" cy="0"/>
+        </a:xfrm>
+      </p:grpSpPr>
+      <p:sp>
+        <p:nvSpPr>
+          <p:cNvPr id="2" name="Slide Image Placeholder 1"/>
+          <p:cNvSpPr>
+            <a:spLocks noChangeAspect="1" noGrp="1" noRot="1"/>
+          </p:cNvSpPr>
+          <p:nvPr>
+            <p:ph type="sldImg"/>
+          </p:nvPr>
+        </p:nvSpPr>
+        <p:spPr bwMode="auto"/>
+      </p:sp>
+      <p:sp>
+        <p:nvSpPr>
+          <p:cNvPr id="3" name="Notes Placeholder 2"/>
+          <p:cNvSpPr>
+            <a:spLocks noGrp="1"/>
+          </p:cNvSpPr>
+          <p:nvPr>
+            <p:ph type="body" idx="1"/>
+          </p:nvPr>
+        </p:nvSpPr>
+        <p:spPr bwMode="auto"/>
+        <p:txBody>
+          <a:bodyPr/>
+          <a:lstStyle/>
+          <a:p>
+            <a:pPr>
+              <a:defRPr/>
+            </a:pPr>
+            <a:endParaRPr/>
+          </a:p>
+        </p:txBody>
+      </p:sp>
+      <p:sp>
+        <p:nvSpPr>
+          <p:cNvPr id="4" name="Slide Number Placeholder 3"/>
+          <p:cNvSpPr>
+            <a:spLocks noGrp="1"/>
+          </p:cNvSpPr>
+          <p:nvPr>
+            <p:ph type="sldNum" sz="quarter" idx="10"/>
+          </p:nvPr>
+        </p:nvSpPr>
+        <p:spPr bwMode="auto"/>
+        <p:txBody>
+          <a:bodyPr/>
+          <a:lstStyle/>
+          <a:p>
+            <a:pPr>
+              <a:defRPr/>
+            </a:pPr>
+            <a:fld id="{96A11899-6C28-EB9E-C448-7679FA11D197}" type="slidenum">
+              <a:rPr/>
+              <a:t/>
+            </a:fld>
+            <a:endParaRPr/>
+          </a:p>
+        </p:txBody>
+      </p:sp>
+    </p:spTree>
+  </p:cSld>
+</p:notes>
+</file>
+
+<file path=ppt/notesSlides/notesSlide9.xml><?xml version="1.0" encoding="utf-8"?>
+<p:notes xmlns:a="http://schemas.openxmlformats.org/drawingml/2006/main" xmlns:r="http://schemas.openxmlformats.org/officeDocument/2006/relationships" xmlns:p="http://schemas.openxmlformats.org/presentationml/2006/main" xmlns:m="http://schemas.openxmlformats.org/officeDocument/2006/math" xmlns:w="http://schemas.openxmlformats.org/wordprocessingml/2006/main">
+  <p:cSld name="">
+    <p:spTree>
+      <p:nvGrpSpPr>
+        <p:cNvPr id="1" name=""/>
+        <p:cNvGrpSpPr/>
+        <p:nvPr/>
+      </p:nvGrpSpPr>
+      <p:grpSpPr bwMode="auto">
+        <a:xfrm>
+          <a:off x="0" y="0"/>
+          <a:ext cx="0" cy="0"/>
+          <a:chOff x="0" y="0"/>
+          <a:chExt cx="0" cy="0"/>
+        </a:xfrm>
+      </p:grpSpPr>
+      <p:sp>
+        <p:nvSpPr>
+          <p:cNvPr id="2" name="Slide Image Placeholder 1"/>
+          <p:cNvSpPr>
+            <a:spLocks noChangeAspect="1" noGrp="1" noRot="1"/>
+          </p:cNvSpPr>
+          <p:nvPr>
+            <p:ph type="sldImg"/>
+          </p:nvPr>
+        </p:nvSpPr>
+        <p:spPr bwMode="auto"/>
+      </p:sp>
+      <p:sp>
+        <p:nvSpPr>
+          <p:cNvPr id="3" name="Notes Placeholder 2"/>
+          <p:cNvSpPr>
+            <a:spLocks noGrp="1"/>
+          </p:cNvSpPr>
+          <p:nvPr>
+            <p:ph type="body" idx="1"/>
+          </p:nvPr>
+        </p:nvSpPr>
+        <p:spPr bwMode="auto"/>
+        <p:txBody>
+          <a:bodyPr/>
+          <a:lstStyle/>
+          <a:p>
+            <a:pPr>
+              <a:defRPr/>
+            </a:pPr>
+            <a:endParaRPr/>
+          </a:p>
+        </p:txBody>
+      </p:sp>
+      <p:sp>
+        <p:nvSpPr>
+          <p:cNvPr id="4" name="Slide Number Placeholder 3"/>
+          <p:cNvSpPr>
+            <a:spLocks noGrp="1"/>
+          </p:cNvSpPr>
+          <p:nvPr>
+            <p:ph type="sldNum" sz="quarter" idx="10"/>
+          </p:nvPr>
+        </p:nvSpPr>
+        <p:spPr bwMode="auto"/>
+        <p:txBody>
+          <a:bodyPr/>
+          <a:lstStyle/>
+          <a:p>
+            <a:pPr>
+              <a:defRPr/>
+            </a:pPr>
+            <a:fld id="{9FE10192-10BE-F899-0C21-A7A733895AC1}" type="slidenum">
+              <a:rPr/>
+              <a:t/>
+            </a:fld>
+            <a:endParaRPr/>
+          </a:p>
+        </p:txBody>
+      </p:sp>
+    </p:spTree>
+  </p:cSld>
 </p:notes>
 </file>
 
 <file path=ppt/slideLayouts/slideLayout1.xml><?xml version="1.0" encoding="utf-8"?>
-<p:sldLayout xmlns:a="http://schemas.openxmlformats.org/drawingml/2006/main" xmlns:r="http://schemas.openxmlformats.org/officeDocument/2006/relationships" xmlns:p="http://schemas.openxmlformats.org/presentationml/2006/main" type="title" preserve="1">
+<p:sldLayout xmlns:a="http://schemas.openxmlformats.org/drawingml/2006/main" xmlns:r="http://schemas.openxmlformats.org/officeDocument/2006/relationships" xmlns:p="http://schemas.openxmlformats.org/presentationml/2006/main" xmlns:m="http://schemas.openxmlformats.org/officeDocument/2006/math" xmlns:w="http://schemas.openxmlformats.org/wordprocessingml/2006/main" matchingName="" preserve="1" showMasterPhAnim="0" type="title" userDrawn="1">
   <p:cSld name="Title Slide">
     <p:spTree>
       <p:nvGrpSpPr>
@@ -595,7 +2178,7 @@
         <p:cNvGrpSpPr/>
         <p:nvPr/>
       </p:nvGrpSpPr>
-      <p:grpSpPr>
+      <p:grpSpPr bwMode="auto">
         <a:xfrm>
           <a:off x="0" y="0"/>
           <a:ext cx="0" cy="0"/>
@@ -613,7 +2196,7 @@
             <p:ph type="ctrTitle"/>
           </p:nvPr>
         </p:nvSpPr>
-        <p:spPr>
+        <p:spPr bwMode="auto">
           <a:xfrm>
             <a:off x="685800" y="2130425"/>
             <a:ext cx="7772400" cy="1470025"/>
@@ -623,6 +2206,9 @@
           <a:bodyPr/>
           <a:lstStyle/>
           <a:p>
+            <a:pPr>
+              <a:defRPr/>
+            </a:pPr>
             <a:r>
               <a:rPr lang="en-US"/>
               <a:t>Click to edit Master title style</a:t>
@@ -641,10 +2227,10 @@
             <p:ph type="subTitle" idx="1"/>
           </p:nvPr>
         </p:nvSpPr>
-        <p:spPr>
+        <p:spPr bwMode="auto">
           <a:xfrm>
             <a:off x="1371600" y="3886200"/>
-            <a:ext cx="6400800" cy="1752600"/>
+            <a:ext cx="6400800" cy="1752599"/>
           </a:xfrm>
         </p:spPr>
         <p:txBody>
@@ -742,6 +2328,9 @@
             </a:lvl9pPr>
           </a:lstStyle>
           <a:p>
+            <a:pPr>
+              <a:defRPr/>
+            </a:pPr>
             <a:r>
               <a:rPr lang="en-US"/>
               <a:t>Click to edit Master subtitle style</a:t>
@@ -760,13 +2349,16 @@
             <p:ph type="dt" sz="half" idx="10"/>
           </p:nvPr>
         </p:nvSpPr>
-        <p:spPr/>
-        <p:txBody>
-          <a:bodyPr/>
-          <a:lstStyle/>
-          <a:p>
+        <p:spPr bwMode="auto"/>
+        <p:txBody>
+          <a:bodyPr/>
+          <a:lstStyle/>
+          <a:p>
+            <a:pPr>
+              <a:defRPr/>
+            </a:pPr>
             <a:fld id="{459BB6C1-3256-481A-9136-2006E0157FCA}" type="datetimeFigureOut">
-              <a:rPr lang="en-CA" smtClean="0"/>
+              <a:rPr lang="en-CA"/>
               <a:t>2019-03-27</a:t>
             </a:fld>
             <a:endParaRPr lang="en-CA"/>
@@ -783,11 +2375,14 @@
             <p:ph type="ftr" sz="quarter" idx="11"/>
           </p:nvPr>
         </p:nvSpPr>
-        <p:spPr/>
-        <p:txBody>
-          <a:bodyPr/>
-          <a:lstStyle/>
-          <a:p>
+        <p:spPr bwMode="auto"/>
+        <p:txBody>
+          <a:bodyPr/>
+          <a:lstStyle/>
+          <a:p>
+            <a:pPr>
+              <a:defRPr/>
+            </a:pPr>
             <a:endParaRPr lang="en-CA"/>
           </a:p>
         </p:txBody>
@@ -802,13 +2397,16 @@
             <p:ph type="sldNum" sz="quarter" idx="12"/>
           </p:nvPr>
         </p:nvSpPr>
-        <p:spPr/>
-        <p:txBody>
-          <a:bodyPr/>
-          <a:lstStyle/>
-          <a:p>
+        <p:spPr bwMode="auto"/>
+        <p:txBody>
+          <a:bodyPr/>
+          <a:lstStyle/>
+          <a:p>
+            <a:pPr>
+              <a:defRPr/>
+            </a:pPr>
             <a:fld id="{08A0547E-A5F3-4B5F-9208-0717AD318EC6}" type="slidenum">
-              <a:rPr lang="en-CA" smtClean="0"/>
+              <a:rPr lang="en-CA"/>
               <a:t>‹#›</a:t>
             </a:fld>
             <a:endParaRPr lang="en-CA"/>
@@ -816,11 +2414,6 @@
         </p:txBody>
       </p:sp>
     </p:spTree>
-    <p:extLst>
-      <p:ext uri="{BB962C8B-B14F-4D97-AF65-F5344CB8AC3E}">
-        <p14:creationId xmlns:p14="http://schemas.microsoft.com/office/powerpoint/2010/main" val="3572818880"/>
-      </p:ext>
-    </p:extLst>
   </p:cSld>
   <p:clrMapOvr>
     <a:masterClrMapping/>
@@ -829,7 +2422,7 @@
 </file>
 
 <file path=ppt/slideLayouts/slideLayout10.xml><?xml version="1.0" encoding="utf-8"?>
-<p:sldLayout xmlns:a="http://schemas.openxmlformats.org/drawingml/2006/main" xmlns:r="http://schemas.openxmlformats.org/officeDocument/2006/relationships" xmlns:p="http://schemas.openxmlformats.org/presentationml/2006/main" type="vertTx" preserve="1">
+<p:sldLayout xmlns:a="http://schemas.openxmlformats.org/drawingml/2006/main" xmlns:r="http://schemas.openxmlformats.org/officeDocument/2006/relationships" xmlns:p="http://schemas.openxmlformats.org/presentationml/2006/main" xmlns:m="http://schemas.openxmlformats.org/officeDocument/2006/math" xmlns:w="http://schemas.openxmlformats.org/wordprocessingml/2006/main" matchingName="" preserve="1" showMasterPhAnim="0" type="vertTx" userDrawn="1">
   <p:cSld name="Title and Vertical Text">
     <p:spTree>
       <p:nvGrpSpPr>
@@ -837,7 +2430,7 @@
         <p:cNvGrpSpPr/>
         <p:nvPr/>
       </p:nvGrpSpPr>
-      <p:grpSpPr>
+      <p:grpSpPr bwMode="auto">
         <a:xfrm>
           <a:off x="0" y="0"/>
           <a:ext cx="0" cy="0"/>
@@ -855,11 +2448,14 @@
             <p:ph type="title"/>
           </p:nvPr>
         </p:nvSpPr>
-        <p:spPr/>
-        <p:txBody>
-          <a:bodyPr/>
-          <a:lstStyle/>
-          <a:p>
+        <p:spPr bwMode="auto"/>
+        <p:txBody>
+          <a:bodyPr/>
+          <a:lstStyle/>
+          <a:p>
+            <a:pPr>
+              <a:defRPr/>
+            </a:pPr>
             <a:r>
               <a:rPr lang="en-US"/>
               <a:t>Click to edit Master title style</a:t>
@@ -878,40 +2474,54 @@
             <p:ph type="body" orient="vert" idx="1"/>
           </p:nvPr>
         </p:nvSpPr>
-        <p:spPr/>
+        <p:spPr bwMode="auto"/>
         <p:txBody>
           <a:bodyPr vert="eaVert"/>
           <a:lstStyle/>
           <a:p>
-            <a:pPr lvl="0"/>
+            <a:pPr lvl="0">
+              <a:defRPr/>
+            </a:pPr>
             <a:r>
               <a:rPr lang="en-US"/>
               <a:t>Click to edit Master text styles</a:t>
             </a:r>
-          </a:p>
-          <a:p>
-            <a:pPr lvl="1"/>
+            <a:endParaRPr/>
+          </a:p>
+          <a:p>
+            <a:pPr lvl="1">
+              <a:defRPr/>
+            </a:pPr>
             <a:r>
               <a:rPr lang="en-US"/>
               <a:t>Second level</a:t>
             </a:r>
-          </a:p>
-          <a:p>
-            <a:pPr lvl="2"/>
+            <a:endParaRPr/>
+          </a:p>
+          <a:p>
+            <a:pPr lvl="2">
+              <a:defRPr/>
+            </a:pPr>
             <a:r>
               <a:rPr lang="en-US"/>
               <a:t>Third level</a:t>
             </a:r>
-          </a:p>
-          <a:p>
-            <a:pPr lvl="3"/>
+            <a:endParaRPr/>
+          </a:p>
+          <a:p>
+            <a:pPr lvl="3">
+              <a:defRPr/>
+            </a:pPr>
             <a:r>
               <a:rPr lang="en-US"/>
               <a:t>Fourth level</a:t>
             </a:r>
-          </a:p>
-          <a:p>
-            <a:pPr lvl="4"/>
+            <a:endParaRPr/>
+          </a:p>
+          <a:p>
+            <a:pPr lvl="4">
+              <a:defRPr/>
+            </a:pPr>
             <a:r>
               <a:rPr lang="en-US"/>
               <a:t>Fifth level</a:t>
@@ -930,13 +2540,16 @@
             <p:ph type="dt" sz="half" idx="10"/>
           </p:nvPr>
         </p:nvSpPr>
-        <p:spPr/>
-        <p:txBody>
-          <a:bodyPr/>
-          <a:lstStyle/>
-          <a:p>
+        <p:spPr bwMode="auto"/>
+        <p:txBody>
+          <a:bodyPr/>
+          <a:lstStyle/>
+          <a:p>
+            <a:pPr>
+              <a:defRPr/>
+            </a:pPr>
             <a:fld id="{459BB6C1-3256-481A-9136-2006E0157FCA}" type="datetimeFigureOut">
-              <a:rPr lang="en-CA" smtClean="0"/>
+              <a:rPr lang="en-CA"/>
               <a:t>2019-03-27</a:t>
             </a:fld>
             <a:endParaRPr lang="en-CA"/>
@@ -953,11 +2566,14 @@
             <p:ph type="ftr" sz="quarter" idx="11"/>
           </p:nvPr>
         </p:nvSpPr>
-        <p:spPr/>
-        <p:txBody>
-          <a:bodyPr/>
-          <a:lstStyle/>
-          <a:p>
+        <p:spPr bwMode="auto"/>
+        <p:txBody>
+          <a:bodyPr/>
+          <a:lstStyle/>
+          <a:p>
+            <a:pPr>
+              <a:defRPr/>
+            </a:pPr>
             <a:endParaRPr lang="en-CA"/>
           </a:p>
         </p:txBody>
@@ -972,13 +2588,16 @@
             <p:ph type="sldNum" sz="quarter" idx="12"/>
           </p:nvPr>
         </p:nvSpPr>
-        <p:spPr/>
-        <p:txBody>
-          <a:bodyPr/>
-          <a:lstStyle/>
-          <a:p>
+        <p:spPr bwMode="auto"/>
+        <p:txBody>
+          <a:bodyPr/>
+          <a:lstStyle/>
+          <a:p>
+            <a:pPr>
+              <a:defRPr/>
+            </a:pPr>
             <a:fld id="{08A0547E-A5F3-4B5F-9208-0717AD318EC6}" type="slidenum">
-              <a:rPr lang="en-CA" smtClean="0"/>
+              <a:rPr lang="en-CA"/>
               <a:t>‹#›</a:t>
             </a:fld>
             <a:endParaRPr lang="en-CA"/>
@@ -986,11 +2605,6 @@
         </p:txBody>
       </p:sp>
     </p:spTree>
-    <p:extLst>
-      <p:ext uri="{BB962C8B-B14F-4D97-AF65-F5344CB8AC3E}">
-        <p14:creationId xmlns:p14="http://schemas.microsoft.com/office/powerpoint/2010/main" val="2020716324"/>
-      </p:ext>
-    </p:extLst>
   </p:cSld>
   <p:clrMapOvr>
     <a:masterClrMapping/>
@@ -999,7 +2613,7 @@
 </file>
 
 <file path=ppt/slideLayouts/slideLayout11.xml><?xml version="1.0" encoding="utf-8"?>
-<p:sldLayout xmlns:a="http://schemas.openxmlformats.org/drawingml/2006/main" xmlns:r="http://schemas.openxmlformats.org/officeDocument/2006/relationships" xmlns:p="http://schemas.openxmlformats.org/presentationml/2006/main" type="vertTitleAndTx" preserve="1">
+<p:sldLayout xmlns:a="http://schemas.openxmlformats.org/drawingml/2006/main" xmlns:r="http://schemas.openxmlformats.org/officeDocument/2006/relationships" xmlns:p="http://schemas.openxmlformats.org/presentationml/2006/main" xmlns:m="http://schemas.openxmlformats.org/officeDocument/2006/math" xmlns:w="http://schemas.openxmlformats.org/wordprocessingml/2006/main" matchingName="" preserve="1" showMasterPhAnim="0" type="vertTitleAndTx" userDrawn="1">
   <p:cSld name="Vertical Title and Text">
     <p:spTree>
       <p:nvGrpSpPr>
@@ -1007,7 +2621,7 @@
         <p:cNvGrpSpPr/>
         <p:nvPr/>
       </p:nvGrpSpPr>
-      <p:grpSpPr>
+      <p:grpSpPr bwMode="auto">
         <a:xfrm>
           <a:off x="0" y="0"/>
           <a:ext cx="0" cy="0"/>
@@ -1025,7 +2639,7 @@
             <p:ph type="title" orient="vert"/>
           </p:nvPr>
         </p:nvSpPr>
-        <p:spPr>
+        <p:spPr bwMode="auto">
           <a:xfrm>
             <a:off x="6629400" y="274638"/>
             <a:ext cx="2057400" cy="5851525"/>
@@ -1035,6 +2649,9 @@
           <a:bodyPr vert="eaVert"/>
           <a:lstStyle/>
           <a:p>
+            <a:pPr>
+              <a:defRPr/>
+            </a:pPr>
             <a:r>
               <a:rPr lang="en-US"/>
               <a:t>Click to edit Master title style</a:t>
@@ -1053,7 +2670,7 @@
             <p:ph type="body" orient="vert" idx="1"/>
           </p:nvPr>
         </p:nvSpPr>
-        <p:spPr>
+        <p:spPr bwMode="auto">
           <a:xfrm>
             <a:off x="457200" y="274638"/>
             <a:ext cx="6019800" cy="5851525"/>
@@ -1063,35 +2680,49 @@
           <a:bodyPr vert="eaVert"/>
           <a:lstStyle/>
           <a:p>
-            <a:pPr lvl="0"/>
+            <a:pPr lvl="0">
+              <a:defRPr/>
+            </a:pPr>
             <a:r>
               <a:rPr lang="en-US"/>
               <a:t>Click to edit Master text styles</a:t>
             </a:r>
-          </a:p>
-          <a:p>
-            <a:pPr lvl="1"/>
+            <a:endParaRPr/>
+          </a:p>
+          <a:p>
+            <a:pPr lvl="1">
+              <a:defRPr/>
+            </a:pPr>
             <a:r>
               <a:rPr lang="en-US"/>
               <a:t>Second level</a:t>
             </a:r>
-          </a:p>
-          <a:p>
-            <a:pPr lvl="2"/>
+            <a:endParaRPr/>
+          </a:p>
+          <a:p>
+            <a:pPr lvl="2">
+              <a:defRPr/>
+            </a:pPr>
             <a:r>
               <a:rPr lang="en-US"/>
               <a:t>Third level</a:t>
             </a:r>
-          </a:p>
-          <a:p>
-            <a:pPr lvl="3"/>
+            <a:endParaRPr/>
+          </a:p>
+          <a:p>
+            <a:pPr lvl="3">
+              <a:defRPr/>
+            </a:pPr>
             <a:r>
               <a:rPr lang="en-US"/>
               <a:t>Fourth level</a:t>
             </a:r>
-          </a:p>
-          <a:p>
-            <a:pPr lvl="4"/>
+            <a:endParaRPr/>
+          </a:p>
+          <a:p>
+            <a:pPr lvl="4">
+              <a:defRPr/>
+            </a:pPr>
             <a:r>
               <a:rPr lang="en-US"/>
               <a:t>Fifth level</a:t>
@@ -1110,13 +2741,16 @@
             <p:ph type="dt" sz="half" idx="10"/>
           </p:nvPr>
         </p:nvSpPr>
-        <p:spPr/>
-        <p:txBody>
-          <a:bodyPr/>
-          <a:lstStyle/>
-          <a:p>
+        <p:spPr bwMode="auto"/>
+        <p:txBody>
+          <a:bodyPr/>
+          <a:lstStyle/>
+          <a:p>
+            <a:pPr>
+              <a:defRPr/>
+            </a:pPr>
             <a:fld id="{459BB6C1-3256-481A-9136-2006E0157FCA}" type="datetimeFigureOut">
-              <a:rPr lang="en-CA" smtClean="0"/>
+              <a:rPr lang="en-CA"/>
               <a:t>2019-03-27</a:t>
             </a:fld>
             <a:endParaRPr lang="en-CA"/>
@@ -1133,11 +2767,14 @@
             <p:ph type="ftr" sz="quarter" idx="11"/>
           </p:nvPr>
         </p:nvSpPr>
-        <p:spPr/>
-        <p:txBody>
-          <a:bodyPr/>
-          <a:lstStyle/>
-          <a:p>
+        <p:spPr bwMode="auto"/>
+        <p:txBody>
+          <a:bodyPr/>
+          <a:lstStyle/>
+          <a:p>
+            <a:pPr>
+              <a:defRPr/>
+            </a:pPr>
             <a:endParaRPr lang="en-CA"/>
           </a:p>
         </p:txBody>
@@ -1152,13 +2789,16 @@
             <p:ph type="sldNum" sz="quarter" idx="12"/>
           </p:nvPr>
         </p:nvSpPr>
-        <p:spPr/>
-        <p:txBody>
-          <a:bodyPr/>
-          <a:lstStyle/>
-          <a:p>
+        <p:spPr bwMode="auto"/>
+        <p:txBody>
+          <a:bodyPr/>
+          <a:lstStyle/>
+          <a:p>
+            <a:pPr>
+              <a:defRPr/>
+            </a:pPr>
             <a:fld id="{08A0547E-A5F3-4B5F-9208-0717AD318EC6}" type="slidenum">
-              <a:rPr lang="en-CA" smtClean="0"/>
+              <a:rPr lang="en-CA"/>
               <a:t>‹#›</a:t>
             </a:fld>
             <a:endParaRPr lang="en-CA"/>
@@ -1166,11 +2806,6 @@
         </p:txBody>
       </p:sp>
     </p:spTree>
-    <p:extLst>
-      <p:ext uri="{BB962C8B-B14F-4D97-AF65-F5344CB8AC3E}">
-        <p14:creationId xmlns:p14="http://schemas.microsoft.com/office/powerpoint/2010/main" val="4196297717"/>
-      </p:ext>
-    </p:extLst>
   </p:cSld>
   <p:clrMapOvr>
     <a:masterClrMapping/>
@@ -1179,7 +2814,7 @@
 </file>
 
 <file path=ppt/slideLayouts/slideLayout2.xml><?xml version="1.0" encoding="utf-8"?>
-<p:sldLayout xmlns:a="http://schemas.openxmlformats.org/drawingml/2006/main" xmlns:r="http://schemas.openxmlformats.org/officeDocument/2006/relationships" xmlns:p="http://schemas.openxmlformats.org/presentationml/2006/main" type="obj" preserve="1">
+<p:sldLayout xmlns:a="http://schemas.openxmlformats.org/drawingml/2006/main" xmlns:r="http://schemas.openxmlformats.org/officeDocument/2006/relationships" xmlns:p="http://schemas.openxmlformats.org/presentationml/2006/main" xmlns:m="http://schemas.openxmlformats.org/officeDocument/2006/math" xmlns:w="http://schemas.openxmlformats.org/wordprocessingml/2006/main" matchingName="" preserve="1" showMasterPhAnim="0" type="obj" userDrawn="1">
   <p:cSld name="Title and Content">
     <p:spTree>
       <p:nvGrpSpPr>
@@ -1187,7 +2822,7 @@
         <p:cNvGrpSpPr/>
         <p:nvPr/>
       </p:nvGrpSpPr>
-      <p:grpSpPr>
+      <p:grpSpPr bwMode="auto">
         <a:xfrm>
           <a:off x="0" y="0"/>
           <a:ext cx="0" cy="0"/>
@@ -1205,11 +2840,14 @@
             <p:ph type="title"/>
           </p:nvPr>
         </p:nvSpPr>
-        <p:spPr/>
-        <p:txBody>
-          <a:bodyPr/>
-          <a:lstStyle/>
-          <a:p>
+        <p:spPr bwMode="auto"/>
+        <p:txBody>
+          <a:bodyPr/>
+          <a:lstStyle/>
+          <a:p>
+            <a:pPr>
+              <a:defRPr/>
+            </a:pPr>
             <a:r>
               <a:rPr lang="en-US"/>
               <a:t>Click to edit Master title style</a:t>
@@ -1228,40 +2866,54 @@
             <p:ph idx="1"/>
           </p:nvPr>
         </p:nvSpPr>
-        <p:spPr/>
-        <p:txBody>
-          <a:bodyPr/>
-          <a:lstStyle/>
-          <a:p>
-            <a:pPr lvl="0"/>
+        <p:spPr bwMode="auto"/>
+        <p:txBody>
+          <a:bodyPr/>
+          <a:lstStyle/>
+          <a:p>
+            <a:pPr lvl="0">
+              <a:defRPr/>
+            </a:pPr>
             <a:r>
               <a:rPr lang="en-US"/>
               <a:t>Click to edit Master text styles</a:t>
             </a:r>
-          </a:p>
-          <a:p>
-            <a:pPr lvl="1"/>
+            <a:endParaRPr/>
+          </a:p>
+          <a:p>
+            <a:pPr lvl="1">
+              <a:defRPr/>
+            </a:pPr>
             <a:r>
               <a:rPr lang="en-US"/>
               <a:t>Second level</a:t>
             </a:r>
-          </a:p>
-          <a:p>
-            <a:pPr lvl="2"/>
+            <a:endParaRPr/>
+          </a:p>
+          <a:p>
+            <a:pPr lvl="2">
+              <a:defRPr/>
+            </a:pPr>
             <a:r>
               <a:rPr lang="en-US"/>
               <a:t>Third level</a:t>
             </a:r>
-          </a:p>
-          <a:p>
-            <a:pPr lvl="3"/>
+            <a:endParaRPr/>
+          </a:p>
+          <a:p>
+            <a:pPr lvl="3">
+              <a:defRPr/>
+            </a:pPr>
             <a:r>
               <a:rPr lang="en-US"/>
               <a:t>Fourth level</a:t>
             </a:r>
-          </a:p>
-          <a:p>
-            <a:pPr lvl="4"/>
+            <a:endParaRPr/>
+          </a:p>
+          <a:p>
+            <a:pPr lvl="4">
+              <a:defRPr/>
+            </a:pPr>
             <a:r>
               <a:rPr lang="en-US"/>
               <a:t>Fifth level</a:t>
@@ -1280,13 +2932,16 @@
             <p:ph type="dt" sz="half" idx="10"/>
           </p:nvPr>
         </p:nvSpPr>
-        <p:spPr/>
-        <p:txBody>
-          <a:bodyPr/>
-          <a:lstStyle/>
-          <a:p>
+        <p:spPr bwMode="auto"/>
+        <p:txBody>
+          <a:bodyPr/>
+          <a:lstStyle/>
+          <a:p>
+            <a:pPr>
+              <a:defRPr/>
+            </a:pPr>
             <a:fld id="{459BB6C1-3256-481A-9136-2006E0157FCA}" type="datetimeFigureOut">
-              <a:rPr lang="en-CA" smtClean="0"/>
+              <a:rPr lang="en-CA"/>
               <a:t>2019-03-27</a:t>
             </a:fld>
             <a:endParaRPr lang="en-CA"/>
@@ -1303,11 +2958,14 @@
             <p:ph type="ftr" sz="quarter" idx="11"/>
           </p:nvPr>
         </p:nvSpPr>
-        <p:spPr/>
-        <p:txBody>
-          <a:bodyPr/>
-          <a:lstStyle/>
-          <a:p>
+        <p:spPr bwMode="auto"/>
+        <p:txBody>
+          <a:bodyPr/>
+          <a:lstStyle/>
+          <a:p>
+            <a:pPr>
+              <a:defRPr/>
+            </a:pPr>
             <a:endParaRPr lang="en-CA"/>
           </a:p>
         </p:txBody>
@@ -1322,13 +2980,16 @@
             <p:ph type="sldNum" sz="quarter" idx="12"/>
           </p:nvPr>
         </p:nvSpPr>
-        <p:spPr/>
-        <p:txBody>
-          <a:bodyPr/>
-          <a:lstStyle/>
-          <a:p>
+        <p:spPr bwMode="auto"/>
+        <p:txBody>
+          <a:bodyPr/>
+          <a:lstStyle/>
+          <a:p>
+            <a:pPr>
+              <a:defRPr/>
+            </a:pPr>
             <a:fld id="{08A0547E-A5F3-4B5F-9208-0717AD318EC6}" type="slidenum">
-              <a:rPr lang="en-CA" smtClean="0"/>
+              <a:rPr lang="en-CA"/>
               <a:t>‹#›</a:t>
             </a:fld>
             <a:endParaRPr lang="en-CA"/>
@@ -1336,11 +2997,6 @@
         </p:txBody>
       </p:sp>
     </p:spTree>
-    <p:extLst>
-      <p:ext uri="{BB962C8B-B14F-4D97-AF65-F5344CB8AC3E}">
-        <p14:creationId xmlns:p14="http://schemas.microsoft.com/office/powerpoint/2010/main" val="1235964845"/>
-      </p:ext>
-    </p:extLst>
   </p:cSld>
   <p:clrMapOvr>
     <a:masterClrMapping/>
@@ -1349,7 +3005,7 @@
 </file>
 
 <file path=ppt/slideLayouts/slideLayout3.xml><?xml version="1.0" encoding="utf-8"?>
-<p:sldLayout xmlns:a="http://schemas.openxmlformats.org/drawingml/2006/main" xmlns:r="http://schemas.openxmlformats.org/officeDocument/2006/relationships" xmlns:p="http://schemas.openxmlformats.org/presentationml/2006/main" type="secHead" preserve="1">
+<p:sldLayout xmlns:a="http://schemas.openxmlformats.org/drawingml/2006/main" xmlns:r="http://schemas.openxmlformats.org/officeDocument/2006/relationships" xmlns:p="http://schemas.openxmlformats.org/presentationml/2006/main" xmlns:m="http://schemas.openxmlformats.org/officeDocument/2006/math" xmlns:w="http://schemas.openxmlformats.org/wordprocessingml/2006/main" matchingName="" preserve="1" showMasterPhAnim="0" type="secHead" userDrawn="1">
   <p:cSld name="Section Header">
     <p:spTree>
       <p:nvGrpSpPr>
@@ -1357,7 +3013,7 @@
         <p:cNvGrpSpPr/>
         <p:nvPr/>
       </p:nvGrpSpPr>
-      <p:grpSpPr>
+      <p:grpSpPr bwMode="auto">
         <a:xfrm>
           <a:off x="0" y="0"/>
           <a:ext cx="0" cy="0"/>
@@ -1375,7 +3031,7 @@
             <p:ph type="title"/>
           </p:nvPr>
         </p:nvSpPr>
-        <p:spPr>
+        <p:spPr bwMode="auto">
           <a:xfrm>
             <a:off x="722313" y="4406900"/>
             <a:ext cx="7772400" cy="1362075"/>
@@ -1389,6 +3045,9 @@
             </a:lvl1pPr>
           </a:lstStyle>
           <a:p>
+            <a:pPr>
+              <a:defRPr/>
+            </a:pPr>
             <a:r>
               <a:rPr lang="en-US"/>
               <a:t>Click to edit Master title style</a:t>
@@ -1407,7 +3066,7 @@
             <p:ph type="body" idx="1"/>
           </p:nvPr>
         </p:nvSpPr>
-        <p:spPr>
+        <p:spPr bwMode="auto">
           <a:xfrm>
             <a:off x="722313" y="2906713"/>
             <a:ext cx="7772400" cy="1500187"/>
@@ -1508,11 +3167,14 @@
             </a:lvl9pPr>
           </a:lstStyle>
           <a:p>
-            <a:pPr lvl="0"/>
+            <a:pPr lvl="0">
+              <a:defRPr/>
+            </a:pPr>
             <a:r>
               <a:rPr lang="en-US"/>
               <a:t>Click to edit Master text styles</a:t>
             </a:r>
+            <a:endParaRPr/>
           </a:p>
         </p:txBody>
       </p:sp>
@@ -1526,13 +3188,16 @@
             <p:ph type="dt" sz="half" idx="10"/>
           </p:nvPr>
         </p:nvSpPr>
-        <p:spPr/>
-        <p:txBody>
-          <a:bodyPr/>
-          <a:lstStyle/>
-          <a:p>
+        <p:spPr bwMode="auto"/>
+        <p:txBody>
+          <a:bodyPr/>
+          <a:lstStyle/>
+          <a:p>
+            <a:pPr>
+              <a:defRPr/>
+            </a:pPr>
             <a:fld id="{459BB6C1-3256-481A-9136-2006E0157FCA}" type="datetimeFigureOut">
-              <a:rPr lang="en-CA" smtClean="0"/>
+              <a:rPr lang="en-CA"/>
               <a:t>2019-03-27</a:t>
             </a:fld>
             <a:endParaRPr lang="en-CA"/>
@@ -1549,11 +3214,14 @@
             <p:ph type="ftr" sz="quarter" idx="11"/>
           </p:nvPr>
         </p:nvSpPr>
-        <p:spPr/>
-        <p:txBody>
-          <a:bodyPr/>
-          <a:lstStyle/>
-          <a:p>
+        <p:spPr bwMode="auto"/>
+        <p:txBody>
+          <a:bodyPr/>
+          <a:lstStyle/>
+          <a:p>
+            <a:pPr>
+              <a:defRPr/>
+            </a:pPr>
             <a:endParaRPr lang="en-CA"/>
           </a:p>
         </p:txBody>
@@ -1568,13 +3236,16 @@
             <p:ph type="sldNum" sz="quarter" idx="12"/>
           </p:nvPr>
         </p:nvSpPr>
-        <p:spPr/>
-        <p:txBody>
-          <a:bodyPr/>
-          <a:lstStyle/>
-          <a:p>
+        <p:spPr bwMode="auto"/>
+        <p:txBody>
+          <a:bodyPr/>
+          <a:lstStyle/>
+          <a:p>
+            <a:pPr>
+              <a:defRPr/>
+            </a:pPr>
             <a:fld id="{08A0547E-A5F3-4B5F-9208-0717AD318EC6}" type="slidenum">
-              <a:rPr lang="en-CA" smtClean="0"/>
+              <a:rPr lang="en-CA"/>
               <a:t>‹#›</a:t>
             </a:fld>
             <a:endParaRPr lang="en-CA"/>
@@ -1582,11 +3253,6 @@
         </p:txBody>
       </p:sp>
     </p:spTree>
-    <p:extLst>
-      <p:ext uri="{BB962C8B-B14F-4D97-AF65-F5344CB8AC3E}">
-        <p14:creationId xmlns:p14="http://schemas.microsoft.com/office/powerpoint/2010/main" val="1433907479"/>
-      </p:ext>
-    </p:extLst>
   </p:cSld>
   <p:clrMapOvr>
     <a:masterClrMapping/>
@@ -1595,7 +3261,7 @@
 </file>
 
 <file path=ppt/slideLayouts/slideLayout4.xml><?xml version="1.0" encoding="utf-8"?>
-<p:sldLayout xmlns:a="http://schemas.openxmlformats.org/drawingml/2006/main" xmlns:r="http://schemas.openxmlformats.org/officeDocument/2006/relationships" xmlns:p="http://schemas.openxmlformats.org/presentationml/2006/main" type="twoObj" preserve="1">
+<p:sldLayout xmlns:a="http://schemas.openxmlformats.org/drawingml/2006/main" xmlns:r="http://schemas.openxmlformats.org/officeDocument/2006/relationships" xmlns:p="http://schemas.openxmlformats.org/presentationml/2006/main" xmlns:m="http://schemas.openxmlformats.org/officeDocument/2006/math" xmlns:w="http://schemas.openxmlformats.org/wordprocessingml/2006/main" matchingName="" preserve="1" showMasterPhAnim="0" type="twoObj" userDrawn="1">
   <p:cSld name="Two Content">
     <p:spTree>
       <p:nvGrpSpPr>
@@ -1603,7 +3269,7 @@
         <p:cNvGrpSpPr/>
         <p:nvPr/>
       </p:nvGrpSpPr>
-      <p:grpSpPr>
+      <p:grpSpPr bwMode="auto">
         <a:xfrm>
           <a:off x="0" y="0"/>
           <a:ext cx="0" cy="0"/>
@@ -1621,11 +3287,14 @@
             <p:ph type="title"/>
           </p:nvPr>
         </p:nvSpPr>
-        <p:spPr/>
-        <p:txBody>
-          <a:bodyPr/>
-          <a:lstStyle/>
-          <a:p>
+        <p:spPr bwMode="auto"/>
+        <p:txBody>
+          <a:bodyPr/>
+          <a:lstStyle/>
+          <a:p>
+            <a:pPr>
+              <a:defRPr/>
+            </a:pPr>
             <a:r>
               <a:rPr lang="en-US"/>
               <a:t>Click to edit Master title style</a:t>
@@ -1644,7 +3313,7 @@
             <p:ph sz="half" idx="1"/>
           </p:nvPr>
         </p:nvSpPr>
-        <p:spPr>
+        <p:spPr bwMode="auto">
           <a:xfrm>
             <a:off x="457200" y="1600200"/>
             <a:ext cx="4038600" cy="4525963"/>
@@ -1682,35 +3351,49 @@
             </a:lvl9pPr>
           </a:lstStyle>
           <a:p>
-            <a:pPr lvl="0"/>
+            <a:pPr lvl="0">
+              <a:defRPr/>
+            </a:pPr>
             <a:r>
               <a:rPr lang="en-US"/>
               <a:t>Click to edit Master text styles</a:t>
             </a:r>
-          </a:p>
-          <a:p>
-            <a:pPr lvl="1"/>
+            <a:endParaRPr/>
+          </a:p>
+          <a:p>
+            <a:pPr lvl="1">
+              <a:defRPr/>
+            </a:pPr>
             <a:r>
               <a:rPr lang="en-US"/>
               <a:t>Second level</a:t>
             </a:r>
-          </a:p>
-          <a:p>
-            <a:pPr lvl="2"/>
+            <a:endParaRPr/>
+          </a:p>
+          <a:p>
+            <a:pPr lvl="2">
+              <a:defRPr/>
+            </a:pPr>
             <a:r>
               <a:rPr lang="en-US"/>
               <a:t>Third level</a:t>
             </a:r>
-          </a:p>
-          <a:p>
-            <a:pPr lvl="3"/>
+            <a:endParaRPr/>
+          </a:p>
+          <a:p>
+            <a:pPr lvl="3">
+              <a:defRPr/>
+            </a:pPr>
             <a:r>
               <a:rPr lang="en-US"/>
               <a:t>Fourth level</a:t>
             </a:r>
-          </a:p>
-          <a:p>
-            <a:pPr lvl="4"/>
+            <a:endParaRPr/>
+          </a:p>
+          <a:p>
+            <a:pPr lvl="4">
+              <a:defRPr/>
+            </a:pPr>
             <a:r>
               <a:rPr lang="en-US"/>
               <a:t>Fifth level</a:t>
@@ -1729,7 +3412,7 @@
             <p:ph sz="half" idx="2"/>
           </p:nvPr>
         </p:nvSpPr>
-        <p:spPr>
+        <p:spPr bwMode="auto">
           <a:xfrm>
             <a:off x="4648200" y="1600200"/>
             <a:ext cx="4038600" cy="4525963"/>
@@ -1767,35 +3450,49 @@
             </a:lvl9pPr>
           </a:lstStyle>
           <a:p>
-            <a:pPr lvl="0"/>
+            <a:pPr lvl="0">
+              <a:defRPr/>
+            </a:pPr>
             <a:r>
               <a:rPr lang="en-US"/>
               <a:t>Click to edit Master text styles</a:t>
             </a:r>
-          </a:p>
-          <a:p>
-            <a:pPr lvl="1"/>
+            <a:endParaRPr/>
+          </a:p>
+          <a:p>
+            <a:pPr lvl="1">
+              <a:defRPr/>
+            </a:pPr>
             <a:r>
               <a:rPr lang="en-US"/>
               <a:t>Second level</a:t>
             </a:r>
-          </a:p>
-          <a:p>
-            <a:pPr lvl="2"/>
+            <a:endParaRPr/>
+          </a:p>
+          <a:p>
+            <a:pPr lvl="2">
+              <a:defRPr/>
+            </a:pPr>
             <a:r>
               <a:rPr lang="en-US"/>
               <a:t>Third level</a:t>
             </a:r>
-          </a:p>
-          <a:p>
-            <a:pPr lvl="3"/>
+            <a:endParaRPr/>
+          </a:p>
+          <a:p>
+            <a:pPr lvl="3">
+              <a:defRPr/>
+            </a:pPr>
             <a:r>
               <a:rPr lang="en-US"/>
               <a:t>Fourth level</a:t>
             </a:r>
-          </a:p>
-          <a:p>
-            <a:pPr lvl="4"/>
+            <a:endParaRPr/>
+          </a:p>
+          <a:p>
+            <a:pPr lvl="4">
+              <a:defRPr/>
+            </a:pPr>
             <a:r>
               <a:rPr lang="en-US"/>
               <a:t>Fifth level</a:t>
@@ -1814,13 +3511,16 @@
             <p:ph type="dt" sz="half" idx="10"/>
           </p:nvPr>
         </p:nvSpPr>
-        <p:spPr/>
-        <p:txBody>
-          <a:bodyPr/>
-          <a:lstStyle/>
-          <a:p>
+        <p:spPr bwMode="auto"/>
+        <p:txBody>
+          <a:bodyPr/>
+          <a:lstStyle/>
+          <a:p>
+            <a:pPr>
+              <a:defRPr/>
+            </a:pPr>
             <a:fld id="{459BB6C1-3256-481A-9136-2006E0157FCA}" type="datetimeFigureOut">
-              <a:rPr lang="en-CA" smtClean="0"/>
+              <a:rPr lang="en-CA"/>
               <a:t>2019-03-27</a:t>
             </a:fld>
             <a:endParaRPr lang="en-CA"/>
@@ -1837,11 +3537,14 @@
             <p:ph type="ftr" sz="quarter" idx="11"/>
           </p:nvPr>
         </p:nvSpPr>
-        <p:spPr/>
-        <p:txBody>
-          <a:bodyPr/>
-          <a:lstStyle/>
-          <a:p>
+        <p:spPr bwMode="auto"/>
+        <p:txBody>
+          <a:bodyPr/>
+          <a:lstStyle/>
+          <a:p>
+            <a:pPr>
+              <a:defRPr/>
+            </a:pPr>
             <a:endParaRPr lang="en-CA"/>
           </a:p>
         </p:txBody>
@@ -1856,13 +3559,16 @@
             <p:ph type="sldNum" sz="quarter" idx="12"/>
           </p:nvPr>
         </p:nvSpPr>
-        <p:spPr/>
-        <p:txBody>
-          <a:bodyPr/>
-          <a:lstStyle/>
-          <a:p>
+        <p:spPr bwMode="auto"/>
+        <p:txBody>
+          <a:bodyPr/>
+          <a:lstStyle/>
+          <a:p>
+            <a:pPr>
+              <a:defRPr/>
+            </a:pPr>
             <a:fld id="{08A0547E-A5F3-4B5F-9208-0717AD318EC6}" type="slidenum">
-              <a:rPr lang="en-CA" smtClean="0"/>
+              <a:rPr lang="en-CA"/>
               <a:t>‹#›</a:t>
             </a:fld>
             <a:endParaRPr lang="en-CA"/>
@@ -1870,11 +3576,6 @@
         </p:txBody>
       </p:sp>
     </p:spTree>
-    <p:extLst>
-      <p:ext uri="{BB962C8B-B14F-4D97-AF65-F5344CB8AC3E}">
-        <p14:creationId xmlns:p14="http://schemas.microsoft.com/office/powerpoint/2010/main" val="1281582751"/>
-      </p:ext>
-    </p:extLst>
   </p:cSld>
   <p:clrMapOvr>
     <a:masterClrMapping/>
@@ -1883,7 +3584,7 @@
 </file>
 
 <file path=ppt/slideLayouts/slideLayout5.xml><?xml version="1.0" encoding="utf-8"?>
-<p:sldLayout xmlns:a="http://schemas.openxmlformats.org/drawingml/2006/main" xmlns:r="http://schemas.openxmlformats.org/officeDocument/2006/relationships" xmlns:p="http://schemas.openxmlformats.org/presentationml/2006/main" type="twoTxTwoObj" preserve="1">
+<p:sldLayout xmlns:a="http://schemas.openxmlformats.org/drawingml/2006/main" xmlns:r="http://schemas.openxmlformats.org/officeDocument/2006/relationships" xmlns:p="http://schemas.openxmlformats.org/presentationml/2006/main" xmlns:m="http://schemas.openxmlformats.org/officeDocument/2006/math" xmlns:w="http://schemas.openxmlformats.org/wordprocessingml/2006/main" matchingName="" preserve="1" showMasterPhAnim="0" type="twoTxTwoObj" userDrawn="1">
   <p:cSld name="Comparison">
     <p:spTree>
       <p:nvGrpSpPr>
@@ -1891,7 +3592,7 @@
         <p:cNvGrpSpPr/>
         <p:nvPr/>
       </p:nvGrpSpPr>
-      <p:grpSpPr>
+      <p:grpSpPr bwMode="auto">
         <a:xfrm>
           <a:off x="0" y="0"/>
           <a:ext cx="0" cy="0"/>
@@ -1909,7 +3610,7 @@
             <p:ph type="title"/>
           </p:nvPr>
         </p:nvSpPr>
-        <p:spPr/>
+        <p:spPr bwMode="auto"/>
         <p:txBody>
           <a:bodyPr/>
           <a:lstStyle>
@@ -1918,6 +3619,9 @@
             </a:lvl1pPr>
           </a:lstStyle>
           <a:p>
+            <a:pPr>
+              <a:defRPr/>
+            </a:pPr>
             <a:r>
               <a:rPr lang="en-US"/>
               <a:t>Click to edit Master title style</a:t>
@@ -1936,7 +3640,7 @@
             <p:ph type="body" idx="1"/>
           </p:nvPr>
         </p:nvSpPr>
-        <p:spPr>
+        <p:spPr bwMode="auto">
           <a:xfrm>
             <a:off x="457200" y="1535113"/>
             <a:ext cx="4040188" cy="639762"/>
@@ -1983,11 +3687,14 @@
             </a:lvl9pPr>
           </a:lstStyle>
           <a:p>
-            <a:pPr lvl="0"/>
+            <a:pPr lvl="0">
+              <a:defRPr/>
+            </a:pPr>
             <a:r>
               <a:rPr lang="en-US"/>
               <a:t>Click to edit Master text styles</a:t>
             </a:r>
+            <a:endParaRPr/>
           </a:p>
         </p:txBody>
       </p:sp>
@@ -2001,7 +3708,7 @@
             <p:ph sz="half" idx="2"/>
           </p:nvPr>
         </p:nvSpPr>
-        <p:spPr>
+        <p:spPr bwMode="auto">
           <a:xfrm>
             <a:off x="457200" y="2174875"/>
             <a:ext cx="4040188" cy="3951288"/>
@@ -2039,35 +3746,49 @@
             </a:lvl9pPr>
           </a:lstStyle>
           <a:p>
-            <a:pPr lvl="0"/>
+            <a:pPr lvl="0">
+              <a:defRPr/>
+            </a:pPr>
             <a:r>
               <a:rPr lang="en-US"/>
               <a:t>Click to edit Master text styles</a:t>
             </a:r>
-          </a:p>
-          <a:p>
-            <a:pPr lvl="1"/>
+            <a:endParaRPr/>
+          </a:p>
+          <a:p>
+            <a:pPr lvl="1">
+              <a:defRPr/>
+            </a:pPr>
             <a:r>
               <a:rPr lang="en-US"/>
               <a:t>Second level</a:t>
             </a:r>
-          </a:p>
-          <a:p>
-            <a:pPr lvl="2"/>
+            <a:endParaRPr/>
+          </a:p>
+          <a:p>
+            <a:pPr lvl="2">
+              <a:defRPr/>
+            </a:pPr>
             <a:r>
               <a:rPr lang="en-US"/>
               <a:t>Third level</a:t>
             </a:r>
-          </a:p>
-          <a:p>
-            <a:pPr lvl="3"/>
+            <a:endParaRPr/>
+          </a:p>
+          <a:p>
+            <a:pPr lvl="3">
+              <a:defRPr/>
+            </a:pPr>
             <a:r>
               <a:rPr lang="en-US"/>
               <a:t>Fourth level</a:t>
             </a:r>
-          </a:p>
-          <a:p>
-            <a:pPr lvl="4"/>
+            <a:endParaRPr/>
+          </a:p>
+          <a:p>
+            <a:pPr lvl="4">
+              <a:defRPr/>
+            </a:pPr>
             <a:r>
               <a:rPr lang="en-US"/>
               <a:t>Fifth level</a:t>
@@ -2086,7 +3807,7 @@
             <p:ph type="body" sz="quarter" idx="3"/>
           </p:nvPr>
         </p:nvSpPr>
-        <p:spPr>
+        <p:spPr bwMode="auto">
           <a:xfrm>
             <a:off x="4645025" y="1535113"/>
             <a:ext cx="4041775" cy="639762"/>
@@ -2133,11 +3854,14 @@
             </a:lvl9pPr>
           </a:lstStyle>
           <a:p>
-            <a:pPr lvl="0"/>
+            <a:pPr lvl="0">
+              <a:defRPr/>
+            </a:pPr>
             <a:r>
               <a:rPr lang="en-US"/>
               <a:t>Click to edit Master text styles</a:t>
             </a:r>
+            <a:endParaRPr/>
           </a:p>
         </p:txBody>
       </p:sp>
@@ -2151,7 +3875,7 @@
             <p:ph sz="quarter" idx="4"/>
           </p:nvPr>
         </p:nvSpPr>
-        <p:spPr>
+        <p:spPr bwMode="auto">
           <a:xfrm>
             <a:off x="4645025" y="2174875"/>
             <a:ext cx="4041775" cy="3951288"/>
@@ -2189,35 +3913,49 @@
             </a:lvl9pPr>
           </a:lstStyle>
           <a:p>
-            <a:pPr lvl="0"/>
+            <a:pPr lvl="0">
+              <a:defRPr/>
+            </a:pPr>
             <a:r>
               <a:rPr lang="en-US"/>
               <a:t>Click to edit Master text styles</a:t>
             </a:r>
-          </a:p>
-          <a:p>
-            <a:pPr lvl="1"/>
+            <a:endParaRPr/>
+          </a:p>
+          <a:p>
+            <a:pPr lvl="1">
+              <a:defRPr/>
+            </a:pPr>
             <a:r>
               <a:rPr lang="en-US"/>
               <a:t>Second level</a:t>
             </a:r>
-          </a:p>
-          <a:p>
-            <a:pPr lvl="2"/>
+            <a:endParaRPr/>
+          </a:p>
+          <a:p>
+            <a:pPr lvl="2">
+              <a:defRPr/>
+            </a:pPr>
             <a:r>
               <a:rPr lang="en-US"/>
               <a:t>Third level</a:t>
             </a:r>
-          </a:p>
-          <a:p>
-            <a:pPr lvl="3"/>
+            <a:endParaRPr/>
+          </a:p>
+          <a:p>
+            <a:pPr lvl="3">
+              <a:defRPr/>
+            </a:pPr>
             <a:r>
               <a:rPr lang="en-US"/>
               <a:t>Fourth level</a:t>
             </a:r>
-          </a:p>
-          <a:p>
-            <a:pPr lvl="4"/>
+            <a:endParaRPr/>
+          </a:p>
+          <a:p>
+            <a:pPr lvl="4">
+              <a:defRPr/>
+            </a:pPr>
             <a:r>
               <a:rPr lang="en-US"/>
               <a:t>Fifth level</a:t>
@@ -2236,13 +3974,16 @@
             <p:ph type="dt" sz="half" idx="10"/>
           </p:nvPr>
         </p:nvSpPr>
-        <p:spPr/>
-        <p:txBody>
-          <a:bodyPr/>
-          <a:lstStyle/>
-          <a:p>
+        <p:spPr bwMode="auto"/>
+        <p:txBody>
+          <a:bodyPr/>
+          <a:lstStyle/>
+          <a:p>
+            <a:pPr>
+              <a:defRPr/>
+            </a:pPr>
             <a:fld id="{459BB6C1-3256-481A-9136-2006E0157FCA}" type="datetimeFigureOut">
-              <a:rPr lang="en-CA" smtClean="0"/>
+              <a:rPr lang="en-CA"/>
               <a:t>2019-03-27</a:t>
             </a:fld>
             <a:endParaRPr lang="en-CA"/>
@@ -2259,11 +4000,14 @@
             <p:ph type="ftr" sz="quarter" idx="11"/>
           </p:nvPr>
         </p:nvSpPr>
-        <p:spPr/>
-        <p:txBody>
-          <a:bodyPr/>
-          <a:lstStyle/>
-          <a:p>
+        <p:spPr bwMode="auto"/>
+        <p:txBody>
+          <a:bodyPr/>
+          <a:lstStyle/>
+          <a:p>
+            <a:pPr>
+              <a:defRPr/>
+            </a:pPr>
             <a:endParaRPr lang="en-CA"/>
           </a:p>
         </p:txBody>
@@ -2278,13 +4022,16 @@
             <p:ph type="sldNum" sz="quarter" idx="12"/>
           </p:nvPr>
         </p:nvSpPr>
-        <p:spPr/>
-        <p:txBody>
-          <a:bodyPr/>
-          <a:lstStyle/>
-          <a:p>
+        <p:spPr bwMode="auto"/>
+        <p:txBody>
+          <a:bodyPr/>
+          <a:lstStyle/>
+          <a:p>
+            <a:pPr>
+              <a:defRPr/>
+            </a:pPr>
             <a:fld id="{08A0547E-A5F3-4B5F-9208-0717AD318EC6}" type="slidenum">
-              <a:rPr lang="en-CA" smtClean="0"/>
+              <a:rPr lang="en-CA"/>
               <a:t>‹#›</a:t>
             </a:fld>
             <a:endParaRPr lang="en-CA"/>
@@ -2292,11 +4039,6 @@
         </p:txBody>
       </p:sp>
     </p:spTree>
-    <p:extLst>
-      <p:ext uri="{BB962C8B-B14F-4D97-AF65-F5344CB8AC3E}">
-        <p14:creationId xmlns:p14="http://schemas.microsoft.com/office/powerpoint/2010/main" val="892873457"/>
-      </p:ext>
-    </p:extLst>
   </p:cSld>
   <p:clrMapOvr>
     <a:masterClrMapping/>
@@ -2305,7 +4047,7 @@
 </file>
 
 <file path=ppt/slideLayouts/slideLayout6.xml><?xml version="1.0" encoding="utf-8"?>
-<p:sldLayout xmlns:a="http://schemas.openxmlformats.org/drawingml/2006/main" xmlns:r="http://schemas.openxmlformats.org/officeDocument/2006/relationships" xmlns:p="http://schemas.openxmlformats.org/presentationml/2006/main" type="titleOnly" preserve="1">
+<p:sldLayout xmlns:a="http://schemas.openxmlformats.org/drawingml/2006/main" xmlns:r="http://schemas.openxmlformats.org/officeDocument/2006/relationships" xmlns:p="http://schemas.openxmlformats.org/presentationml/2006/main" xmlns:m="http://schemas.openxmlformats.org/officeDocument/2006/math" xmlns:w="http://schemas.openxmlformats.org/wordprocessingml/2006/main" matchingName="" preserve="1" showMasterPhAnim="0" type="titleOnly" userDrawn="1">
   <p:cSld name="Title Only">
     <p:spTree>
       <p:nvGrpSpPr>
@@ -2313,7 +4055,7 @@
         <p:cNvGrpSpPr/>
         <p:nvPr/>
       </p:nvGrpSpPr>
-      <p:grpSpPr>
+      <p:grpSpPr bwMode="auto">
         <a:xfrm>
           <a:off x="0" y="0"/>
           <a:ext cx="0" cy="0"/>
@@ -2331,11 +4073,14 @@
             <p:ph type="title"/>
           </p:nvPr>
         </p:nvSpPr>
-        <p:spPr/>
-        <p:txBody>
-          <a:bodyPr/>
-          <a:lstStyle/>
-          <a:p>
+        <p:spPr bwMode="auto"/>
+        <p:txBody>
+          <a:bodyPr/>
+          <a:lstStyle/>
+          <a:p>
+            <a:pPr>
+              <a:defRPr/>
+            </a:pPr>
             <a:r>
               <a:rPr lang="en-US"/>
               <a:t>Click to edit Master title style</a:t>
@@ -2354,13 +4099,16 @@
             <p:ph type="dt" sz="half" idx="10"/>
           </p:nvPr>
         </p:nvSpPr>
-        <p:spPr/>
-        <p:txBody>
-          <a:bodyPr/>
-          <a:lstStyle/>
-          <a:p>
+        <p:spPr bwMode="auto"/>
+        <p:txBody>
+          <a:bodyPr/>
+          <a:lstStyle/>
+          <a:p>
+            <a:pPr>
+              <a:defRPr/>
+            </a:pPr>
             <a:fld id="{459BB6C1-3256-481A-9136-2006E0157FCA}" type="datetimeFigureOut">
-              <a:rPr lang="en-CA" smtClean="0"/>
+              <a:rPr lang="en-CA"/>
               <a:t>2019-03-27</a:t>
             </a:fld>
             <a:endParaRPr lang="en-CA"/>
@@ -2377,11 +4125,14 @@
             <p:ph type="ftr" sz="quarter" idx="11"/>
           </p:nvPr>
         </p:nvSpPr>
-        <p:spPr/>
-        <p:txBody>
-          <a:bodyPr/>
-          <a:lstStyle/>
-          <a:p>
+        <p:spPr bwMode="auto"/>
+        <p:txBody>
+          <a:bodyPr/>
+          <a:lstStyle/>
+          <a:p>
+            <a:pPr>
+              <a:defRPr/>
+            </a:pPr>
             <a:endParaRPr lang="en-CA"/>
           </a:p>
         </p:txBody>
@@ -2396,13 +4147,16 @@
             <p:ph type="sldNum" sz="quarter" idx="12"/>
           </p:nvPr>
         </p:nvSpPr>
-        <p:spPr/>
-        <p:txBody>
-          <a:bodyPr/>
-          <a:lstStyle/>
-          <a:p>
+        <p:spPr bwMode="auto"/>
+        <p:txBody>
+          <a:bodyPr/>
+          <a:lstStyle/>
+          <a:p>
+            <a:pPr>
+              <a:defRPr/>
+            </a:pPr>
             <a:fld id="{08A0547E-A5F3-4B5F-9208-0717AD318EC6}" type="slidenum">
-              <a:rPr lang="en-CA" smtClean="0"/>
+              <a:rPr lang="en-CA"/>
               <a:t>‹#›</a:t>
             </a:fld>
             <a:endParaRPr lang="en-CA"/>
@@ -2410,11 +4164,6 @@
         </p:txBody>
       </p:sp>
     </p:spTree>
-    <p:extLst>
-      <p:ext uri="{BB962C8B-B14F-4D97-AF65-F5344CB8AC3E}">
-        <p14:creationId xmlns:p14="http://schemas.microsoft.com/office/powerpoint/2010/main" val="3311865902"/>
-      </p:ext>
-    </p:extLst>
   </p:cSld>
   <p:clrMapOvr>
     <a:masterClrMapping/>
@@ -2423,7 +4172,7 @@
 </file>
 
 <file path=ppt/slideLayouts/slideLayout7.xml><?xml version="1.0" encoding="utf-8"?>
-<p:sldLayout xmlns:a="http://schemas.openxmlformats.org/drawingml/2006/main" xmlns:r="http://schemas.openxmlformats.org/officeDocument/2006/relationships" xmlns:p="http://schemas.openxmlformats.org/presentationml/2006/main" type="blank" preserve="1">
+<p:sldLayout xmlns:a="http://schemas.openxmlformats.org/drawingml/2006/main" xmlns:r="http://schemas.openxmlformats.org/officeDocument/2006/relationships" xmlns:p="http://schemas.openxmlformats.org/presentationml/2006/main" xmlns:m="http://schemas.openxmlformats.org/officeDocument/2006/math" xmlns:w="http://schemas.openxmlformats.org/wordprocessingml/2006/main" matchingName="" preserve="1" showMasterPhAnim="0" type="blank" userDrawn="1">
   <p:cSld name="Blank">
     <p:spTree>
       <p:nvGrpSpPr>
@@ -2431,7 +4180,7 @@
         <p:cNvGrpSpPr/>
         <p:nvPr/>
       </p:nvGrpSpPr>
-      <p:grpSpPr>
+      <p:grpSpPr bwMode="auto">
         <a:xfrm>
           <a:off x="0" y="0"/>
           <a:ext cx="0" cy="0"/>
@@ -2449,13 +4198,16 @@
             <p:ph type="dt" sz="half" idx="10"/>
           </p:nvPr>
         </p:nvSpPr>
-        <p:spPr/>
-        <p:txBody>
-          <a:bodyPr/>
-          <a:lstStyle/>
-          <a:p>
+        <p:spPr bwMode="auto"/>
+        <p:txBody>
+          <a:bodyPr/>
+          <a:lstStyle/>
+          <a:p>
+            <a:pPr>
+              <a:defRPr/>
+            </a:pPr>
             <a:fld id="{459BB6C1-3256-481A-9136-2006E0157FCA}" type="datetimeFigureOut">
-              <a:rPr lang="en-CA" smtClean="0"/>
+              <a:rPr lang="en-CA"/>
               <a:t>2019-03-27</a:t>
             </a:fld>
             <a:endParaRPr lang="en-CA"/>
@@ -2472,11 +4224,14 @@
             <p:ph type="ftr" sz="quarter" idx="11"/>
           </p:nvPr>
         </p:nvSpPr>
-        <p:spPr/>
-        <p:txBody>
-          <a:bodyPr/>
-          <a:lstStyle/>
-          <a:p>
+        <p:spPr bwMode="auto"/>
+        <p:txBody>
+          <a:bodyPr/>
+          <a:lstStyle/>
+          <a:p>
+            <a:pPr>
+              <a:defRPr/>
+            </a:pPr>
             <a:endParaRPr lang="en-CA"/>
           </a:p>
         </p:txBody>
@@ -2491,13 +4246,16 @@
             <p:ph type="sldNum" sz="quarter" idx="12"/>
           </p:nvPr>
         </p:nvSpPr>
-        <p:spPr/>
-        <p:txBody>
-          <a:bodyPr/>
-          <a:lstStyle/>
-          <a:p>
+        <p:spPr bwMode="auto"/>
+        <p:txBody>
+          <a:bodyPr/>
+          <a:lstStyle/>
+          <a:p>
+            <a:pPr>
+              <a:defRPr/>
+            </a:pPr>
             <a:fld id="{08A0547E-A5F3-4B5F-9208-0717AD318EC6}" type="slidenum">
-              <a:rPr lang="en-CA" smtClean="0"/>
+              <a:rPr lang="en-CA"/>
               <a:t>‹#›</a:t>
             </a:fld>
             <a:endParaRPr lang="en-CA"/>
@@ -2505,11 +4263,6 @@
         </p:txBody>
       </p:sp>
     </p:spTree>
-    <p:extLst>
-      <p:ext uri="{BB962C8B-B14F-4D97-AF65-F5344CB8AC3E}">
-        <p14:creationId xmlns:p14="http://schemas.microsoft.com/office/powerpoint/2010/main" val="1730270043"/>
-      </p:ext>
-    </p:extLst>
   </p:cSld>
   <p:clrMapOvr>
     <a:masterClrMapping/>
@@ -2518,7 +4271,7 @@
 </file>
 
 <file path=ppt/slideLayouts/slideLayout8.xml><?xml version="1.0" encoding="utf-8"?>
-<p:sldLayout xmlns:a="http://schemas.openxmlformats.org/drawingml/2006/main" xmlns:r="http://schemas.openxmlformats.org/officeDocument/2006/relationships" xmlns:p="http://schemas.openxmlformats.org/presentationml/2006/main" type="objTx" preserve="1">
+<p:sldLayout xmlns:a="http://schemas.openxmlformats.org/drawingml/2006/main" xmlns:r="http://schemas.openxmlformats.org/officeDocument/2006/relationships" xmlns:p="http://schemas.openxmlformats.org/presentationml/2006/main" xmlns:m="http://schemas.openxmlformats.org/officeDocument/2006/math" xmlns:w="http://schemas.openxmlformats.org/wordprocessingml/2006/main" matchingName="" preserve="1" showMasterPhAnim="0" type="objTx" userDrawn="1">
   <p:cSld name="Content with Caption">
     <p:spTree>
       <p:nvGrpSpPr>
@@ -2526,7 +4279,7 @@
         <p:cNvGrpSpPr/>
         <p:nvPr/>
       </p:nvGrpSpPr>
-      <p:grpSpPr>
+      <p:grpSpPr bwMode="auto">
         <a:xfrm>
           <a:off x="0" y="0"/>
           <a:ext cx="0" cy="0"/>
@@ -2544,7 +4297,7 @@
             <p:ph type="title"/>
           </p:nvPr>
         </p:nvSpPr>
-        <p:spPr>
+        <p:spPr bwMode="auto">
           <a:xfrm>
             <a:off x="457200" y="273050"/>
             <a:ext cx="3008313" cy="1162050"/>
@@ -2558,6 +4311,9 @@
             </a:lvl1pPr>
           </a:lstStyle>
           <a:p>
+            <a:pPr>
+              <a:defRPr/>
+            </a:pPr>
             <a:r>
               <a:rPr lang="en-US"/>
               <a:t>Click to edit Master title style</a:t>
@@ -2576,7 +4332,7 @@
             <p:ph idx="1"/>
           </p:nvPr>
         </p:nvSpPr>
-        <p:spPr>
+        <p:spPr bwMode="auto">
           <a:xfrm>
             <a:off x="3575050" y="273050"/>
             <a:ext cx="5111750" cy="5853113"/>
@@ -2614,35 +4370,49 @@
             </a:lvl9pPr>
           </a:lstStyle>
           <a:p>
-            <a:pPr lvl="0"/>
+            <a:pPr lvl="0">
+              <a:defRPr/>
+            </a:pPr>
             <a:r>
               <a:rPr lang="en-US"/>
               <a:t>Click to edit Master text styles</a:t>
             </a:r>
-          </a:p>
-          <a:p>
-            <a:pPr lvl="1"/>
+            <a:endParaRPr/>
+          </a:p>
+          <a:p>
+            <a:pPr lvl="1">
+              <a:defRPr/>
+            </a:pPr>
             <a:r>
               <a:rPr lang="en-US"/>
               <a:t>Second level</a:t>
             </a:r>
-          </a:p>
-          <a:p>
-            <a:pPr lvl="2"/>
+            <a:endParaRPr/>
+          </a:p>
+          <a:p>
+            <a:pPr lvl="2">
+              <a:defRPr/>
+            </a:pPr>
             <a:r>
               <a:rPr lang="en-US"/>
               <a:t>Third level</a:t>
             </a:r>
-          </a:p>
-          <a:p>
-            <a:pPr lvl="3"/>
+            <a:endParaRPr/>
+          </a:p>
+          <a:p>
+            <a:pPr lvl="3">
+              <a:defRPr/>
+            </a:pPr>
             <a:r>
               <a:rPr lang="en-US"/>
               <a:t>Fourth level</a:t>
             </a:r>
-          </a:p>
-          <a:p>
-            <a:pPr lvl="4"/>
+            <a:endParaRPr/>
+          </a:p>
+          <a:p>
+            <a:pPr lvl="4">
+              <a:defRPr/>
+            </a:pPr>
             <a:r>
               <a:rPr lang="en-US"/>
               <a:t>Fifth level</a:t>
@@ -2661,7 +4431,7 @@
             <p:ph type="body" sz="half" idx="2"/>
           </p:nvPr>
         </p:nvSpPr>
-        <p:spPr>
+        <p:spPr bwMode="auto">
           <a:xfrm>
             <a:off x="457200" y="1435100"/>
             <a:ext cx="3008313" cy="4691063"/>
@@ -2708,11 +4478,14 @@
             </a:lvl9pPr>
           </a:lstStyle>
           <a:p>
-            <a:pPr lvl="0"/>
+            <a:pPr lvl="0">
+              <a:defRPr/>
+            </a:pPr>
             <a:r>
               <a:rPr lang="en-US"/>
               <a:t>Click to edit Master text styles</a:t>
             </a:r>
+            <a:endParaRPr/>
           </a:p>
         </p:txBody>
       </p:sp>
@@ -2726,13 +4499,16 @@
             <p:ph type="dt" sz="half" idx="10"/>
           </p:nvPr>
         </p:nvSpPr>
-        <p:spPr/>
-        <p:txBody>
-          <a:bodyPr/>
-          <a:lstStyle/>
-          <a:p>
+        <p:spPr bwMode="auto"/>
+        <p:txBody>
+          <a:bodyPr/>
+          <a:lstStyle/>
+          <a:p>
+            <a:pPr>
+              <a:defRPr/>
+            </a:pPr>
             <a:fld id="{459BB6C1-3256-481A-9136-2006E0157FCA}" type="datetimeFigureOut">
-              <a:rPr lang="en-CA" smtClean="0"/>
+              <a:rPr lang="en-CA"/>
               <a:t>2019-03-27</a:t>
             </a:fld>
             <a:endParaRPr lang="en-CA"/>
@@ -2749,11 +4525,14 @@
             <p:ph type="ftr" sz="quarter" idx="11"/>
           </p:nvPr>
         </p:nvSpPr>
-        <p:spPr/>
-        <p:txBody>
-          <a:bodyPr/>
-          <a:lstStyle/>
-          <a:p>
+        <p:spPr bwMode="auto"/>
+        <p:txBody>
+          <a:bodyPr/>
+          <a:lstStyle/>
+          <a:p>
+            <a:pPr>
+              <a:defRPr/>
+            </a:pPr>
             <a:endParaRPr lang="en-CA"/>
           </a:p>
         </p:txBody>
@@ -2768,13 +4547,16 @@
             <p:ph type="sldNum" sz="quarter" idx="12"/>
           </p:nvPr>
         </p:nvSpPr>
-        <p:spPr/>
-        <p:txBody>
-          <a:bodyPr/>
-          <a:lstStyle/>
-          <a:p>
+        <p:spPr bwMode="auto"/>
+        <p:txBody>
+          <a:bodyPr/>
+          <a:lstStyle/>
+          <a:p>
+            <a:pPr>
+              <a:defRPr/>
+            </a:pPr>
             <a:fld id="{08A0547E-A5F3-4B5F-9208-0717AD318EC6}" type="slidenum">
-              <a:rPr lang="en-CA" smtClean="0"/>
+              <a:rPr lang="en-CA"/>
               <a:t>‹#›</a:t>
             </a:fld>
             <a:endParaRPr lang="en-CA"/>
@@ -2782,11 +4564,6 @@
         </p:txBody>
       </p:sp>
     </p:spTree>
-    <p:extLst>
-      <p:ext uri="{BB962C8B-B14F-4D97-AF65-F5344CB8AC3E}">
-        <p14:creationId xmlns:p14="http://schemas.microsoft.com/office/powerpoint/2010/main" val="907027965"/>
-      </p:ext>
-    </p:extLst>
   </p:cSld>
   <p:clrMapOvr>
     <a:masterClrMapping/>
@@ -2795,7 +4572,7 @@
 </file>
 
 <file path=ppt/slideLayouts/slideLayout9.xml><?xml version="1.0" encoding="utf-8"?>
-<p:sldLayout xmlns:a="http://schemas.openxmlformats.org/drawingml/2006/main" xmlns:r="http://schemas.openxmlformats.org/officeDocument/2006/relationships" xmlns:p="http://schemas.openxmlformats.org/presentationml/2006/main" type="picTx" preserve="1">
+<p:sldLayout xmlns:a="http://schemas.openxmlformats.org/drawingml/2006/main" xmlns:r="http://schemas.openxmlformats.org/officeDocument/2006/relationships" xmlns:p="http://schemas.openxmlformats.org/presentationml/2006/main" xmlns:m="http://schemas.openxmlformats.org/officeDocument/2006/math" xmlns:w="http://schemas.openxmlformats.org/wordprocessingml/2006/main" matchingName="" preserve="1" showMasterPhAnim="0" type="picTx" userDrawn="1">
   <p:cSld name="Picture with Caption">
     <p:spTree>
       <p:nvGrpSpPr>
@@ -2803,7 +4580,7 @@
         <p:cNvGrpSpPr/>
         <p:nvPr/>
       </p:nvGrpSpPr>
-      <p:grpSpPr>
+      <p:grpSpPr bwMode="auto">
         <a:xfrm>
           <a:off x="0" y="0"/>
           <a:ext cx="0" cy="0"/>
@@ -2821,7 +4598,7 @@
             <p:ph type="title"/>
           </p:nvPr>
         </p:nvSpPr>
-        <p:spPr>
+        <p:spPr bwMode="auto">
           <a:xfrm>
             <a:off x="1792288" y="4800600"/>
             <a:ext cx="5486400" cy="566738"/>
@@ -2835,6 +4612,9 @@
             </a:lvl1pPr>
           </a:lstStyle>
           <a:p>
+            <a:pPr>
+              <a:defRPr/>
+            </a:pPr>
             <a:r>
               <a:rPr lang="en-US"/>
               <a:t>Click to edit Master title style</a:t>
@@ -2853,7 +4633,7 @@
             <p:ph type="pic" idx="1"/>
           </p:nvPr>
         </p:nvSpPr>
-        <p:spPr>
+        <p:spPr bwMode="auto">
           <a:xfrm>
             <a:off x="1792288" y="612775"/>
             <a:ext cx="5486400" cy="4114800"/>
@@ -2900,6 +4680,9 @@
             </a:lvl9pPr>
           </a:lstStyle>
           <a:p>
+            <a:pPr>
+              <a:defRPr/>
+            </a:pPr>
             <a:endParaRPr lang="en-CA"/>
           </a:p>
         </p:txBody>
@@ -2914,7 +4697,7 @@
             <p:ph type="body" sz="half" idx="2"/>
           </p:nvPr>
         </p:nvSpPr>
-        <p:spPr>
+        <p:spPr bwMode="auto">
           <a:xfrm>
             <a:off x="1792288" y="5367338"/>
             <a:ext cx="5486400" cy="804862"/>
@@ -2961,11 +4744,14 @@
             </a:lvl9pPr>
           </a:lstStyle>
           <a:p>
-            <a:pPr lvl="0"/>
+            <a:pPr lvl="0">
+              <a:defRPr/>
+            </a:pPr>
             <a:r>
               <a:rPr lang="en-US"/>
               <a:t>Click to edit Master text styles</a:t>
             </a:r>
+            <a:endParaRPr/>
           </a:p>
         </p:txBody>
       </p:sp>
@@ -2979,13 +4765,16 @@
             <p:ph type="dt" sz="half" idx="10"/>
           </p:nvPr>
         </p:nvSpPr>
-        <p:spPr/>
-        <p:txBody>
-          <a:bodyPr/>
-          <a:lstStyle/>
-          <a:p>
+        <p:spPr bwMode="auto"/>
+        <p:txBody>
+          <a:bodyPr/>
+          <a:lstStyle/>
+          <a:p>
+            <a:pPr>
+              <a:defRPr/>
+            </a:pPr>
             <a:fld id="{459BB6C1-3256-481A-9136-2006E0157FCA}" type="datetimeFigureOut">
-              <a:rPr lang="en-CA" smtClean="0"/>
+              <a:rPr lang="en-CA"/>
               <a:t>2019-03-27</a:t>
             </a:fld>
             <a:endParaRPr lang="en-CA"/>
@@ -3002,11 +4791,14 @@
             <p:ph type="ftr" sz="quarter" idx="11"/>
           </p:nvPr>
         </p:nvSpPr>
-        <p:spPr/>
-        <p:txBody>
-          <a:bodyPr/>
-          <a:lstStyle/>
-          <a:p>
+        <p:spPr bwMode="auto"/>
+        <p:txBody>
+          <a:bodyPr/>
+          <a:lstStyle/>
+          <a:p>
+            <a:pPr>
+              <a:defRPr/>
+            </a:pPr>
             <a:endParaRPr lang="en-CA"/>
           </a:p>
         </p:txBody>
@@ -3021,13 +4813,16 @@
             <p:ph type="sldNum" sz="quarter" idx="12"/>
           </p:nvPr>
         </p:nvSpPr>
-        <p:spPr/>
-        <p:txBody>
-          <a:bodyPr/>
-          <a:lstStyle/>
-          <a:p>
+        <p:spPr bwMode="auto"/>
+        <p:txBody>
+          <a:bodyPr/>
+          <a:lstStyle/>
+          <a:p>
+            <a:pPr>
+              <a:defRPr/>
+            </a:pPr>
             <a:fld id="{08A0547E-A5F3-4B5F-9208-0717AD318EC6}" type="slidenum">
-              <a:rPr lang="en-CA" smtClean="0"/>
+              <a:rPr lang="en-CA"/>
               <a:t>‹#›</a:t>
             </a:fld>
             <a:endParaRPr lang="en-CA"/>
@@ -3035,11 +4830,6 @@
         </p:txBody>
       </p:sp>
     </p:spTree>
-    <p:extLst>
-      <p:ext uri="{BB962C8B-B14F-4D97-AF65-F5344CB8AC3E}">
-        <p14:creationId xmlns:p14="http://schemas.microsoft.com/office/powerpoint/2010/main" val="3229650862"/>
-      </p:ext>
-    </p:extLst>
   </p:cSld>
   <p:clrMapOvr>
     <a:masterClrMapping/>
@@ -3048,8 +4838,8 @@
 </file>
 
 <file path=ppt/slideMasters/slideMaster1.xml><?xml version="1.0" encoding="utf-8"?>
-<p:sldMaster xmlns:a="http://schemas.openxmlformats.org/drawingml/2006/main" xmlns:r="http://schemas.openxmlformats.org/officeDocument/2006/relationships" xmlns:p="http://schemas.openxmlformats.org/presentationml/2006/main">
-  <p:cSld>
+<p:sldMaster xmlns:a="http://schemas.openxmlformats.org/drawingml/2006/main" xmlns:r="http://schemas.openxmlformats.org/officeDocument/2006/relationships" xmlns:p="http://schemas.openxmlformats.org/presentationml/2006/main" xmlns:m="http://schemas.openxmlformats.org/officeDocument/2006/math" xmlns:w="http://schemas.openxmlformats.org/wordprocessingml/2006/main" preserve="0">
+  <p:cSld name="">
     <p:bg>
       <p:bgRef idx="1001">
         <a:schemeClr val="bg1"/>
@@ -3061,7 +4851,7 @@
         <p:cNvGrpSpPr/>
         <p:nvPr/>
       </p:nvGrpSpPr>
-      <p:grpSpPr>
+      <p:grpSpPr bwMode="auto">
         <a:xfrm>
           <a:off x="0" y="0"/>
           <a:ext cx="0" cy="0"/>
@@ -3079,7 +4869,7 @@
             <p:ph type="title"/>
           </p:nvPr>
         </p:nvSpPr>
-        <p:spPr>
+        <p:spPr bwMode="auto">
           <a:xfrm>
             <a:off x="457200" y="274638"/>
             <a:ext cx="8229600" cy="1143000"/>
@@ -3094,6 +4884,9 @@
           </a:bodyPr>
           <a:lstStyle/>
           <a:p>
+            <a:pPr>
+              <a:defRPr/>
+            </a:pPr>
             <a:r>
               <a:rPr lang="en-US"/>
               <a:t>Click to edit Master title style</a:t>
@@ -3112,7 +4905,7 @@
             <p:ph type="body" idx="1"/>
           </p:nvPr>
         </p:nvSpPr>
-        <p:spPr>
+        <p:spPr bwMode="auto">
           <a:xfrm>
             <a:off x="457200" y="1600200"/>
             <a:ext cx="8229600" cy="4525963"/>
@@ -3127,35 +4920,49 @@
           </a:bodyPr>
           <a:lstStyle/>
           <a:p>
-            <a:pPr lvl="0"/>
+            <a:pPr lvl="0">
+              <a:defRPr/>
+            </a:pPr>
             <a:r>
               <a:rPr lang="en-US"/>
               <a:t>Click to edit Master text styles</a:t>
             </a:r>
-          </a:p>
-          <a:p>
-            <a:pPr lvl="1"/>
+            <a:endParaRPr/>
+          </a:p>
+          <a:p>
+            <a:pPr lvl="1">
+              <a:defRPr/>
+            </a:pPr>
             <a:r>
               <a:rPr lang="en-US"/>
               <a:t>Second level</a:t>
             </a:r>
-          </a:p>
-          <a:p>
-            <a:pPr lvl="2"/>
+            <a:endParaRPr/>
+          </a:p>
+          <a:p>
+            <a:pPr lvl="2">
+              <a:defRPr/>
+            </a:pPr>
             <a:r>
               <a:rPr lang="en-US"/>
               <a:t>Third level</a:t>
             </a:r>
-          </a:p>
-          <a:p>
-            <a:pPr lvl="3"/>
+            <a:endParaRPr/>
+          </a:p>
+          <a:p>
+            <a:pPr lvl="3">
+              <a:defRPr/>
+            </a:pPr>
             <a:r>
               <a:rPr lang="en-US"/>
               <a:t>Fourth level</a:t>
             </a:r>
-          </a:p>
-          <a:p>
-            <a:pPr lvl="4"/>
+            <a:endParaRPr/>
+          </a:p>
+          <a:p>
+            <a:pPr lvl="4">
+              <a:defRPr/>
+            </a:pPr>
             <a:r>
               <a:rPr lang="en-US"/>
               <a:t>Fifth level</a:t>
@@ -3174,7 +4981,7 @@
             <p:ph type="dt" sz="half" idx="2"/>
           </p:nvPr>
         </p:nvSpPr>
-        <p:spPr>
+        <p:spPr bwMode="auto">
           <a:xfrm>
             <a:off x="457200" y="6356350"/>
             <a:ext cx="2133600" cy="365125"/>
@@ -3197,8 +5004,11 @@
             </a:lvl1pPr>
           </a:lstStyle>
           <a:p>
+            <a:pPr>
+              <a:defRPr/>
+            </a:pPr>
             <a:fld id="{459BB6C1-3256-481A-9136-2006E0157FCA}" type="datetimeFigureOut">
-              <a:rPr lang="en-CA" smtClean="0"/>
+              <a:rPr lang="en-CA"/>
               <a:t>2019-03-27</a:t>
             </a:fld>
             <a:endParaRPr lang="en-CA"/>
@@ -3215,7 +5025,7 @@
             <p:ph type="ftr" sz="quarter" idx="3"/>
           </p:nvPr>
         </p:nvSpPr>
-        <p:spPr>
+        <p:spPr bwMode="auto">
           <a:xfrm>
             <a:off x="3124200" y="6356350"/>
             <a:ext cx="2895600" cy="365125"/>
@@ -3238,6 +5048,9 @@
             </a:lvl1pPr>
           </a:lstStyle>
           <a:p>
+            <a:pPr>
+              <a:defRPr/>
+            </a:pPr>
             <a:endParaRPr lang="en-CA"/>
           </a:p>
         </p:txBody>
@@ -3252,7 +5065,7 @@
             <p:ph type="sldNum" sz="quarter" idx="4"/>
           </p:nvPr>
         </p:nvSpPr>
-        <p:spPr>
+        <p:spPr bwMode="auto">
           <a:xfrm>
             <a:off x="6553200" y="6356350"/>
             <a:ext cx="2133600" cy="365125"/>
@@ -3275,8 +5088,11 @@
             </a:lvl1pPr>
           </a:lstStyle>
           <a:p>
+            <a:pPr>
+              <a:defRPr/>
+            </a:pPr>
             <a:fld id="{08A0547E-A5F3-4B5F-9208-0717AD318EC6}" type="slidenum">
-              <a:rPr lang="en-CA" smtClean="0"/>
+              <a:rPr lang="en-CA"/>
               <a:t>‹#›</a:t>
             </a:fld>
             <a:endParaRPr lang="en-CA"/>
@@ -3284,11 +5100,6 @@
         </p:txBody>
       </p:sp>
     </p:spTree>
-    <p:extLst>
-      <p:ext uri="{BB962C8B-B14F-4D97-AF65-F5344CB8AC3E}">
-        <p14:creationId xmlns:p14="http://schemas.microsoft.com/office/powerpoint/2010/main" val="1445785016"/>
-      </p:ext>
-    </p:extLst>
   </p:cSld>
   <p:clrMap bg1="lt1" tx1="dk1" bg2="lt2" tx2="dk2" accent1="accent1" accent2="accent2" accent3="accent3" accent4="accent4" accent5="accent5" accent6="accent6" hlink="hlink" folHlink="folHlink"/>
   <p:sldLayoutIdLst>
@@ -3306,12 +5117,12 @@
   </p:sldLayoutIdLst>
   <p:txStyles>
     <p:titleStyle>
-      <a:lvl1pPr algn="ctr" defTabSz="914400" rtl="0" eaLnBrk="1" latinLnBrk="0" hangingPunct="1">
+      <a:lvl1pPr algn="ctr" defTabSz="914400">
         <a:spcBef>
-          <a:spcPct val="0"/>
+          <a:spcPts val="0"/>
         </a:spcBef>
         <a:buNone/>
-        <a:defRPr sz="4400" kern="1200">
+        <a:defRPr sz="4400">
           <a:solidFill>
             <a:schemeClr val="tx1"/>
           </a:solidFill>
@@ -3322,13 +5133,13 @@
       </a:lvl1pPr>
     </p:titleStyle>
     <p:bodyStyle>
-      <a:lvl1pPr marL="342900" indent="-342900" algn="l" defTabSz="914400" rtl="0" eaLnBrk="1" latinLnBrk="0" hangingPunct="1">
+      <a:lvl1pPr marL="342900" indent="-342900" algn="l" defTabSz="914400">
         <a:spcBef>
-          <a:spcPct val="20000"/>
+          <a:spcPts val="0"/>
         </a:spcBef>
-        <a:buFont typeface="Arial" panose="020B0604020202020204" pitchFamily="34" charset="0"/>
+        <a:buFont typeface="Arial"/>
         <a:buChar char="•"/>
-        <a:defRPr sz="3200" kern="1200">
+        <a:defRPr sz="3200">
           <a:solidFill>
             <a:schemeClr val="tx1"/>
           </a:solidFill>
@@ -3337,13 +5148,13 @@
           <a:cs typeface="+mn-cs"/>
         </a:defRPr>
       </a:lvl1pPr>
-      <a:lvl2pPr marL="742950" indent="-285750" algn="l" defTabSz="914400" rtl="0" eaLnBrk="1" latinLnBrk="0" hangingPunct="1">
+      <a:lvl2pPr marL="742950" indent="-285750" algn="l" defTabSz="914400">
         <a:spcBef>
-          <a:spcPct val="20000"/>
+          <a:spcPts val="0"/>
         </a:spcBef>
-        <a:buFont typeface="Arial" panose="020B0604020202020204" pitchFamily="34" charset="0"/>
+        <a:buFont typeface="Arial"/>
         <a:buChar char="–"/>
-        <a:defRPr sz="2800" kern="1200">
+        <a:defRPr sz="2800">
           <a:solidFill>
             <a:schemeClr val="tx1"/>
           </a:solidFill>
@@ -3352,13 +5163,13 @@
           <a:cs typeface="+mn-cs"/>
         </a:defRPr>
       </a:lvl2pPr>
-      <a:lvl3pPr marL="1143000" indent="-228600" algn="l" defTabSz="914400" rtl="0" eaLnBrk="1" latinLnBrk="0" hangingPunct="1">
+      <a:lvl3pPr marL="1143000" indent="-228600" algn="l" defTabSz="914400">
         <a:spcBef>
-          <a:spcPct val="20000"/>
+          <a:spcPts val="0"/>
         </a:spcBef>
-        <a:buFont typeface="Arial" panose="020B0604020202020204" pitchFamily="34" charset="0"/>
+        <a:buFont typeface="Arial"/>
         <a:buChar char="•"/>
-        <a:defRPr sz="2400" kern="1200">
+        <a:defRPr sz="2400">
           <a:solidFill>
             <a:schemeClr val="tx1"/>
           </a:solidFill>
@@ -3367,13 +5178,13 @@
           <a:cs typeface="+mn-cs"/>
         </a:defRPr>
       </a:lvl3pPr>
-      <a:lvl4pPr marL="1600200" indent="-228600" algn="l" defTabSz="914400" rtl="0" eaLnBrk="1" latinLnBrk="0" hangingPunct="1">
+      <a:lvl4pPr marL="1600200" indent="-228600" algn="l" defTabSz="914400">
         <a:spcBef>
-          <a:spcPct val="20000"/>
+          <a:spcPts val="0"/>
         </a:spcBef>
-        <a:buFont typeface="Arial" panose="020B0604020202020204" pitchFamily="34" charset="0"/>
+        <a:buFont typeface="Arial"/>
         <a:buChar char="–"/>
-        <a:defRPr sz="2000" kern="1200">
+        <a:defRPr sz="2000">
           <a:solidFill>
             <a:schemeClr val="tx1"/>
           </a:solidFill>
@@ -3382,13 +5193,13 @@
           <a:cs typeface="+mn-cs"/>
         </a:defRPr>
       </a:lvl4pPr>
-      <a:lvl5pPr marL="2057400" indent="-228600" algn="l" defTabSz="914400" rtl="0" eaLnBrk="1" latinLnBrk="0" hangingPunct="1">
+      <a:lvl5pPr marL="2057400" indent="-228600" algn="l" defTabSz="914400">
         <a:spcBef>
-          <a:spcPct val="20000"/>
+          <a:spcPts val="0"/>
         </a:spcBef>
-        <a:buFont typeface="Arial" panose="020B0604020202020204" pitchFamily="34" charset="0"/>
+        <a:buFont typeface="Arial"/>
         <a:buChar char="»"/>
-        <a:defRPr sz="2000" kern="1200">
+        <a:defRPr sz="2000">
           <a:solidFill>
             <a:schemeClr val="tx1"/>
           </a:solidFill>
@@ -3397,13 +5208,13 @@
           <a:cs typeface="+mn-cs"/>
         </a:defRPr>
       </a:lvl5pPr>
-      <a:lvl6pPr marL="2514600" indent="-228600" algn="l" defTabSz="914400" rtl="0" eaLnBrk="1" latinLnBrk="0" hangingPunct="1">
+      <a:lvl6pPr marL="2514600" indent="-228600" algn="l" defTabSz="914400">
         <a:spcBef>
-          <a:spcPct val="20000"/>
+          <a:spcPts val="0"/>
         </a:spcBef>
-        <a:buFont typeface="Arial" panose="020B0604020202020204" pitchFamily="34" charset="0"/>
+        <a:buFont typeface="Arial"/>
         <a:buChar char="•"/>
-        <a:defRPr sz="2000" kern="1200">
+        <a:defRPr sz="2000">
           <a:solidFill>
             <a:schemeClr val="tx1"/>
           </a:solidFill>
@@ -3412,13 +5223,13 @@
           <a:cs typeface="+mn-cs"/>
         </a:defRPr>
       </a:lvl6pPr>
-      <a:lvl7pPr marL="2971800" indent="-228600" algn="l" defTabSz="914400" rtl="0" eaLnBrk="1" latinLnBrk="0" hangingPunct="1">
+      <a:lvl7pPr marL="2971800" indent="-228600" algn="l" defTabSz="914400">
         <a:spcBef>
-          <a:spcPct val="20000"/>
+          <a:spcPts val="0"/>
         </a:spcBef>
-        <a:buFont typeface="Arial" panose="020B0604020202020204" pitchFamily="34" charset="0"/>
+        <a:buFont typeface="Arial"/>
         <a:buChar char="•"/>
-        <a:defRPr sz="2000" kern="1200">
+        <a:defRPr sz="2000">
           <a:solidFill>
             <a:schemeClr val="tx1"/>
           </a:solidFill>
@@ -3427,13 +5238,13 @@
           <a:cs typeface="+mn-cs"/>
         </a:defRPr>
       </a:lvl7pPr>
-      <a:lvl8pPr marL="3429000" indent="-228600" algn="l" defTabSz="914400" rtl="0" eaLnBrk="1" latinLnBrk="0" hangingPunct="1">
+      <a:lvl8pPr marL="3429000" indent="-228600" algn="l" defTabSz="914400">
         <a:spcBef>
-          <a:spcPct val="20000"/>
+          <a:spcPts val="0"/>
         </a:spcBef>
-        <a:buFont typeface="Arial" panose="020B0604020202020204" pitchFamily="34" charset="0"/>
+        <a:buFont typeface="Arial"/>
         <a:buChar char="•"/>
-        <a:defRPr sz="2000" kern="1200">
+        <a:defRPr sz="2000">
           <a:solidFill>
             <a:schemeClr val="tx1"/>
           </a:solidFill>
@@ -3442,13 +5253,13 @@
           <a:cs typeface="+mn-cs"/>
         </a:defRPr>
       </a:lvl8pPr>
-      <a:lvl9pPr marL="3886200" indent="-228600" algn="l" defTabSz="914400" rtl="0" eaLnBrk="1" latinLnBrk="0" hangingPunct="1">
+      <a:lvl9pPr marL="3886200" indent="-228600" algn="l" defTabSz="914400">
         <a:spcBef>
-          <a:spcPct val="20000"/>
+          <a:spcPts val="0"/>
         </a:spcBef>
-        <a:buFont typeface="Arial" panose="020B0604020202020204" pitchFamily="34" charset="0"/>
+        <a:buFont typeface="Arial"/>
         <a:buChar char="•"/>
-        <a:defRPr sz="2000" kern="1200">
+        <a:defRPr sz="2000">
           <a:solidFill>
             <a:schemeClr val="tx1"/>
           </a:solidFill>
@@ -3462,8 +5273,8 @@
       <a:defPPr>
         <a:defRPr lang="en-US"/>
       </a:defPPr>
-      <a:lvl1pPr marL="0" algn="l" defTabSz="914400" rtl="0" eaLnBrk="1" latinLnBrk="0" hangingPunct="1">
-        <a:defRPr sz="1800" kern="1200">
+      <a:lvl1pPr marL="0" algn="l" defTabSz="914400">
+        <a:defRPr sz="1800">
           <a:solidFill>
             <a:schemeClr val="tx1"/>
           </a:solidFill>
@@ -3472,8 +5283,8 @@
           <a:cs typeface="+mn-cs"/>
         </a:defRPr>
       </a:lvl1pPr>
-      <a:lvl2pPr marL="457200" algn="l" defTabSz="914400" rtl="0" eaLnBrk="1" latinLnBrk="0" hangingPunct="1">
-        <a:defRPr sz="1800" kern="1200">
+      <a:lvl2pPr marL="457200" algn="l" defTabSz="914400">
+        <a:defRPr sz="1800">
           <a:solidFill>
             <a:schemeClr val="tx1"/>
           </a:solidFill>
@@ -3482,8 +5293,8 @@
           <a:cs typeface="+mn-cs"/>
         </a:defRPr>
       </a:lvl2pPr>
-      <a:lvl3pPr marL="914400" algn="l" defTabSz="914400" rtl="0" eaLnBrk="1" latinLnBrk="0" hangingPunct="1">
-        <a:defRPr sz="1800" kern="1200">
+      <a:lvl3pPr marL="914400" algn="l" defTabSz="914400">
+        <a:defRPr sz="1800">
           <a:solidFill>
             <a:schemeClr val="tx1"/>
           </a:solidFill>
@@ -3492,8 +5303,8 @@
           <a:cs typeface="+mn-cs"/>
         </a:defRPr>
       </a:lvl3pPr>
-      <a:lvl4pPr marL="1371600" algn="l" defTabSz="914400" rtl="0" eaLnBrk="1" latinLnBrk="0" hangingPunct="1">
-        <a:defRPr sz="1800" kern="1200">
+      <a:lvl4pPr marL="1371600" algn="l" defTabSz="914400">
+        <a:defRPr sz="1800">
           <a:solidFill>
             <a:schemeClr val="tx1"/>
           </a:solidFill>
@@ -3502,8 +5313,8 @@
           <a:cs typeface="+mn-cs"/>
         </a:defRPr>
       </a:lvl4pPr>
-      <a:lvl5pPr marL="1828800" algn="l" defTabSz="914400" rtl="0" eaLnBrk="1" latinLnBrk="0" hangingPunct="1">
-        <a:defRPr sz="1800" kern="1200">
+      <a:lvl5pPr marL="1828800" algn="l" defTabSz="914400">
+        <a:defRPr sz="1800">
           <a:solidFill>
             <a:schemeClr val="tx1"/>
           </a:solidFill>
@@ -3512,8 +5323,8 @@
           <a:cs typeface="+mn-cs"/>
         </a:defRPr>
       </a:lvl5pPr>
-      <a:lvl6pPr marL="2286000" algn="l" defTabSz="914400" rtl="0" eaLnBrk="1" latinLnBrk="0" hangingPunct="1">
-        <a:defRPr sz="1800" kern="1200">
+      <a:lvl6pPr marL="2286000" algn="l" defTabSz="914400">
+        <a:defRPr sz="1800">
           <a:solidFill>
             <a:schemeClr val="tx1"/>
           </a:solidFill>
@@ -3522,8 +5333,8 @@
           <a:cs typeface="+mn-cs"/>
         </a:defRPr>
       </a:lvl6pPr>
-      <a:lvl7pPr marL="2743200" algn="l" defTabSz="914400" rtl="0" eaLnBrk="1" latinLnBrk="0" hangingPunct="1">
-        <a:defRPr sz="1800" kern="1200">
+      <a:lvl7pPr marL="2743200" algn="l" defTabSz="914400">
+        <a:defRPr sz="1800">
           <a:solidFill>
             <a:schemeClr val="tx1"/>
           </a:solidFill>
@@ -3532,8 +5343,8 @@
           <a:cs typeface="+mn-cs"/>
         </a:defRPr>
       </a:lvl7pPr>
-      <a:lvl8pPr marL="3200400" algn="l" defTabSz="914400" rtl="0" eaLnBrk="1" latinLnBrk="0" hangingPunct="1">
-        <a:defRPr sz="1800" kern="1200">
+      <a:lvl8pPr marL="3200400" algn="l" defTabSz="914400">
+        <a:defRPr sz="1800">
           <a:solidFill>
             <a:schemeClr val="tx1"/>
           </a:solidFill>
@@ -3542,8 +5353,8 @@
           <a:cs typeface="+mn-cs"/>
         </a:defRPr>
       </a:lvl8pPr>
-      <a:lvl9pPr marL="3657600" algn="l" defTabSz="914400" rtl="0" eaLnBrk="1" latinLnBrk="0" hangingPunct="1">
-        <a:defRPr sz="1800" kern="1200">
+      <a:lvl9pPr marL="3657600" algn="l" defTabSz="914400">
+        <a:defRPr sz="1800">
           <a:solidFill>
             <a:schemeClr val="tx1"/>
           </a:solidFill>
@@ -3558,15 +5369,15 @@
 </file>
 
 <file path=ppt/slides/slide1.xml><?xml version="1.0" encoding="utf-8"?>
-<p:sld xmlns:a="http://schemas.openxmlformats.org/drawingml/2006/main" xmlns:r="http://schemas.openxmlformats.org/officeDocument/2006/relationships" xmlns:p="http://schemas.openxmlformats.org/presentationml/2006/main">
-  <p:cSld>
+<p:sld xmlns:a="http://schemas.openxmlformats.org/drawingml/2006/main" xmlns:r="http://schemas.openxmlformats.org/officeDocument/2006/relationships" xmlns:p="http://schemas.openxmlformats.org/presentationml/2006/main" xmlns:m="http://schemas.openxmlformats.org/officeDocument/2006/math" xmlns:w="http://schemas.openxmlformats.org/wordprocessingml/2006/main" showMasterPhAnim="0" show="1">
+  <p:cSld name="">
     <p:spTree>
       <p:nvGrpSpPr>
         <p:cNvPr id="1" name=""/>
         <p:cNvGrpSpPr/>
         <p:nvPr/>
       </p:nvGrpSpPr>
-      <p:grpSpPr>
+      <p:grpSpPr bwMode="auto">
         <a:xfrm>
           <a:off x="0" y="0"/>
           <a:ext cx="0" cy="0"/>
@@ -3584,16 +5395,19 @@
             <p:ph type="ctrTitle"/>
           </p:nvPr>
         </p:nvSpPr>
-        <p:spPr/>
-        <p:txBody>
-          <a:bodyPr/>
-          <a:lstStyle/>
-          <a:p>
-            <a:r>
-              <a:rPr lang="en-US" dirty="0"/>
+        <p:spPr bwMode="auto"/>
+        <p:txBody>
+          <a:bodyPr/>
+          <a:lstStyle/>
+          <a:p>
+            <a:pPr>
+              <a:defRPr/>
+            </a:pPr>
+            <a:r>
+              <a:rPr lang="en-US"/>
               <a:t>Inner Classes and Interfaces</a:t>
             </a:r>
-            <a:endParaRPr lang="en-CA" dirty="0"/>
+            <a:endParaRPr lang="en-CA"/>
           </a:p>
         </p:txBody>
       </p:sp>
@@ -3607,42 +5421,48 @@
             <p:ph type="subTitle" idx="1"/>
           </p:nvPr>
         </p:nvSpPr>
-        <p:spPr/>
-        <p:txBody>
-          <a:bodyPr/>
-          <a:lstStyle/>
-          <a:p>
-            <a:r>
-              <a:rPr lang="en-US" dirty="0"/>
+        <p:spPr bwMode="auto"/>
+        <p:txBody>
+          <a:bodyPr/>
+          <a:lstStyle/>
+          <a:p>
+            <a:pPr>
+              <a:defRPr/>
+            </a:pPr>
+            <a:r>
+              <a:rPr lang="en-US"/>
               <a:t>Advanced Look</a:t>
             </a:r>
-            <a:endParaRPr lang="en-CA" dirty="0"/>
+            <a:endParaRPr lang="en-CA"/>
           </a:p>
         </p:txBody>
       </p:sp>
     </p:spTree>
-    <p:extLst>
-      <p:ext uri="{BB962C8B-B14F-4D97-AF65-F5344CB8AC3E}">
-        <p14:creationId xmlns:p14="http://schemas.microsoft.com/office/powerpoint/2010/main" val="3575502308"/>
-      </p:ext>
-    </p:extLst>
   </p:cSld>
   <p:clrMapOvr>
     <a:masterClrMapping/>
   </p:clrMapOvr>
+  <mc:AlternateContent xmlns:mc="http://schemas.openxmlformats.org/markup-compatibility/2006">
+    <mc:Choice xmlns:p159="http://schemas.microsoft.com/office/powerpoint/2015/09/main" xmlns:p14="http://schemas.microsoft.com/office/powerpoint/2010/main" Requires="p159">
+      <p:transition p14:dur="2000" advClick="1"/>
+    </mc:Choice>
+    <mc:Fallback>
+      <p:transition advClick="1"/>
+    </mc:Fallback>
+  </mc:AlternateContent>
 </p:sld>
 </file>
 
 <file path=ppt/slides/slide10.xml><?xml version="1.0" encoding="utf-8"?>
-<p:sld xmlns:a="http://schemas.openxmlformats.org/drawingml/2006/main" xmlns:r="http://schemas.openxmlformats.org/officeDocument/2006/relationships" xmlns:p="http://schemas.openxmlformats.org/presentationml/2006/main">
-  <p:cSld>
+<p:sld xmlns:a="http://schemas.openxmlformats.org/drawingml/2006/main" xmlns:r="http://schemas.openxmlformats.org/officeDocument/2006/relationships" xmlns:p="http://schemas.openxmlformats.org/presentationml/2006/main" xmlns:m="http://schemas.openxmlformats.org/officeDocument/2006/math" xmlns:w="http://schemas.openxmlformats.org/wordprocessingml/2006/main" showMasterPhAnim="0" show="1">
+  <p:cSld name="">
     <p:spTree>
       <p:nvGrpSpPr>
         <p:cNvPr id="1" name=""/>
         <p:cNvGrpSpPr/>
         <p:nvPr/>
       </p:nvGrpSpPr>
-      <p:grpSpPr>
+      <p:grpSpPr bwMode="auto">
         <a:xfrm>
           <a:off x="0" y="0"/>
           <a:ext cx="0" cy="0"/>
@@ -3660,16 +5480,19 @@
             <p:ph type="title"/>
           </p:nvPr>
         </p:nvSpPr>
-        <p:spPr/>
-        <p:txBody>
-          <a:bodyPr/>
-          <a:lstStyle/>
-          <a:p>
-            <a:r>
-              <a:rPr lang="en-US" dirty="0"/>
+        <p:spPr bwMode="auto"/>
+        <p:txBody>
+          <a:bodyPr/>
+          <a:lstStyle/>
+          <a:p>
+            <a:pPr>
+              <a:defRPr/>
+            </a:pPr>
+            <a:r>
+              <a:rPr lang="en-US"/>
               <a:t>Multiple Inheritance</a:t>
             </a:r>
-            <a:endParaRPr lang="en-CA" dirty="0"/>
+            <a:endParaRPr lang="en-CA"/>
           </a:p>
         </p:txBody>
       </p:sp>
@@ -3683,68 +5506,90 @@
             <p:ph idx="1"/>
           </p:nvPr>
         </p:nvSpPr>
-        <p:spPr/>
+        <p:spPr bwMode="auto"/>
         <p:txBody>
           <a:bodyPr>
             <a:normAutofit fontScale="85000" lnSpcReduction="10000"/>
           </a:bodyPr>
           <a:lstStyle/>
           <a:p>
-            <a:r>
-              <a:rPr lang="en-US" dirty="0"/>
+            <a:pPr>
+              <a:defRPr/>
+            </a:pPr>
+            <a:r>
+              <a:rPr lang="en-US"/>
               <a:t>Inner classes allow you to indirectly inherit from more than one concrete or abstract class (thus inner class(es) can inherit from a different class than the outer class)</a:t>
             </a:r>
-          </a:p>
-          <a:p>
-            <a:r>
-              <a:rPr lang="en-US" dirty="0"/>
+            <a:endParaRPr/>
+          </a:p>
+          <a:p>
+            <a:pPr>
+              <a:defRPr/>
+            </a:pPr>
+            <a:r>
+              <a:rPr lang="en-US"/>
               <a:t>Inner classes allow you to effectively produce near multiple inheritance</a:t>
             </a:r>
-          </a:p>
-          <a:p>
-            <a:r>
-              <a:rPr lang="en-US" dirty="0"/>
+            <a:endParaRPr/>
+          </a:p>
+          <a:p>
+            <a:pPr>
+              <a:defRPr/>
+            </a:pPr>
+            <a:r>
+              <a:rPr lang="en-US"/>
               <a:t>That is you can inherit from more than one non-interface</a:t>
             </a:r>
-          </a:p>
-          <a:p>
-            <a:r>
-              <a:rPr lang="en-US" dirty="0"/>
+            <a:endParaRPr/>
+          </a:p>
+          <a:p>
+            <a:pPr>
+              <a:defRPr/>
+            </a:pPr>
+            <a:r>
+              <a:rPr lang="en-US"/>
               <a:t>Examine MultiImplementation.java</a:t>
             </a:r>
-          </a:p>
-          <a:p>
-            <a:r>
-              <a:rPr lang="en-US" dirty="0"/>
+            <a:endParaRPr/>
+          </a:p>
+          <a:p>
+            <a:pPr>
+              <a:defRPr/>
+            </a:pPr>
+            <a:r>
+              <a:rPr lang="en-US"/>
               <a:t>Although class Z “is-a” D it can produce an E object to reference and as an inner class it has full access to the outer class as well</a:t>
             </a:r>
-            <a:endParaRPr lang="en-CA" dirty="0"/>
+            <a:endParaRPr lang="en-CA"/>
           </a:p>
         </p:txBody>
       </p:sp>
     </p:spTree>
-    <p:extLst>
-      <p:ext uri="{BB962C8B-B14F-4D97-AF65-F5344CB8AC3E}">
-        <p14:creationId xmlns:p14="http://schemas.microsoft.com/office/powerpoint/2010/main" val="767247462"/>
-      </p:ext>
-    </p:extLst>
   </p:cSld>
   <p:clrMapOvr>
     <a:masterClrMapping/>
   </p:clrMapOvr>
+  <mc:AlternateContent xmlns:mc="http://schemas.openxmlformats.org/markup-compatibility/2006">
+    <mc:Choice xmlns:p159="http://schemas.microsoft.com/office/powerpoint/2015/09/main" xmlns:p14="http://schemas.microsoft.com/office/powerpoint/2010/main" Requires="p159">
+      <p:transition p14:dur="2000" advClick="1"/>
+    </mc:Choice>
+    <mc:Fallback>
+      <p:transition advClick="1"/>
+    </mc:Fallback>
+  </mc:AlternateContent>
 </p:sld>
 </file>
 
 <file path=ppt/slides/slide11.xml><?xml version="1.0" encoding="utf-8"?>
-<p:sld xmlns:a="http://schemas.openxmlformats.org/drawingml/2006/main" xmlns:r="http://schemas.openxmlformats.org/officeDocument/2006/relationships" xmlns:p="http://schemas.openxmlformats.org/presentationml/2006/main">
-  <p:cSld>
+<p:sld xmlns:a="http://schemas.openxmlformats.org/drawingml/2006/main" xmlns:r="http://schemas.openxmlformats.org/officeDocument/2006/relationships" xmlns:p="http://schemas.openxmlformats.org/presentationml/2006/main" xmlns:m="http://schemas.openxmlformats.org/officeDocument/2006/math" xmlns:w="http://schemas.openxmlformats.org/wordprocessingml/2006/main" showMasterPhAnim="0" show="1">
+  <p:cSld name="">
     <p:spTree>
       <p:nvGrpSpPr>
         <p:cNvPr id="1" name=""/>
         <p:cNvGrpSpPr/>
         <p:nvPr/>
       </p:nvGrpSpPr>
-      <p:grpSpPr>
+      <p:grpSpPr bwMode="auto">
         <a:xfrm>
           <a:off x="0" y="0"/>
           <a:ext cx="0" cy="0"/>
@@ -3762,20 +5607,23 @@
             <p:ph type="title"/>
           </p:nvPr>
         </p:nvSpPr>
-        <p:spPr/>
-        <p:txBody>
-          <a:bodyPr/>
-          <a:lstStyle/>
-          <a:p>
-            <a:r>
-              <a:rPr lang="en-CA" dirty="0"/>
+        <p:spPr bwMode="auto"/>
+        <p:txBody>
+          <a:bodyPr/>
+          <a:lstStyle/>
+          <a:p>
+            <a:pPr>
+              <a:defRPr/>
+            </a:pPr>
+            <a:r>
+              <a:rPr lang="en-CA"/>
               <a:t>Closures &amp; </a:t>
             </a:r>
             <a:r>
-              <a:rPr lang="en-CA" dirty="0" err="1"/>
+              <a:rPr lang="en-CA"/>
               <a:t>callbacks</a:t>
             </a:r>
-            <a:endParaRPr lang="en-CA" dirty="0"/>
+            <a:endParaRPr lang="en-CA"/>
           </a:p>
         </p:txBody>
       </p:sp>
@@ -3789,55 +5637,70 @@
             <p:ph idx="1"/>
           </p:nvPr>
         </p:nvSpPr>
-        <p:spPr/>
+        <p:spPr bwMode="auto"/>
         <p:txBody>
           <a:bodyPr>
             <a:normAutofit fontScale="92500" lnSpcReduction="10000"/>
           </a:bodyPr>
           <a:lstStyle/>
           <a:p>
-            <a:r>
-              <a:rPr lang="en-CA" dirty="0"/>
+            <a:pPr>
+              <a:defRPr/>
+            </a:pPr>
+            <a:r>
+              <a:rPr lang="en-CA"/>
               <a:t>A closure is a callable object that retains information from the scope in which it was created. An inner class object is a closure as it holds a reference back to all members of the outer object</a:t>
             </a:r>
-          </a:p>
-          <a:p>
-            <a:r>
-              <a:rPr lang="en-CA" dirty="0"/>
+            <a:endParaRPr/>
+          </a:p>
+          <a:p>
+            <a:pPr>
+              <a:defRPr/>
+            </a:pPr>
+            <a:r>
+              <a:rPr lang="en-CA"/>
               <a:t>A callback is when another object is given a piece of information that allows it to call back into the originating object at some later point</a:t>
             </a:r>
-          </a:p>
-          <a:p>
-            <a:r>
-              <a:rPr lang="en-CA" dirty="0"/>
+            <a:endParaRPr/>
+          </a:p>
+          <a:p>
+            <a:pPr>
+              <a:defRPr/>
+            </a:pPr>
+            <a:r>
+              <a:rPr lang="en-CA"/>
               <a:t>Pointers (e.g. C) allow this but require the programmer “behaves”</a:t>
             </a:r>
+            <a:endParaRPr/>
           </a:p>
         </p:txBody>
       </p:sp>
     </p:spTree>
-    <p:extLst>
-      <p:ext uri="{BB962C8B-B14F-4D97-AF65-F5344CB8AC3E}">
-        <p14:creationId xmlns:p14="http://schemas.microsoft.com/office/powerpoint/2010/main" val="1882979336"/>
-      </p:ext>
-    </p:extLst>
   </p:cSld>
   <p:clrMapOvr>
     <a:masterClrMapping/>
   </p:clrMapOvr>
+  <mc:AlternateContent xmlns:mc="http://schemas.openxmlformats.org/markup-compatibility/2006">
+    <mc:Choice xmlns:p159="http://schemas.microsoft.com/office/powerpoint/2015/09/main" xmlns:p14="http://schemas.microsoft.com/office/powerpoint/2010/main" Requires="p159">
+      <p:transition p14:dur="2000" advClick="1"/>
+    </mc:Choice>
+    <mc:Fallback>
+      <p:transition advClick="1"/>
+    </mc:Fallback>
+  </mc:AlternateContent>
 </p:sld>
 </file>
 
 <file path=ppt/slides/slide12.xml><?xml version="1.0" encoding="utf-8"?>
-<p:sld xmlns:a="http://schemas.openxmlformats.org/drawingml/2006/main" xmlns:r="http://schemas.openxmlformats.org/officeDocument/2006/relationships" xmlns:p="http://schemas.openxmlformats.org/presentationml/2006/main">
-  <p:cSld>
+<p:sld xmlns:a="http://schemas.openxmlformats.org/drawingml/2006/main" xmlns:r="http://schemas.openxmlformats.org/officeDocument/2006/relationships" xmlns:p="http://schemas.openxmlformats.org/presentationml/2006/main" xmlns:m="http://schemas.openxmlformats.org/officeDocument/2006/math" xmlns:w="http://schemas.openxmlformats.org/wordprocessingml/2006/main" showMasterPhAnim="0" show="1">
+  <p:cSld name="">
     <p:spTree>
       <p:nvGrpSpPr>
         <p:cNvPr id="1" name=""/>
         <p:cNvGrpSpPr/>
         <p:nvPr/>
       </p:nvGrpSpPr>
-      <p:grpSpPr>
+      <p:grpSpPr bwMode="auto">
         <a:xfrm>
           <a:off x="0" y="0"/>
           <a:ext cx="0" cy="0"/>
@@ -3855,20 +5718,23 @@
             <p:ph type="title"/>
           </p:nvPr>
         </p:nvSpPr>
-        <p:spPr/>
-        <p:txBody>
-          <a:bodyPr/>
-          <a:lstStyle/>
-          <a:p>
-            <a:r>
-              <a:rPr lang="en-CA" dirty="0"/>
+        <p:spPr bwMode="auto"/>
+        <p:txBody>
+          <a:bodyPr/>
+          <a:lstStyle/>
+          <a:p>
+            <a:pPr>
+              <a:defRPr/>
+            </a:pPr>
+            <a:r>
+              <a:rPr lang="en-CA"/>
               <a:t>Using </a:t>
             </a:r>
             <a:r>
-              <a:rPr lang="en-CA" dirty="0" err="1"/>
+              <a:rPr lang="en-CA"/>
               <a:t>callbacks</a:t>
             </a:r>
-            <a:endParaRPr lang="en-CA" dirty="0"/>
+            <a:endParaRPr lang="en-CA"/>
           </a:p>
         </p:txBody>
       </p:sp>
@@ -3882,63 +5748,78 @@
             <p:ph idx="1"/>
           </p:nvPr>
         </p:nvSpPr>
-        <p:spPr/>
+        <p:spPr bwMode="auto"/>
         <p:txBody>
           <a:bodyPr>
             <a:normAutofit fontScale="92500" lnSpcReduction="10000"/>
           </a:bodyPr>
           <a:lstStyle/>
           <a:p>
-            <a:r>
-              <a:rPr lang="en-CA" dirty="0"/>
+            <a:pPr>
+              <a:defRPr/>
+            </a:pPr>
+            <a:r>
+              <a:rPr lang="en-CA"/>
               <a:t>One example of a callback being used is found in the Collection class List that provides anyone needing it an Iterator (or a </a:t>
             </a:r>
             <a:r>
-              <a:rPr lang="en-CA" dirty="0" err="1"/>
+              <a:rPr lang="en-CA"/>
               <a:t>ListIterator</a:t>
             </a:r>
             <a:r>
-              <a:rPr lang="en-CA" dirty="0"/>
+              <a:rPr lang="en-CA"/>
               <a:t> which is-a Iterator plus)</a:t>
             </a:r>
-          </a:p>
-          <a:p>
-            <a:r>
-              <a:rPr lang="en-CA" dirty="0"/>
+            <a:endParaRPr/>
+          </a:p>
+          <a:p>
+            <a:pPr>
+              <a:defRPr/>
+            </a:pPr>
+            <a:r>
+              <a:rPr lang="en-CA"/>
               <a:t>As another example see Callbacks.java</a:t>
             </a:r>
-          </a:p>
-          <a:p>
-            <a:r>
-              <a:rPr lang="en-CA" dirty="0"/>
+            <a:endParaRPr/>
+          </a:p>
+          <a:p>
+            <a:pPr>
+              <a:defRPr/>
+            </a:pPr>
+            <a:r>
+              <a:rPr lang="en-CA"/>
               <a:t>Note that two things are shown in this example: use of a callback and how to program around an existing method with a different definition. If a pointer was provided instead you must trust that the programmer accesses only what they should</a:t>
             </a:r>
+            <a:endParaRPr/>
           </a:p>
         </p:txBody>
       </p:sp>
     </p:spTree>
-    <p:extLst>
-      <p:ext uri="{BB962C8B-B14F-4D97-AF65-F5344CB8AC3E}">
-        <p14:creationId xmlns:p14="http://schemas.microsoft.com/office/powerpoint/2010/main" val="850109121"/>
-      </p:ext>
-    </p:extLst>
   </p:cSld>
   <p:clrMapOvr>
     <a:masterClrMapping/>
   </p:clrMapOvr>
+  <mc:AlternateContent xmlns:mc="http://schemas.openxmlformats.org/markup-compatibility/2006">
+    <mc:Choice xmlns:p159="http://schemas.microsoft.com/office/powerpoint/2015/09/main" xmlns:p14="http://schemas.microsoft.com/office/powerpoint/2010/main" Requires="p159">
+      <p:transition p14:dur="2000" advClick="1"/>
+    </mc:Choice>
+    <mc:Fallback>
+      <p:transition advClick="1"/>
+    </mc:Fallback>
+  </mc:AlternateContent>
 </p:sld>
 </file>
 
 <file path=ppt/slides/slide13.xml><?xml version="1.0" encoding="utf-8"?>
-<p:sld xmlns:a="http://schemas.openxmlformats.org/drawingml/2006/main" xmlns:r="http://schemas.openxmlformats.org/officeDocument/2006/relationships" xmlns:p="http://schemas.openxmlformats.org/presentationml/2006/main">
-  <p:cSld>
+<p:sld xmlns:a="http://schemas.openxmlformats.org/drawingml/2006/main" xmlns:r="http://schemas.openxmlformats.org/officeDocument/2006/relationships" xmlns:p="http://schemas.openxmlformats.org/presentationml/2006/main" xmlns:m="http://schemas.openxmlformats.org/officeDocument/2006/math" xmlns:w="http://schemas.openxmlformats.org/wordprocessingml/2006/main" showMasterPhAnim="0" show="1">
+  <p:cSld name="">
     <p:spTree>
       <p:nvGrpSpPr>
         <p:cNvPr id="1" name=""/>
         <p:cNvGrpSpPr/>
         <p:nvPr/>
       </p:nvGrpSpPr>
-      <p:grpSpPr>
+      <p:grpSpPr bwMode="auto">
         <a:xfrm>
           <a:off x="0" y="0"/>
           <a:ext cx="0" cy="0"/>
@@ -3956,15 +5837,19 @@
             <p:ph type="title"/>
           </p:nvPr>
         </p:nvSpPr>
-        <p:spPr/>
-        <p:txBody>
-          <a:bodyPr/>
-          <a:lstStyle/>
-          <a:p>
-            <a:r>
-              <a:rPr lang="en-CA" dirty="0"/>
+        <p:spPr bwMode="auto"/>
+        <p:txBody>
+          <a:bodyPr/>
+          <a:lstStyle/>
+          <a:p>
+            <a:pPr>
+              <a:defRPr/>
+            </a:pPr>
+            <a:r>
+              <a:rPr lang="en-CA"/>
               <a:t>Inner classes and Frameworks</a:t>
             </a:r>
+            <a:endParaRPr/>
           </a:p>
         </p:txBody>
       </p:sp>
@@ -3978,58 +5863,72 @@
             <p:ph idx="1"/>
           </p:nvPr>
         </p:nvSpPr>
-        <p:spPr/>
-        <p:txBody>
-          <a:bodyPr/>
-          <a:lstStyle/>
-          <a:p>
-            <a:r>
-              <a:rPr lang="en-CA" dirty="0"/>
+        <p:spPr bwMode="auto"/>
+        <p:txBody>
+          <a:bodyPr/>
+          <a:lstStyle/>
+          <a:p>
+            <a:pPr>
+              <a:defRPr/>
+            </a:pPr>
+            <a:r>
+              <a:rPr lang="en-CA"/>
               <a:t>The use of a framework comes from Design Patterns – the idea being many problems have a basic framework with specialities. An example of one such framework is Java’s GUI</a:t>
             </a:r>
-          </a:p>
-          <a:p>
-            <a:r>
-              <a:rPr lang="en-CA" dirty="0"/>
+            <a:endParaRPr/>
+          </a:p>
+          <a:p>
+            <a:pPr>
+              <a:defRPr/>
+            </a:pPr>
+            <a:r>
+              <a:rPr lang="en-CA"/>
               <a:t>Frameworks separate the things that change from the things that stay the same</a:t>
             </a:r>
-          </a:p>
-          <a:p>
-            <a:r>
-              <a:rPr lang="en-CA" dirty="0"/>
+            <a:endParaRPr/>
+          </a:p>
+          <a:p>
+            <a:pPr>
+              <a:defRPr/>
+            </a:pPr>
+            <a:r>
+              <a:rPr lang="en-CA"/>
               <a:t>A control framework is another example – see the file/package </a:t>
             </a:r>
             <a:r>
-              <a:rPr lang="en-CA" dirty="0" err="1"/>
+              <a:rPr lang="en-CA"/>
               <a:t>innerclasses.controller</a:t>
             </a:r>
-            <a:endParaRPr lang="en-CA" dirty="0"/>
+            <a:endParaRPr lang="en-CA"/>
           </a:p>
         </p:txBody>
       </p:sp>
     </p:spTree>
-    <p:extLst>
-      <p:ext uri="{BB962C8B-B14F-4D97-AF65-F5344CB8AC3E}">
-        <p14:creationId xmlns:p14="http://schemas.microsoft.com/office/powerpoint/2010/main" val="2344286687"/>
-      </p:ext>
-    </p:extLst>
   </p:cSld>
   <p:clrMapOvr>
     <a:masterClrMapping/>
   </p:clrMapOvr>
+  <mc:AlternateContent xmlns:mc="http://schemas.openxmlformats.org/markup-compatibility/2006">
+    <mc:Choice xmlns:p159="http://schemas.microsoft.com/office/powerpoint/2015/09/main" xmlns:p14="http://schemas.microsoft.com/office/powerpoint/2010/main" Requires="p159">
+      <p:transition p14:dur="2000" advClick="1"/>
+    </mc:Choice>
+    <mc:Fallback>
+      <p:transition advClick="1"/>
+    </mc:Fallback>
+  </mc:AlternateContent>
 </p:sld>
 </file>
 
 <file path=ppt/slides/slide14.xml><?xml version="1.0" encoding="utf-8"?>
-<p:sld xmlns:a="http://schemas.openxmlformats.org/drawingml/2006/main" xmlns:r="http://schemas.openxmlformats.org/officeDocument/2006/relationships" xmlns:p="http://schemas.openxmlformats.org/presentationml/2006/main">
-  <p:cSld>
+<p:sld xmlns:a="http://schemas.openxmlformats.org/drawingml/2006/main" xmlns:r="http://schemas.openxmlformats.org/officeDocument/2006/relationships" xmlns:p="http://schemas.openxmlformats.org/presentationml/2006/main" xmlns:m="http://schemas.openxmlformats.org/officeDocument/2006/math" xmlns:w="http://schemas.openxmlformats.org/wordprocessingml/2006/main" showMasterPhAnim="0" show="1">
+  <p:cSld name="">
     <p:spTree>
       <p:nvGrpSpPr>
         <p:cNvPr id="1" name=""/>
         <p:cNvGrpSpPr/>
         <p:nvPr/>
       </p:nvGrpSpPr>
-      <p:grpSpPr>
+      <p:grpSpPr bwMode="auto">
         <a:xfrm>
           <a:off x="0" y="0"/>
           <a:ext cx="0" cy="0"/>
@@ -4047,16 +5946,19 @@
             <p:ph type="title"/>
           </p:nvPr>
         </p:nvSpPr>
-        <p:spPr/>
-        <p:txBody>
-          <a:bodyPr/>
-          <a:lstStyle/>
-          <a:p>
-            <a:r>
-              <a:rPr lang="en-CA" dirty="0" err="1"/>
+        <p:spPr bwMode="auto"/>
+        <p:txBody>
+          <a:bodyPr/>
+          <a:lstStyle/>
+          <a:p>
+            <a:pPr>
+              <a:defRPr/>
+            </a:pPr>
+            <a:r>
+              <a:rPr lang="en-CA"/>
               <a:t>Innerclasses.controller</a:t>
             </a:r>
-            <a:endParaRPr lang="en-CA" dirty="0"/>
+            <a:endParaRPr lang="en-CA"/>
           </a:p>
         </p:txBody>
       </p:sp>
@@ -4070,7 +5972,7 @@
             <p:ph idx="1"/>
           </p:nvPr>
         </p:nvSpPr>
-        <p:spPr/>
+        <p:spPr bwMode="auto"/>
         <p:txBody>
           <a:bodyPr>
             <a:normAutofit fontScale="55000" lnSpcReduction="20000"/>
@@ -4079,243 +5981,276 @@
           <a:p>
             <a:pPr marL="0" indent="0">
               <a:buNone/>
-            </a:pPr>
-            <a:r>
-              <a:rPr lang="en-CA" dirty="0"/>
+              <a:defRPr/>
+            </a:pPr>
+            <a:r>
+              <a:rPr lang="en-CA"/>
               <a:t>public abstract class Event { </a:t>
             </a:r>
+            <a:endParaRPr/>
           </a:p>
           <a:p>
             <a:pPr marL="0" indent="0">
               <a:buNone/>
-            </a:pPr>
-            <a:r>
-              <a:rPr lang="en-CA" dirty="0"/>
+              <a:defRPr/>
+            </a:pPr>
+            <a:r>
+              <a:rPr lang="en-CA"/>
               <a:t>private long </a:t>
             </a:r>
             <a:r>
-              <a:rPr lang="en-CA" dirty="0" err="1"/>
+              <a:rPr lang="en-CA"/>
               <a:t>eventTime</a:t>
             </a:r>
             <a:r>
-              <a:rPr lang="en-CA" dirty="0"/>
+              <a:rPr lang="en-CA"/>
               <a:t>; </a:t>
             </a:r>
+            <a:endParaRPr/>
           </a:p>
           <a:p>
             <a:pPr marL="0" indent="0">
               <a:buNone/>
-            </a:pPr>
-            <a:r>
-              <a:rPr lang="en-CA" dirty="0"/>
+              <a:defRPr/>
+            </a:pPr>
+            <a:r>
+              <a:rPr lang="en-CA"/>
               <a:t>protected final long </a:t>
             </a:r>
             <a:r>
-              <a:rPr lang="en-CA" dirty="0" err="1"/>
+              <a:rPr lang="en-CA"/>
               <a:t>delayTime</a:t>
             </a:r>
             <a:r>
-              <a:rPr lang="en-CA" dirty="0"/>
+              <a:rPr lang="en-CA"/>
               <a:t>; </a:t>
             </a:r>
+            <a:endParaRPr/>
           </a:p>
           <a:p>
             <a:pPr marL="0" indent="0">
               <a:buNone/>
-            </a:pPr>
-            <a:r>
-              <a:rPr lang="en-CA" dirty="0"/>
+              <a:defRPr/>
+            </a:pPr>
+            <a:r>
+              <a:rPr lang="en-CA"/>
               <a:t>public Event(long </a:t>
             </a:r>
             <a:r>
-              <a:rPr lang="en-CA" dirty="0" err="1"/>
+              <a:rPr lang="en-CA"/>
               <a:t>delayTime</a:t>
             </a:r>
             <a:r>
-              <a:rPr lang="en-CA" dirty="0"/>
+              <a:rPr lang="en-CA"/>
               <a:t>) { </a:t>
             </a:r>
+            <a:endParaRPr/>
           </a:p>
           <a:p>
             <a:pPr marL="0" indent="0">
               <a:buNone/>
-            </a:pPr>
-            <a:r>
-              <a:rPr lang="en-CA" dirty="0" err="1"/>
+              <a:defRPr/>
+            </a:pPr>
+            <a:r>
+              <a:rPr lang="en-CA"/>
               <a:t>this.delayTime</a:t>
             </a:r>
             <a:r>
-              <a:rPr lang="en-CA" dirty="0"/>
+              <a:rPr lang="en-CA"/>
               <a:t> = </a:t>
             </a:r>
             <a:r>
-              <a:rPr lang="en-CA" dirty="0" err="1"/>
+              <a:rPr lang="en-CA"/>
               <a:t>delayTime</a:t>
             </a:r>
             <a:r>
-              <a:rPr lang="en-CA" dirty="0"/>
+              <a:rPr lang="en-CA"/>
               <a:t>; </a:t>
             </a:r>
+            <a:endParaRPr/>
           </a:p>
           <a:p>
             <a:pPr marL="0" indent="0">
               <a:buNone/>
-            </a:pPr>
-            <a:r>
-              <a:rPr lang="en-CA" dirty="0"/>
+              <a:defRPr/>
+            </a:pPr>
+            <a:r>
+              <a:rPr lang="en-CA"/>
               <a:t>start(); </a:t>
             </a:r>
+            <a:endParaRPr/>
           </a:p>
           <a:p>
             <a:pPr marL="0" indent="0">
               <a:buNone/>
-            </a:pPr>
-            <a:r>
-              <a:rPr lang="en-CA" dirty="0"/>
+              <a:defRPr/>
+            </a:pPr>
+            <a:r>
+              <a:rPr lang="en-CA"/>
               <a:t>} </a:t>
             </a:r>
+            <a:endParaRPr/>
           </a:p>
           <a:p>
             <a:pPr marL="0" indent="0">
               <a:buNone/>
-            </a:pPr>
-            <a:r>
-              <a:rPr lang="en-CA" dirty="0"/>
+              <a:defRPr/>
+            </a:pPr>
+            <a:r>
+              <a:rPr lang="en-CA"/>
               <a:t>public void start() { // Allows restarting </a:t>
             </a:r>
+            <a:endParaRPr/>
           </a:p>
           <a:p>
             <a:pPr marL="0" indent="0">
               <a:buNone/>
-            </a:pPr>
-            <a:r>
-              <a:rPr lang="en-CA" dirty="0" err="1"/>
+              <a:defRPr/>
+            </a:pPr>
+            <a:r>
+              <a:rPr lang="en-CA"/>
               <a:t>eventTime</a:t>
             </a:r>
             <a:r>
-              <a:rPr lang="en-CA" dirty="0"/>
+              <a:rPr lang="en-CA"/>
               <a:t> = </a:t>
             </a:r>
             <a:r>
-              <a:rPr lang="en-CA" dirty="0" err="1"/>
+              <a:rPr lang="en-CA"/>
               <a:t>System.nanoTime</a:t>
             </a:r>
             <a:r>
-              <a:rPr lang="en-CA" dirty="0"/>
+              <a:rPr lang="en-CA"/>
               <a:t>() + </a:t>
             </a:r>
             <a:r>
-              <a:rPr lang="en-CA" dirty="0" err="1"/>
+              <a:rPr lang="en-CA"/>
               <a:t>delayTime</a:t>
             </a:r>
             <a:r>
-              <a:rPr lang="en-CA" dirty="0"/>
+              <a:rPr lang="en-CA"/>
               <a:t>; </a:t>
             </a:r>
+            <a:endParaRPr/>
           </a:p>
           <a:p>
             <a:pPr marL="0" indent="0">
               <a:buNone/>
-            </a:pPr>
-            <a:r>
-              <a:rPr lang="en-CA" dirty="0"/>
+              <a:defRPr/>
+            </a:pPr>
+            <a:r>
+              <a:rPr lang="en-CA"/>
               <a:t>} </a:t>
             </a:r>
+            <a:endParaRPr/>
           </a:p>
           <a:p>
             <a:pPr marL="0" indent="0">
               <a:buNone/>
-            </a:pPr>
-            <a:r>
-              <a:rPr lang="en-CA" dirty="0"/>
+              <a:defRPr/>
+            </a:pPr>
+            <a:r>
+              <a:rPr lang="en-CA"/>
               <a:t>public </a:t>
             </a:r>
             <a:r>
-              <a:rPr lang="en-CA" dirty="0" err="1"/>
+              <a:rPr lang="en-CA"/>
               <a:t>boolean</a:t>
             </a:r>
             <a:r>
-              <a:rPr lang="en-CA" dirty="0"/>
+              <a:rPr lang="en-CA"/>
               <a:t> ready() { </a:t>
             </a:r>
+            <a:endParaRPr/>
           </a:p>
           <a:p>
             <a:pPr marL="0" indent="0">
               <a:buNone/>
-            </a:pPr>
-            <a:r>
-              <a:rPr lang="en-CA" dirty="0"/>
+              <a:defRPr/>
+            </a:pPr>
+            <a:r>
+              <a:rPr lang="en-CA"/>
               <a:t>return </a:t>
             </a:r>
             <a:r>
-              <a:rPr lang="en-CA" dirty="0" err="1"/>
+              <a:rPr lang="en-CA"/>
               <a:t>System.nanoTime</a:t>
             </a:r>
             <a:r>
-              <a:rPr lang="en-CA" dirty="0"/>
+              <a:rPr lang="en-CA"/>
               <a:t>() &gt;= </a:t>
             </a:r>
             <a:r>
-              <a:rPr lang="en-CA" dirty="0" err="1"/>
+              <a:rPr lang="en-CA"/>
               <a:t>eventTime</a:t>
             </a:r>
             <a:r>
-              <a:rPr lang="en-CA" dirty="0"/>
+              <a:rPr lang="en-CA"/>
               <a:t>; </a:t>
             </a:r>
+            <a:endParaRPr/>
           </a:p>
           <a:p>
             <a:pPr marL="0" indent="0">
               <a:buNone/>
-            </a:pPr>
-            <a:r>
-              <a:rPr lang="en-CA" dirty="0"/>
+              <a:defRPr/>
+            </a:pPr>
+            <a:r>
+              <a:rPr lang="en-CA"/>
               <a:t>} </a:t>
             </a:r>
+            <a:endParaRPr/>
           </a:p>
           <a:p>
             <a:pPr marL="0" indent="0">
               <a:buNone/>
-            </a:pPr>
-            <a:r>
-              <a:rPr lang="en-CA" dirty="0"/>
+              <a:defRPr/>
+            </a:pPr>
+            <a:r>
+              <a:rPr lang="en-CA"/>
               <a:t>public abstract void action(); </a:t>
             </a:r>
+            <a:endParaRPr/>
           </a:p>
           <a:p>
             <a:pPr marL="0" indent="0">
               <a:buNone/>
-            </a:pPr>
-            <a:r>
-              <a:rPr lang="en-CA" dirty="0"/>
+              <a:defRPr/>
+            </a:pPr>
+            <a:r>
+              <a:rPr lang="en-CA"/>
               <a:t>} </a:t>
             </a:r>
+            <a:endParaRPr/>
           </a:p>
         </p:txBody>
       </p:sp>
     </p:spTree>
-    <p:extLst>
-      <p:ext uri="{BB962C8B-B14F-4D97-AF65-F5344CB8AC3E}">
-        <p14:creationId xmlns:p14="http://schemas.microsoft.com/office/powerpoint/2010/main" val="3383595890"/>
-      </p:ext>
-    </p:extLst>
   </p:cSld>
   <p:clrMapOvr>
     <a:masterClrMapping/>
   </p:clrMapOvr>
+  <mc:AlternateContent xmlns:mc="http://schemas.openxmlformats.org/markup-compatibility/2006">
+    <mc:Choice xmlns:p159="http://schemas.microsoft.com/office/powerpoint/2015/09/main" xmlns:p14="http://schemas.microsoft.com/office/powerpoint/2010/main" Requires="p159">
+      <p:transition p14:dur="2000" advClick="1"/>
+    </mc:Choice>
+    <mc:Fallback>
+      <p:transition advClick="1"/>
+    </mc:Fallback>
+  </mc:AlternateContent>
 </p:sld>
 </file>
 
 <file path=ppt/slides/slide15.xml><?xml version="1.0" encoding="utf-8"?>
-<p:sld xmlns:a="http://schemas.openxmlformats.org/drawingml/2006/main" xmlns:r="http://schemas.openxmlformats.org/officeDocument/2006/relationships" xmlns:p="http://schemas.openxmlformats.org/presentationml/2006/main">
-  <p:cSld>
+<p:sld xmlns:a="http://schemas.openxmlformats.org/drawingml/2006/main" xmlns:r="http://schemas.openxmlformats.org/officeDocument/2006/relationships" xmlns:p="http://schemas.openxmlformats.org/presentationml/2006/main" xmlns:m="http://schemas.openxmlformats.org/officeDocument/2006/math" xmlns:w="http://schemas.openxmlformats.org/wordprocessingml/2006/main" showMasterPhAnim="0" show="1">
+  <p:cSld name="">
     <p:spTree>
       <p:nvGrpSpPr>
         <p:cNvPr id="1" name=""/>
         <p:cNvGrpSpPr/>
         <p:nvPr/>
       </p:nvGrpSpPr>
-      <p:grpSpPr>
+      <p:grpSpPr bwMode="auto">
         <a:xfrm>
           <a:off x="0" y="0"/>
           <a:ext cx="0" cy="0"/>
@@ -4333,15 +6268,19 @@
             <p:ph type="title"/>
           </p:nvPr>
         </p:nvSpPr>
-        <p:spPr/>
-        <p:txBody>
-          <a:bodyPr/>
-          <a:lstStyle/>
-          <a:p>
-            <a:r>
-              <a:rPr lang="en-CA" dirty="0"/>
+        <p:spPr bwMode="auto"/>
+        <p:txBody>
+          <a:bodyPr/>
+          <a:lstStyle/>
+          <a:p>
+            <a:pPr>
+              <a:defRPr/>
+            </a:pPr>
+            <a:r>
+              <a:rPr lang="en-CA"/>
               <a:t>Controller class</a:t>
             </a:r>
+            <a:endParaRPr/>
           </a:p>
         </p:txBody>
       </p:sp>
@@ -4355,7 +6294,7 @@
             <p:ph idx="1"/>
           </p:nvPr>
         </p:nvSpPr>
-        <p:spPr/>
+        <p:spPr bwMode="auto"/>
         <p:txBody>
           <a:bodyPr>
             <a:normAutofit fontScale="55000" lnSpcReduction="20000"/>
@@ -4364,256 +6303,291 @@
           <a:p>
             <a:pPr marL="0" indent="0">
               <a:buNone/>
-            </a:pPr>
-            <a:r>
-              <a:rPr lang="en-CA" dirty="0"/>
+              <a:defRPr/>
+            </a:pPr>
+            <a:r>
+              <a:rPr lang="en-CA"/>
               <a:t>public class Controller { </a:t>
             </a:r>
+            <a:endParaRPr/>
           </a:p>
           <a:p>
             <a:pPr marL="0" indent="0">
               <a:buNone/>
-            </a:pPr>
-            <a:r>
-              <a:rPr lang="en-CA" dirty="0"/>
+              <a:defRPr/>
+            </a:pPr>
+            <a:r>
+              <a:rPr lang="en-CA"/>
               <a:t>// A class from </a:t>
             </a:r>
             <a:r>
-              <a:rPr lang="en-CA" dirty="0" err="1"/>
+              <a:rPr lang="en-CA"/>
               <a:t>java.util</a:t>
             </a:r>
             <a:r>
-              <a:rPr lang="en-CA" dirty="0"/>
+              <a:rPr lang="en-CA"/>
               <a:t> to hold Event objects: </a:t>
             </a:r>
+            <a:endParaRPr/>
           </a:p>
           <a:p>
             <a:pPr marL="0" indent="0">
               <a:buNone/>
-            </a:pPr>
-            <a:r>
-              <a:rPr lang="en-CA" dirty="0"/>
+              <a:defRPr/>
+            </a:pPr>
+            <a:r>
+              <a:rPr lang="en-CA"/>
               <a:t>private List&lt;Event&gt; </a:t>
             </a:r>
             <a:r>
-              <a:rPr lang="en-CA" dirty="0" err="1"/>
+              <a:rPr lang="en-CA"/>
               <a:t>eventList</a:t>
             </a:r>
             <a:r>
-              <a:rPr lang="en-CA" dirty="0"/>
+              <a:rPr lang="en-CA"/>
               <a:t> = new </a:t>
             </a:r>
             <a:r>
-              <a:rPr lang="en-CA" dirty="0" err="1"/>
+              <a:rPr lang="en-CA"/>
               <a:t>ArrayList</a:t>
             </a:r>
             <a:r>
-              <a:rPr lang="en-CA" dirty="0"/>
+              <a:rPr lang="en-CA"/>
               <a:t>&lt;Event&gt;(); </a:t>
             </a:r>
+            <a:endParaRPr/>
           </a:p>
           <a:p>
             <a:pPr marL="0" indent="0">
               <a:buNone/>
-            </a:pPr>
-            <a:r>
-              <a:rPr lang="en-CA" dirty="0"/>
+              <a:defRPr/>
+            </a:pPr>
+            <a:r>
+              <a:rPr lang="en-CA"/>
               <a:t>public void </a:t>
             </a:r>
             <a:r>
-              <a:rPr lang="en-CA" dirty="0" err="1"/>
+              <a:rPr lang="en-CA"/>
               <a:t>addEvent</a:t>
             </a:r>
             <a:r>
-              <a:rPr lang="en-CA" dirty="0"/>
+              <a:rPr lang="en-CA"/>
               <a:t>(Event c) { </a:t>
             </a:r>
             <a:r>
-              <a:rPr lang="en-CA" dirty="0" err="1"/>
+              <a:rPr lang="en-CA"/>
               <a:t>eventList.add</a:t>
             </a:r>
             <a:r>
-              <a:rPr lang="en-CA" dirty="0"/>
+              <a:rPr lang="en-CA"/>
               <a:t>(c); } </a:t>
             </a:r>
+            <a:endParaRPr/>
           </a:p>
           <a:p>
             <a:pPr marL="0" indent="0">
               <a:buNone/>
-            </a:pPr>
-            <a:r>
-              <a:rPr lang="en-CA" dirty="0"/>
+              <a:defRPr/>
+            </a:pPr>
+            <a:r>
+              <a:rPr lang="en-CA"/>
               <a:t>public void run() { </a:t>
             </a:r>
+            <a:endParaRPr/>
           </a:p>
           <a:p>
             <a:pPr marL="0" indent="0">
               <a:buNone/>
-            </a:pPr>
-            <a:r>
-              <a:rPr lang="en-CA" dirty="0"/>
+              <a:defRPr/>
+            </a:pPr>
+            <a:r>
+              <a:rPr lang="en-CA"/>
               <a:t>while(</a:t>
             </a:r>
             <a:r>
-              <a:rPr lang="en-CA" dirty="0" err="1"/>
+              <a:rPr lang="en-CA"/>
               <a:t>eventList.size</a:t>
             </a:r>
             <a:r>
-              <a:rPr lang="en-CA" dirty="0"/>
+              <a:rPr lang="en-CA"/>
               <a:t>() &gt; 0) </a:t>
             </a:r>
+            <a:endParaRPr/>
           </a:p>
           <a:p>
             <a:pPr marL="0" indent="0">
               <a:buNone/>
-            </a:pPr>
-            <a:r>
-              <a:rPr lang="en-CA" dirty="0"/>
+              <a:defRPr/>
+            </a:pPr>
+            <a:r>
+              <a:rPr lang="en-CA"/>
               <a:t>// Make a copy so you’re not modifying the list </a:t>
             </a:r>
+            <a:endParaRPr/>
           </a:p>
           <a:p>
             <a:pPr marL="0" indent="0">
               <a:buNone/>
-            </a:pPr>
-            <a:r>
-              <a:rPr lang="en-CA" dirty="0"/>
+              <a:defRPr/>
+            </a:pPr>
+            <a:r>
+              <a:rPr lang="en-CA"/>
               <a:t>// while you’re selecting the elements in it: </a:t>
             </a:r>
+            <a:endParaRPr/>
           </a:p>
           <a:p>
             <a:pPr marL="0" indent="0">
               <a:buNone/>
-            </a:pPr>
-            <a:r>
-              <a:rPr lang="en-CA" dirty="0"/>
+              <a:defRPr/>
+            </a:pPr>
+            <a:r>
+              <a:rPr lang="en-CA"/>
               <a:t>for(Event e : new </a:t>
             </a:r>
             <a:r>
-              <a:rPr lang="en-CA" dirty="0" err="1"/>
+              <a:rPr lang="en-CA"/>
               <a:t>ArrayList</a:t>
             </a:r>
             <a:r>
-              <a:rPr lang="en-CA" dirty="0"/>
+              <a:rPr lang="en-CA"/>
               <a:t>&lt;Event&gt;(</a:t>
             </a:r>
             <a:r>
-              <a:rPr lang="en-CA" dirty="0" err="1"/>
+              <a:rPr lang="en-CA"/>
               <a:t>eventList</a:t>
             </a:r>
             <a:r>
-              <a:rPr lang="en-CA" dirty="0"/>
+              <a:rPr lang="en-CA"/>
               <a:t>)) </a:t>
             </a:r>
+            <a:endParaRPr/>
           </a:p>
           <a:p>
             <a:pPr marL="0" indent="0">
               <a:buNone/>
-            </a:pPr>
-            <a:r>
-              <a:rPr lang="en-CA" dirty="0"/>
+              <a:defRPr/>
+            </a:pPr>
+            <a:r>
+              <a:rPr lang="en-CA"/>
               <a:t>if(</a:t>
             </a:r>
             <a:r>
-              <a:rPr lang="en-CA" dirty="0" err="1"/>
+              <a:rPr lang="en-CA"/>
               <a:t>e.ready</a:t>
             </a:r>
             <a:r>
-              <a:rPr lang="en-CA" dirty="0"/>
+              <a:rPr lang="en-CA"/>
               <a:t>()) { </a:t>
             </a:r>
+            <a:endParaRPr/>
           </a:p>
           <a:p>
             <a:pPr marL="0" indent="0">
               <a:buNone/>
-            </a:pPr>
-            <a:r>
-              <a:rPr lang="en-CA" dirty="0" err="1"/>
+              <a:defRPr/>
+            </a:pPr>
+            <a:r>
+              <a:rPr lang="en-CA"/>
               <a:t>System.out.println</a:t>
             </a:r>
             <a:r>
-              <a:rPr lang="en-CA" dirty="0"/>
+              <a:rPr lang="en-CA"/>
               <a:t>(e); </a:t>
             </a:r>
+            <a:endParaRPr/>
           </a:p>
           <a:p>
             <a:pPr marL="0" indent="0">
               <a:buNone/>
-            </a:pPr>
-            <a:r>
-              <a:rPr lang="en-CA" dirty="0" err="1"/>
+              <a:defRPr/>
+            </a:pPr>
+            <a:r>
+              <a:rPr lang="en-CA"/>
               <a:t>e.action</a:t>
             </a:r>
             <a:r>
-              <a:rPr lang="en-CA" dirty="0"/>
+              <a:rPr lang="en-CA"/>
               <a:t>(); //No idea what an event does – allowing for any behaviour </a:t>
             </a:r>
+            <a:endParaRPr/>
           </a:p>
           <a:p>
             <a:pPr marL="0" indent="0">
               <a:buNone/>
-            </a:pPr>
-            <a:r>
-              <a:rPr lang="en-CA" dirty="0" err="1"/>
+              <a:defRPr/>
+            </a:pPr>
+            <a:r>
+              <a:rPr lang="en-CA"/>
               <a:t>eventList.remove</a:t>
             </a:r>
             <a:r>
-              <a:rPr lang="en-CA" dirty="0"/>
+              <a:rPr lang="en-CA"/>
               <a:t>(e); </a:t>
             </a:r>
+            <a:endParaRPr/>
           </a:p>
           <a:p>
             <a:pPr marL="0" indent="0">
               <a:buNone/>
-            </a:pPr>
-            <a:r>
-              <a:rPr lang="en-CA" dirty="0"/>
+              <a:defRPr/>
+            </a:pPr>
+            <a:r>
+              <a:rPr lang="en-CA"/>
               <a:t>} </a:t>
             </a:r>
+            <a:endParaRPr/>
           </a:p>
           <a:p>
             <a:pPr marL="0" indent="0">
               <a:buNone/>
-            </a:pPr>
-            <a:r>
-              <a:rPr lang="en-CA" dirty="0"/>
+              <a:defRPr/>
+            </a:pPr>
+            <a:r>
+              <a:rPr lang="en-CA"/>
               <a:t>} </a:t>
             </a:r>
+            <a:endParaRPr/>
           </a:p>
           <a:p>
             <a:pPr marL="0" indent="0">
               <a:buNone/>
-            </a:pPr>
-            <a:r>
-              <a:rPr lang="en-CA" dirty="0"/>
+              <a:defRPr/>
+            </a:pPr>
+            <a:r>
+              <a:rPr lang="en-CA"/>
               <a:t>} </a:t>
             </a:r>
+            <a:endParaRPr/>
           </a:p>
         </p:txBody>
       </p:sp>
     </p:spTree>
-    <p:extLst>
-      <p:ext uri="{BB962C8B-B14F-4D97-AF65-F5344CB8AC3E}">
-        <p14:creationId xmlns:p14="http://schemas.microsoft.com/office/powerpoint/2010/main" val="837366672"/>
-      </p:ext>
-    </p:extLst>
   </p:cSld>
   <p:clrMapOvr>
     <a:masterClrMapping/>
   </p:clrMapOvr>
+  <mc:AlternateContent xmlns:mc="http://schemas.openxmlformats.org/markup-compatibility/2006">
+    <mc:Choice xmlns:p159="http://schemas.microsoft.com/office/powerpoint/2015/09/main" xmlns:p14="http://schemas.microsoft.com/office/powerpoint/2010/main" Requires="p159">
+      <p:transition p14:dur="2000" advClick="1"/>
+    </mc:Choice>
+    <mc:Fallback>
+      <p:transition advClick="1"/>
+    </mc:Fallback>
+  </mc:AlternateContent>
 </p:sld>
 </file>
 
 <file path=ppt/slides/slide16.xml><?xml version="1.0" encoding="utf-8"?>
-<p:sld xmlns:a="http://schemas.openxmlformats.org/drawingml/2006/main" xmlns:r="http://schemas.openxmlformats.org/officeDocument/2006/relationships" xmlns:p="http://schemas.openxmlformats.org/presentationml/2006/main">
-  <p:cSld>
+<p:sld xmlns:a="http://schemas.openxmlformats.org/drawingml/2006/main" xmlns:r="http://schemas.openxmlformats.org/officeDocument/2006/relationships" xmlns:p="http://schemas.openxmlformats.org/presentationml/2006/main" xmlns:m="http://schemas.openxmlformats.org/officeDocument/2006/math" xmlns:w="http://schemas.openxmlformats.org/wordprocessingml/2006/main" showMasterPhAnim="0" show="1">
+  <p:cSld name="">
     <p:spTree>
       <p:nvGrpSpPr>
         <p:cNvPr id="1" name=""/>
         <p:cNvGrpSpPr/>
         <p:nvPr/>
       </p:nvGrpSpPr>
-      <p:grpSpPr>
+      <p:grpSpPr bwMode="auto">
         <a:xfrm>
           <a:off x="0" y="0"/>
           <a:ext cx="0" cy="0"/>
@@ -4631,15 +6605,19 @@
             <p:ph type="title"/>
           </p:nvPr>
         </p:nvSpPr>
-        <p:spPr/>
-        <p:txBody>
-          <a:bodyPr/>
-          <a:lstStyle/>
-          <a:p>
-            <a:r>
-              <a:rPr lang="en-CA" dirty="0"/>
+        <p:spPr bwMode="auto"/>
+        <p:txBody>
+          <a:bodyPr/>
+          <a:lstStyle/>
+          <a:p>
+            <a:pPr>
+              <a:defRPr/>
+            </a:pPr>
+            <a:r>
+              <a:rPr lang="en-CA"/>
               <a:t>Greenhouse</a:t>
             </a:r>
+            <a:endParaRPr/>
           </a:p>
         </p:txBody>
       </p:sp>
@@ -4653,47 +6631,58 @@
             <p:ph idx="1"/>
           </p:nvPr>
         </p:nvSpPr>
-        <p:spPr/>
-        <p:txBody>
-          <a:bodyPr/>
-          <a:lstStyle/>
-          <a:p>
-            <a:r>
-              <a:rPr lang="en-CA" dirty="0"/>
+        <p:spPr bwMode="auto"/>
+        <p:txBody>
+          <a:bodyPr/>
+          <a:lstStyle/>
+          <a:p>
+            <a:pPr>
+              <a:defRPr/>
+            </a:pPr>
+            <a:r>
+              <a:rPr lang="en-CA"/>
               <a:t>As a complete example, review the Greenhouse.java and associated inner classes with the GreenhouseController.java </a:t>
             </a:r>
-          </a:p>
-          <a:p>
-            <a:r>
-              <a:rPr lang="en-CA" dirty="0"/>
+            <a:endParaRPr/>
+          </a:p>
+          <a:p>
+            <a:pPr>
+              <a:defRPr/>
+            </a:pPr>
+            <a:r>
+              <a:rPr lang="en-CA"/>
               <a:t>Note that the use of inner classes allows each event to have full access to the Greenhouse class (outer class object)</a:t>
             </a:r>
+            <a:endParaRPr/>
           </a:p>
         </p:txBody>
       </p:sp>
     </p:spTree>
-    <p:extLst>
-      <p:ext uri="{BB962C8B-B14F-4D97-AF65-F5344CB8AC3E}">
-        <p14:creationId xmlns:p14="http://schemas.microsoft.com/office/powerpoint/2010/main" val="217752028"/>
-      </p:ext>
-    </p:extLst>
   </p:cSld>
   <p:clrMapOvr>
     <a:masterClrMapping/>
   </p:clrMapOvr>
+  <mc:AlternateContent xmlns:mc="http://schemas.openxmlformats.org/markup-compatibility/2006">
+    <mc:Choice xmlns:p159="http://schemas.microsoft.com/office/powerpoint/2015/09/main" xmlns:p14="http://schemas.microsoft.com/office/powerpoint/2010/main" Requires="p159">
+      <p:transition p14:dur="2000" advClick="1"/>
+    </mc:Choice>
+    <mc:Fallback>
+      <p:transition advClick="1"/>
+    </mc:Fallback>
+  </mc:AlternateContent>
 </p:sld>
 </file>
 
 <file path=ppt/slides/slide17.xml><?xml version="1.0" encoding="utf-8"?>
-<p:sld xmlns:a="http://schemas.openxmlformats.org/drawingml/2006/main" xmlns:r="http://schemas.openxmlformats.org/officeDocument/2006/relationships" xmlns:p="http://schemas.openxmlformats.org/presentationml/2006/main">
-  <p:cSld>
+<p:sld xmlns:a="http://schemas.openxmlformats.org/drawingml/2006/main" xmlns:r="http://schemas.openxmlformats.org/officeDocument/2006/relationships" xmlns:p="http://schemas.openxmlformats.org/presentationml/2006/main" xmlns:m="http://schemas.openxmlformats.org/officeDocument/2006/math" xmlns:w="http://schemas.openxmlformats.org/wordprocessingml/2006/main" showMasterPhAnim="0" show="1">
+  <p:cSld name="">
     <p:spTree>
       <p:nvGrpSpPr>
         <p:cNvPr id="1" name=""/>
         <p:cNvGrpSpPr/>
         <p:nvPr/>
       </p:nvGrpSpPr>
-      <p:grpSpPr>
+      <p:grpSpPr bwMode="auto">
         <a:xfrm>
           <a:off x="0" y="0"/>
           <a:ext cx="0" cy="0"/>
@@ -4711,15 +6700,19 @@
             <p:ph type="title"/>
           </p:nvPr>
         </p:nvSpPr>
-        <p:spPr/>
-        <p:txBody>
-          <a:bodyPr/>
-          <a:lstStyle/>
-          <a:p>
-            <a:r>
-              <a:rPr lang="en-CA" dirty="0"/>
+        <p:spPr bwMode="auto"/>
+        <p:txBody>
+          <a:bodyPr/>
+          <a:lstStyle/>
+          <a:p>
+            <a:pPr>
+              <a:defRPr/>
+            </a:pPr>
+            <a:r>
+              <a:rPr lang="en-CA"/>
               <a:t>Inheriting from inner classes</a:t>
             </a:r>
+            <a:endParaRPr/>
           </a:p>
         </p:txBody>
       </p:sp>
@@ -4733,264 +6726,297 @@
             <p:ph idx="1"/>
           </p:nvPr>
         </p:nvSpPr>
-        <p:spPr/>
+        <p:spPr bwMode="auto"/>
         <p:txBody>
           <a:bodyPr>
             <a:normAutofit fontScale="55000" lnSpcReduction="20000"/>
           </a:bodyPr>
           <a:lstStyle/>
           <a:p>
-            <a:r>
-              <a:rPr lang="en-CA" dirty="0"/>
+            <a:pPr>
+              <a:defRPr/>
+            </a:pPr>
+            <a:r>
+              <a:rPr lang="en-CA"/>
               <a:t>Must have an outer class object to instantiate an inner class object thus the constructor for the inheriting inner class must provide it</a:t>
             </a:r>
+            <a:endParaRPr/>
           </a:p>
           <a:p>
             <a:pPr marL="0" indent="0">
               <a:buNone/>
-            </a:pPr>
-            <a:r>
-              <a:rPr lang="en-CA" dirty="0"/>
+              <a:defRPr/>
+            </a:pPr>
+            <a:r>
+              <a:rPr lang="en-CA"/>
               <a:t>class </a:t>
             </a:r>
             <a:r>
-              <a:rPr lang="en-CA" dirty="0" err="1"/>
+              <a:rPr lang="en-CA"/>
               <a:t>WithInner</a:t>
             </a:r>
             <a:r>
-              <a:rPr lang="en-CA" dirty="0"/>
+              <a:rPr lang="en-CA"/>
               <a:t> { </a:t>
             </a:r>
+            <a:endParaRPr/>
           </a:p>
           <a:p>
             <a:pPr marL="0" indent="0">
               <a:buNone/>
-            </a:pPr>
-            <a:r>
-              <a:rPr lang="en-CA" dirty="0"/>
+              <a:defRPr/>
+            </a:pPr>
+            <a:r>
+              <a:rPr lang="en-CA"/>
               <a:t>class Inner {} </a:t>
             </a:r>
+            <a:endParaRPr/>
           </a:p>
           <a:p>
             <a:pPr marL="0" indent="0">
               <a:buNone/>
-            </a:pPr>
-            <a:r>
-              <a:rPr lang="en-CA" dirty="0"/>
+              <a:defRPr/>
+            </a:pPr>
+            <a:r>
+              <a:rPr lang="en-CA"/>
               <a:t>} </a:t>
             </a:r>
+            <a:endParaRPr/>
           </a:p>
           <a:p>
             <a:pPr marL="0" indent="0">
               <a:buNone/>
-            </a:pPr>
-            <a:r>
-              <a:rPr lang="en-CA" dirty="0"/>
+              <a:defRPr/>
+            </a:pPr>
+            <a:r>
+              <a:rPr lang="en-CA"/>
               <a:t>public class </a:t>
             </a:r>
             <a:r>
-              <a:rPr lang="en-CA" dirty="0" err="1"/>
+              <a:rPr lang="en-CA"/>
               <a:t>InheritInner</a:t>
             </a:r>
             <a:r>
-              <a:rPr lang="en-CA" dirty="0"/>
+              <a:rPr lang="en-CA"/>
               <a:t> extends </a:t>
             </a:r>
             <a:r>
-              <a:rPr lang="en-CA" dirty="0" err="1"/>
+              <a:rPr lang="en-CA"/>
               <a:t>WithInner.Inner</a:t>
             </a:r>
             <a:r>
-              <a:rPr lang="en-CA" dirty="0"/>
+              <a:rPr lang="en-CA"/>
               <a:t> { </a:t>
             </a:r>
+            <a:endParaRPr/>
           </a:p>
           <a:p>
             <a:pPr marL="0" indent="0">
               <a:buNone/>
-            </a:pPr>
-            <a:r>
-              <a:rPr lang="en-CA" dirty="0"/>
+              <a:defRPr/>
+            </a:pPr>
+            <a:r>
+              <a:rPr lang="en-CA"/>
               <a:t>//! </a:t>
             </a:r>
             <a:r>
-              <a:rPr lang="en-CA" dirty="0" err="1"/>
+              <a:rPr lang="en-CA"/>
               <a:t>InheritInner</a:t>
             </a:r>
             <a:r>
-              <a:rPr lang="en-CA" dirty="0"/>
+              <a:rPr lang="en-CA"/>
               <a:t>() {} // Won’t compile </a:t>
             </a:r>
+            <a:endParaRPr/>
           </a:p>
           <a:p>
             <a:pPr marL="0" indent="0">
               <a:buNone/>
-            </a:pPr>
-            <a:r>
-              <a:rPr lang="en-CA" dirty="0" err="1"/>
+              <a:defRPr/>
+            </a:pPr>
+            <a:r>
+              <a:rPr lang="en-CA"/>
               <a:t>InheritInner</a:t>
             </a:r>
             <a:r>
-              <a:rPr lang="en-CA" dirty="0"/>
+              <a:rPr lang="en-CA"/>
               <a:t>(</a:t>
             </a:r>
             <a:r>
-              <a:rPr lang="en-CA" dirty="0" err="1"/>
+              <a:rPr lang="en-CA"/>
               <a:t>WithInner</a:t>
             </a:r>
             <a:r>
-              <a:rPr lang="en-CA" dirty="0"/>
+              <a:rPr lang="en-CA"/>
               <a:t> </a:t>
             </a:r>
             <a:r>
-              <a:rPr lang="en-CA" dirty="0" err="1"/>
+              <a:rPr lang="en-CA"/>
               <a:t>wi</a:t>
             </a:r>
             <a:r>
-              <a:rPr lang="en-CA" dirty="0"/>
+              <a:rPr lang="en-CA"/>
               <a:t>) { </a:t>
             </a:r>
+            <a:endParaRPr/>
           </a:p>
           <a:p>
             <a:pPr marL="0" indent="0">
               <a:buNone/>
-            </a:pPr>
-            <a:r>
-              <a:rPr lang="en-CA" dirty="0" err="1"/>
+              <a:defRPr/>
+            </a:pPr>
+            <a:r>
+              <a:rPr lang="en-CA"/>
               <a:t>wi.super</a:t>
             </a:r>
             <a:r>
-              <a:rPr lang="en-CA" dirty="0"/>
+              <a:rPr lang="en-CA"/>
               <a:t>(); </a:t>
             </a:r>
+            <a:endParaRPr/>
           </a:p>
           <a:p>
             <a:pPr marL="0" indent="0">
               <a:buNone/>
-            </a:pPr>
-            <a:r>
-              <a:rPr lang="en-CA" dirty="0"/>
+              <a:defRPr/>
+            </a:pPr>
+            <a:r>
+              <a:rPr lang="en-CA"/>
               <a:t>} </a:t>
             </a:r>
+            <a:endParaRPr/>
           </a:p>
           <a:p>
             <a:pPr marL="0" indent="0">
               <a:buNone/>
-            </a:pPr>
-            <a:r>
-              <a:rPr lang="en-CA" dirty="0"/>
+              <a:defRPr/>
+            </a:pPr>
+            <a:r>
+              <a:rPr lang="en-CA"/>
               <a:t>public static void main(String[] </a:t>
             </a:r>
             <a:r>
-              <a:rPr lang="en-CA" dirty="0" err="1"/>
+              <a:rPr lang="en-CA"/>
               <a:t>args</a:t>
             </a:r>
             <a:r>
-              <a:rPr lang="en-CA" dirty="0"/>
+              <a:rPr lang="en-CA"/>
               <a:t>) { </a:t>
             </a:r>
+            <a:endParaRPr/>
           </a:p>
           <a:p>
             <a:pPr marL="0" indent="0">
               <a:buNone/>
-            </a:pPr>
-            <a:r>
-              <a:rPr lang="en-CA" dirty="0" err="1"/>
+              <a:defRPr/>
+            </a:pPr>
+            <a:r>
+              <a:rPr lang="en-CA"/>
               <a:t>WithInner</a:t>
             </a:r>
             <a:r>
-              <a:rPr lang="en-CA" dirty="0"/>
+              <a:rPr lang="en-CA"/>
               <a:t> </a:t>
             </a:r>
             <a:r>
-              <a:rPr lang="en-CA" dirty="0" err="1"/>
+              <a:rPr lang="en-CA"/>
               <a:t>wi</a:t>
             </a:r>
             <a:r>
-              <a:rPr lang="en-CA" dirty="0"/>
+              <a:rPr lang="en-CA"/>
               <a:t> = new </a:t>
             </a:r>
             <a:r>
-              <a:rPr lang="en-CA" dirty="0" err="1"/>
+              <a:rPr lang="en-CA"/>
               <a:t>WithInner</a:t>
             </a:r>
             <a:r>
-              <a:rPr lang="en-CA" dirty="0"/>
+              <a:rPr lang="en-CA"/>
               <a:t>(); </a:t>
             </a:r>
+            <a:endParaRPr/>
           </a:p>
           <a:p>
             <a:pPr marL="0" indent="0">
               <a:buNone/>
-            </a:pPr>
-            <a:r>
-              <a:rPr lang="en-CA" dirty="0" err="1"/>
+              <a:defRPr/>
+            </a:pPr>
+            <a:r>
+              <a:rPr lang="en-CA"/>
               <a:t>InheritInner</a:t>
             </a:r>
             <a:r>
-              <a:rPr lang="en-CA" dirty="0"/>
+              <a:rPr lang="en-CA"/>
               <a:t> ii = new </a:t>
             </a:r>
             <a:r>
-              <a:rPr lang="en-CA" dirty="0" err="1"/>
+              <a:rPr lang="en-CA"/>
               <a:t>InheritInner</a:t>
             </a:r>
             <a:r>
-              <a:rPr lang="en-CA" dirty="0"/>
+              <a:rPr lang="en-CA"/>
               <a:t>(</a:t>
             </a:r>
             <a:r>
-              <a:rPr lang="en-CA" dirty="0" err="1"/>
+              <a:rPr lang="en-CA"/>
               <a:t>wi</a:t>
             </a:r>
             <a:r>
-              <a:rPr lang="en-CA" dirty="0"/>
+              <a:rPr lang="en-CA"/>
               <a:t>); </a:t>
             </a:r>
+            <a:endParaRPr/>
           </a:p>
           <a:p>
             <a:pPr marL="0" indent="0">
               <a:buNone/>
-            </a:pPr>
-            <a:r>
-              <a:rPr lang="en-CA" dirty="0"/>
+              <a:defRPr/>
+            </a:pPr>
+            <a:r>
+              <a:rPr lang="en-CA"/>
               <a:t>} </a:t>
             </a:r>
+            <a:endParaRPr/>
           </a:p>
           <a:p>
             <a:pPr marL="0" indent="0">
               <a:buNone/>
-            </a:pPr>
-            <a:r>
-              <a:rPr lang="en-CA" dirty="0"/>
+              <a:defRPr/>
+            </a:pPr>
+            <a:r>
+              <a:rPr lang="en-CA"/>
               <a:t>} </a:t>
             </a:r>
+            <a:endParaRPr/>
           </a:p>
         </p:txBody>
       </p:sp>
     </p:spTree>
-    <p:extLst>
-      <p:ext uri="{BB962C8B-B14F-4D97-AF65-F5344CB8AC3E}">
-        <p14:creationId xmlns:p14="http://schemas.microsoft.com/office/powerpoint/2010/main" val="376862818"/>
-      </p:ext>
-    </p:extLst>
   </p:cSld>
   <p:clrMapOvr>
     <a:masterClrMapping/>
   </p:clrMapOvr>
+  <mc:AlternateContent xmlns:mc="http://schemas.openxmlformats.org/markup-compatibility/2006">
+    <mc:Choice xmlns:p159="http://schemas.microsoft.com/office/powerpoint/2015/09/main" xmlns:p14="http://schemas.microsoft.com/office/powerpoint/2010/main" Requires="p159">
+      <p:transition p14:dur="2000" advClick="1"/>
+    </mc:Choice>
+    <mc:Fallback>
+      <p:transition advClick="1"/>
+    </mc:Fallback>
+  </mc:AlternateContent>
 </p:sld>
 </file>
 
 <file path=ppt/slides/slide18.xml><?xml version="1.0" encoding="utf-8"?>
-<p:sld xmlns:a="http://schemas.openxmlformats.org/drawingml/2006/main" xmlns:r="http://schemas.openxmlformats.org/officeDocument/2006/relationships" xmlns:p="http://schemas.openxmlformats.org/presentationml/2006/main">
-  <p:cSld>
+<p:sld xmlns:a="http://schemas.openxmlformats.org/drawingml/2006/main" xmlns:r="http://schemas.openxmlformats.org/officeDocument/2006/relationships" xmlns:p="http://schemas.openxmlformats.org/presentationml/2006/main" xmlns:m="http://schemas.openxmlformats.org/officeDocument/2006/math" xmlns:w="http://schemas.openxmlformats.org/wordprocessingml/2006/main" showMasterPhAnim="0" show="1">
+  <p:cSld name="">
     <p:spTree>
       <p:nvGrpSpPr>
         <p:cNvPr id="1" name=""/>
         <p:cNvGrpSpPr/>
         <p:nvPr/>
       </p:nvGrpSpPr>
-      <p:grpSpPr>
+      <p:grpSpPr bwMode="auto">
         <a:xfrm>
           <a:off x="0" y="0"/>
           <a:ext cx="0" cy="0"/>
@@ -5008,15 +7034,19 @@
             <p:ph type="title"/>
           </p:nvPr>
         </p:nvSpPr>
-        <p:spPr/>
-        <p:txBody>
-          <a:bodyPr/>
-          <a:lstStyle/>
-          <a:p>
-            <a:r>
-              <a:rPr lang="en-CA" dirty="0"/>
+        <p:spPr bwMode="auto"/>
+        <p:txBody>
+          <a:bodyPr/>
+          <a:lstStyle/>
+          <a:p>
+            <a:pPr>
+              <a:defRPr/>
+            </a:pPr>
+            <a:r>
+              <a:rPr lang="en-CA"/>
               <a:t>Overriding Inner Classes?? NO</a:t>
             </a:r>
+            <a:endParaRPr/>
           </a:p>
         </p:txBody>
       </p:sp>
@@ -5030,49 +7060,60 @@
             <p:ph idx="1"/>
           </p:nvPr>
         </p:nvSpPr>
-        <p:spPr/>
+        <p:spPr bwMode="auto"/>
         <p:txBody>
           <a:bodyPr>
             <a:normAutofit lnSpcReduction="10000"/>
           </a:bodyPr>
           <a:lstStyle/>
           <a:p>
-            <a:r>
-              <a:rPr lang="en-CA" dirty="0"/>
+            <a:pPr>
+              <a:defRPr/>
+            </a:pPr>
+            <a:r>
+              <a:rPr lang="en-CA"/>
               <a:t>Although it might seem like you can override an inner class when inheriting from the outer class, it doesn’t work (BigEgg.java). Instead you end up with two different inner classes and use &lt;outer class name&gt;.&lt;inner class name&gt;</a:t>
             </a:r>
-          </a:p>
-          <a:p>
-            <a:r>
-              <a:rPr lang="en-CA" dirty="0"/>
+            <a:endParaRPr/>
+          </a:p>
+          <a:p>
+            <a:pPr>
+              <a:defRPr/>
+            </a:pPr>
+            <a:r>
+              <a:rPr lang="en-CA"/>
               <a:t>You can have both the outer class and inner class being inherited and the standard rules apply (BigEgg2.java)</a:t>
             </a:r>
+            <a:endParaRPr/>
           </a:p>
         </p:txBody>
       </p:sp>
     </p:spTree>
-    <p:extLst>
-      <p:ext uri="{BB962C8B-B14F-4D97-AF65-F5344CB8AC3E}">
-        <p14:creationId xmlns:p14="http://schemas.microsoft.com/office/powerpoint/2010/main" val="2973754576"/>
-      </p:ext>
-    </p:extLst>
   </p:cSld>
   <p:clrMapOvr>
     <a:masterClrMapping/>
   </p:clrMapOvr>
+  <mc:AlternateContent xmlns:mc="http://schemas.openxmlformats.org/markup-compatibility/2006">
+    <mc:Choice xmlns:p159="http://schemas.microsoft.com/office/powerpoint/2015/09/main" xmlns:p14="http://schemas.microsoft.com/office/powerpoint/2010/main" Requires="p159">
+      <p:transition p14:dur="2000" advClick="1"/>
+    </mc:Choice>
+    <mc:Fallback>
+      <p:transition advClick="1"/>
+    </mc:Fallback>
+  </mc:AlternateContent>
 </p:sld>
 </file>
 
 <file path=ppt/slides/slide19.xml><?xml version="1.0" encoding="utf-8"?>
-<p:sld xmlns:a="http://schemas.openxmlformats.org/drawingml/2006/main" xmlns:r="http://schemas.openxmlformats.org/officeDocument/2006/relationships" xmlns:p="http://schemas.openxmlformats.org/presentationml/2006/main">
-  <p:cSld>
+<p:sld xmlns:a="http://schemas.openxmlformats.org/drawingml/2006/main" xmlns:r="http://schemas.openxmlformats.org/officeDocument/2006/relationships" xmlns:p="http://schemas.openxmlformats.org/presentationml/2006/main" xmlns:m="http://schemas.openxmlformats.org/officeDocument/2006/math" xmlns:w="http://schemas.openxmlformats.org/wordprocessingml/2006/main" showMasterPhAnim="0" show="1">
+  <p:cSld name="">
     <p:spTree>
       <p:nvGrpSpPr>
         <p:cNvPr id="1" name=""/>
         <p:cNvGrpSpPr/>
         <p:nvPr/>
       </p:nvGrpSpPr>
-      <p:grpSpPr>
+      <p:grpSpPr bwMode="auto">
         <a:xfrm>
           <a:off x="0" y="0"/>
           <a:ext cx="0" cy="0"/>
@@ -5090,15 +7131,19 @@
             <p:ph type="title"/>
           </p:nvPr>
         </p:nvSpPr>
-        <p:spPr/>
-        <p:txBody>
-          <a:bodyPr/>
-          <a:lstStyle/>
-          <a:p>
-            <a:r>
-              <a:rPr lang="en-CA" dirty="0"/>
+        <p:spPr bwMode="auto"/>
+        <p:txBody>
+          <a:bodyPr/>
+          <a:lstStyle/>
+          <a:p>
+            <a:pPr>
+              <a:defRPr/>
+            </a:pPr>
+            <a:r>
+              <a:rPr lang="en-CA"/>
               <a:t>Local inner classes</a:t>
             </a:r>
+            <a:endParaRPr/>
           </a:p>
         </p:txBody>
       </p:sp>
@@ -5112,56 +7157,70 @@
             <p:ph idx="1"/>
           </p:nvPr>
         </p:nvSpPr>
-        <p:spPr/>
+        <p:spPr bwMode="auto"/>
         <p:txBody>
           <a:bodyPr>
             <a:normAutofit lnSpcReduction="10000"/>
           </a:bodyPr>
           <a:lstStyle/>
           <a:p>
-            <a:r>
-              <a:rPr lang="en-CA" dirty="0"/>
+            <a:pPr>
+              <a:defRPr/>
+            </a:pPr>
+            <a:r>
+              <a:rPr lang="en-CA"/>
               <a:t>You can create a local [named] inner class (usually inside a method block)</a:t>
             </a:r>
-          </a:p>
-          <a:p>
-            <a:r>
-              <a:rPr lang="en-CA" dirty="0"/>
+            <a:endParaRPr/>
+          </a:p>
+          <a:p>
+            <a:pPr>
+              <a:defRPr/>
+            </a:pPr>
+            <a:r>
+              <a:rPr lang="en-CA"/>
               <a:t>The result to the outside is the same as an anonymous inner class with two minor benefits: you can provide 1 or more constructors; you can create multiple objects in the method block the inner class is defined in)</a:t>
             </a:r>
-          </a:p>
-          <a:p>
+            <a:endParaRPr/>
+          </a:p>
+          <a:p>
+            <a:pPr>
+              <a:defRPr/>
+            </a:pPr>
             <a:r>
               <a:rPr lang="en-CA"/>
               <a:t>See LocalInnerClass.java</a:t>
             </a:r>
-            <a:endParaRPr lang="en-CA" dirty="0"/>
+            <a:endParaRPr lang="en-CA"/>
           </a:p>
         </p:txBody>
       </p:sp>
     </p:spTree>
-    <p:extLst>
-      <p:ext uri="{BB962C8B-B14F-4D97-AF65-F5344CB8AC3E}">
-        <p14:creationId xmlns:p14="http://schemas.microsoft.com/office/powerpoint/2010/main" val="3455264918"/>
-      </p:ext>
-    </p:extLst>
   </p:cSld>
   <p:clrMapOvr>
     <a:masterClrMapping/>
   </p:clrMapOvr>
+  <mc:AlternateContent xmlns:mc="http://schemas.openxmlformats.org/markup-compatibility/2006">
+    <mc:Choice xmlns:p159="http://schemas.microsoft.com/office/powerpoint/2015/09/main" xmlns:p14="http://schemas.microsoft.com/office/powerpoint/2010/main" Requires="p159">
+      <p:transition p14:dur="2000" advClick="1"/>
+    </mc:Choice>
+    <mc:Fallback>
+      <p:transition advClick="1"/>
+    </mc:Fallback>
+  </mc:AlternateContent>
 </p:sld>
 </file>
 
 <file path=ppt/slides/slide2.xml><?xml version="1.0" encoding="utf-8"?>
-<p:sld xmlns:a="http://schemas.openxmlformats.org/drawingml/2006/main" xmlns:r="http://schemas.openxmlformats.org/officeDocument/2006/relationships" xmlns:p="http://schemas.openxmlformats.org/presentationml/2006/main">
-  <p:cSld>
+<p:sld xmlns:a="http://schemas.openxmlformats.org/drawingml/2006/main" xmlns:r="http://schemas.openxmlformats.org/officeDocument/2006/relationships" xmlns:p="http://schemas.openxmlformats.org/presentationml/2006/main" xmlns:m="http://schemas.openxmlformats.org/officeDocument/2006/math" xmlns:w="http://schemas.openxmlformats.org/wordprocessingml/2006/main" showMasterPhAnim="0" show="1">
+  <p:cSld name="">
     <p:spTree>
       <p:nvGrpSpPr>
         <p:cNvPr id="1" name=""/>
         <p:cNvGrpSpPr/>
         <p:nvPr/>
       </p:nvGrpSpPr>
-      <p:grpSpPr>
+      <p:grpSpPr bwMode="auto">
         <a:xfrm>
           <a:off x="0" y="0"/>
           <a:ext cx="0" cy="0"/>
@@ -5179,15 +7238,19 @@
             <p:ph type="title"/>
           </p:nvPr>
         </p:nvSpPr>
-        <p:spPr/>
-        <p:txBody>
-          <a:bodyPr/>
-          <a:lstStyle/>
-          <a:p>
-            <a:r>
-              <a:rPr lang="en-CA" dirty="0"/>
+        <p:spPr bwMode="auto"/>
+        <p:txBody>
+          <a:bodyPr/>
+          <a:lstStyle/>
+          <a:p>
+            <a:pPr>
+              <a:defRPr/>
+            </a:pPr>
+            <a:r>
+              <a:rPr lang="en-CA"/>
               <a:t>Nesting Interfaces</a:t>
             </a:r>
+            <a:endParaRPr/>
           </a:p>
         </p:txBody>
       </p:sp>
@@ -5201,62 +7264,76 @@
             <p:ph idx="1"/>
           </p:nvPr>
         </p:nvSpPr>
-        <p:spPr/>
-        <p:txBody>
-          <a:bodyPr/>
-          <a:lstStyle/>
-          <a:p>
-            <a:r>
-              <a:rPr lang="en-CA" dirty="0"/>
+        <p:spPr bwMode="auto"/>
+        <p:txBody>
+          <a:bodyPr/>
+          <a:lstStyle/>
+          <a:p>
+            <a:pPr>
+              <a:defRPr/>
+            </a:pPr>
+            <a:r>
+              <a:rPr lang="en-CA"/>
               <a:t>You can nest interfaces in a class, this limits access and prevents </a:t>
             </a:r>
             <a:r>
-              <a:rPr lang="en-CA" dirty="0" err="1"/>
+              <a:rPr lang="en-CA"/>
               <a:t>upcasting</a:t>
             </a:r>
-            <a:endParaRPr lang="en-CA" dirty="0"/>
-          </a:p>
-          <a:p>
-            <a:r>
-              <a:rPr lang="en-CA" dirty="0"/>
+            <a:endParaRPr lang="en-CA"/>
+          </a:p>
+          <a:p>
+            <a:pPr>
+              <a:defRPr/>
+            </a:pPr>
+            <a:r>
+              <a:rPr lang="en-CA"/>
               <a:t>The rules are such that you can have private nested interfaces but must still have public methods for all that inherit from the interface</a:t>
             </a:r>
-          </a:p>
-          <a:p>
-            <a:r>
-              <a:rPr lang="en-CA" dirty="0"/>
+            <a:endParaRPr/>
+          </a:p>
+          <a:p>
+            <a:pPr>
+              <a:defRPr/>
+            </a:pPr>
+            <a:r>
+              <a:rPr lang="en-CA"/>
               <a:t>There is little benefit but a confusing but interesting example is provided</a:t>
             </a:r>
             <a:r>
               <a:rPr lang="en-CA"/>
               <a:t>: NestingInterfaces.java</a:t>
             </a:r>
+            <a:endParaRPr/>
           </a:p>
         </p:txBody>
       </p:sp>
     </p:spTree>
-    <p:extLst>
-      <p:ext uri="{BB962C8B-B14F-4D97-AF65-F5344CB8AC3E}">
-        <p14:creationId xmlns:p14="http://schemas.microsoft.com/office/powerpoint/2010/main" val="836014019"/>
-      </p:ext>
-    </p:extLst>
   </p:cSld>
   <p:clrMapOvr>
     <a:masterClrMapping/>
   </p:clrMapOvr>
+  <mc:AlternateContent xmlns:mc="http://schemas.openxmlformats.org/markup-compatibility/2006">
+    <mc:Choice xmlns:p159="http://schemas.microsoft.com/office/powerpoint/2015/09/main" xmlns:p14="http://schemas.microsoft.com/office/powerpoint/2010/main" Requires="p159">
+      <p:transition p14:dur="2000" advClick="1"/>
+    </mc:Choice>
+    <mc:Fallback>
+      <p:transition advClick="1"/>
+    </mc:Fallback>
+  </mc:AlternateContent>
 </p:sld>
 </file>
 
 <file path=ppt/slides/slide3.xml><?xml version="1.0" encoding="utf-8"?>
-<p:sld xmlns:a="http://schemas.openxmlformats.org/drawingml/2006/main" xmlns:r="http://schemas.openxmlformats.org/officeDocument/2006/relationships" xmlns:p="http://schemas.openxmlformats.org/presentationml/2006/main">
-  <p:cSld>
+<p:sld xmlns:a="http://schemas.openxmlformats.org/drawingml/2006/main" xmlns:r="http://schemas.openxmlformats.org/officeDocument/2006/relationships" xmlns:p="http://schemas.openxmlformats.org/presentationml/2006/main" xmlns:m="http://schemas.openxmlformats.org/officeDocument/2006/math" xmlns:w="http://schemas.openxmlformats.org/wordprocessingml/2006/main" showMasterPhAnim="0" show="1">
+  <p:cSld name="">
     <p:spTree>
       <p:nvGrpSpPr>
         <p:cNvPr id="1" name=""/>
         <p:cNvGrpSpPr/>
         <p:nvPr/>
       </p:nvGrpSpPr>
-      <p:grpSpPr>
+      <p:grpSpPr bwMode="auto">
         <a:xfrm>
           <a:off x="0" y="0"/>
           <a:ext cx="0" cy="0"/>
@@ -5274,16 +7351,19 @@
             <p:ph type="title"/>
           </p:nvPr>
         </p:nvSpPr>
-        <p:spPr/>
-        <p:txBody>
-          <a:bodyPr/>
-          <a:lstStyle/>
-          <a:p>
-            <a:r>
-              <a:rPr lang="en-US" dirty="0"/>
+        <p:spPr bwMode="auto"/>
+        <p:txBody>
+          <a:bodyPr/>
+          <a:lstStyle/>
+          <a:p>
+            <a:pPr>
+              <a:defRPr/>
+            </a:pPr>
+            <a:r>
+              <a:rPr lang="en-US"/>
               <a:t>Interfaces and Factories</a:t>
             </a:r>
-            <a:endParaRPr lang="en-CA" dirty="0"/>
+            <a:endParaRPr lang="en-CA"/>
           </a:p>
         </p:txBody>
       </p:sp>
@@ -5297,98 +7377,124 @@
             <p:ph idx="1"/>
           </p:nvPr>
         </p:nvSpPr>
-        <p:spPr/>
+        <p:spPr bwMode="auto"/>
         <p:txBody>
           <a:bodyPr>
             <a:normAutofit fontScale="77500" lnSpcReduction="20000"/>
           </a:bodyPr>
           <a:lstStyle/>
           <a:p>
-            <a:r>
-              <a:rPr lang="en-US" dirty="0"/>
+            <a:pPr>
+              <a:defRPr/>
+            </a:pPr>
+            <a:r>
+              <a:rPr lang="en-US"/>
               <a:t>Interfaces are a partial solution to multiple inheritance</a:t>
             </a:r>
-          </a:p>
-          <a:p>
-            <a:r>
-              <a:rPr lang="en-US" dirty="0"/>
+            <a:endParaRPr/>
+          </a:p>
+          <a:p>
+            <a:pPr>
+              <a:defRPr/>
+            </a:pPr>
+            <a:r>
+              <a:rPr lang="en-US"/>
               <a:t>Factory Methods (from design patterns) are a typical way to produce objects that fit the interface</a:t>
             </a:r>
-          </a:p>
-          <a:p>
-            <a:r>
-              <a:rPr lang="en-US" dirty="0"/>
+            <a:endParaRPr/>
+          </a:p>
+          <a:p>
+            <a:pPr>
+              <a:defRPr/>
+            </a:pPr>
+            <a:r>
+              <a:rPr lang="en-US"/>
               <a:t>Instead of calling a constructor directly, you call a creation method on a factory object which produces an implementation of the interface</a:t>
             </a:r>
-          </a:p>
-          <a:p>
-            <a:r>
-              <a:rPr lang="en-US" dirty="0"/>
+            <a:endParaRPr/>
+          </a:p>
+          <a:p>
+            <a:pPr>
+              <a:defRPr/>
+            </a:pPr>
+            <a:r>
+              <a:rPr lang="en-US"/>
               <a:t>This isolates your code from the implementation of the interface allowing for the same code to perform the same actions on a different implementation of the interface</a:t>
             </a:r>
-          </a:p>
-          <a:p>
-            <a:r>
-              <a:rPr lang="en-US" dirty="0"/>
+            <a:endParaRPr/>
+          </a:p>
+          <a:p>
+            <a:pPr>
+              <a:defRPr/>
+            </a:pPr>
+            <a:r>
+              <a:rPr lang="en-US"/>
               <a:t>See Factories.java, Games.java</a:t>
             </a:r>
-          </a:p>
-          <a:p>
-            <a:r>
-              <a:rPr lang="en-US" b="1" dirty="0"/>
+            <a:endParaRPr/>
+          </a:p>
+          <a:p>
+            <a:pPr>
+              <a:defRPr/>
+            </a:pPr>
+            <a:r>
+              <a:rPr lang="en-US" b="1"/>
               <a:t>If the code in class Games </a:t>
             </a:r>
             <a:r>
-              <a:rPr lang="en-US" dirty="0"/>
+              <a:rPr lang="en-US"/>
               <a:t>(</a:t>
             </a:r>
             <a:r>
-              <a:rPr lang="en-US" dirty="0" err="1"/>
+              <a:rPr lang="en-US"/>
               <a:t>playGame</a:t>
             </a:r>
             <a:r>
-              <a:rPr lang="en-US" dirty="0"/>
+              <a:rPr lang="en-US"/>
               <a:t>()) </a:t>
             </a:r>
             <a:r>
-              <a:rPr lang="en-US" b="1" dirty="0"/>
+              <a:rPr lang="en-US" b="1"/>
               <a:t>is </a:t>
             </a:r>
             <a:r>
-              <a:rPr lang="en-US" b="1" u="sng" dirty="0"/>
+              <a:rPr lang="en-US" b="1" u="sng"/>
               <a:t>complex code </a:t>
             </a:r>
             <a:r>
-              <a:rPr lang="en-US" dirty="0"/>
+              <a:rPr lang="en-US"/>
               <a:t>that is similar for multiple games we can reuse that code by this extra level of indirection</a:t>
             </a:r>
-            <a:endParaRPr lang="en-CA" dirty="0"/>
+            <a:endParaRPr lang="en-CA"/>
           </a:p>
         </p:txBody>
       </p:sp>
     </p:spTree>
-    <p:extLst>
-      <p:ext uri="{BB962C8B-B14F-4D97-AF65-F5344CB8AC3E}">
-        <p14:creationId xmlns:p14="http://schemas.microsoft.com/office/powerpoint/2010/main" val="1441343818"/>
-      </p:ext>
-    </p:extLst>
   </p:cSld>
   <p:clrMapOvr>
     <a:masterClrMapping/>
   </p:clrMapOvr>
+  <mc:AlternateContent xmlns:mc="http://schemas.openxmlformats.org/markup-compatibility/2006">
+    <mc:Choice xmlns:p159="http://schemas.microsoft.com/office/powerpoint/2015/09/main" xmlns:p14="http://schemas.microsoft.com/office/powerpoint/2010/main" Requires="p159">
+      <p:transition p14:dur="2000" advClick="1"/>
+    </mc:Choice>
+    <mc:Fallback>
+      <p:transition advClick="1"/>
+    </mc:Fallback>
+  </mc:AlternateContent>
 </p:sld>
 </file>
 
 <file path=ppt/slides/slide4.xml><?xml version="1.0" encoding="utf-8"?>
-<p:sld xmlns:a="http://schemas.openxmlformats.org/drawingml/2006/main" xmlns:r="http://schemas.openxmlformats.org/officeDocument/2006/relationships" xmlns:p="http://schemas.openxmlformats.org/presentationml/2006/main">
-  <p:cSld>
+<p:sld xmlns:a="http://schemas.openxmlformats.org/drawingml/2006/main" xmlns:r="http://schemas.openxmlformats.org/officeDocument/2006/relationships" xmlns:p="http://schemas.openxmlformats.org/presentationml/2006/main" xmlns:m="http://schemas.openxmlformats.org/officeDocument/2006/math" xmlns:w="http://schemas.openxmlformats.org/wordprocessingml/2006/main" showMasterPhAnim="0" show="1">
+  <p:cSld name="">
     <p:spTree>
       <p:nvGrpSpPr>
         <p:cNvPr id="1" name=""/>
         <p:cNvGrpSpPr/>
         <p:nvPr/>
       </p:nvGrpSpPr>
-      <p:grpSpPr>
+      <p:grpSpPr bwMode="auto">
         <a:xfrm>
           <a:off x="0" y="0"/>
           <a:ext cx="0" cy="0"/>
@@ -5406,16 +7512,19 @@
             <p:ph type="title"/>
           </p:nvPr>
         </p:nvSpPr>
-        <p:spPr/>
-        <p:txBody>
-          <a:bodyPr/>
-          <a:lstStyle/>
-          <a:p>
-            <a:r>
-              <a:rPr lang="en-US" dirty="0"/>
+        <p:spPr bwMode="auto"/>
+        <p:txBody>
+          <a:bodyPr/>
+          <a:lstStyle/>
+          <a:p>
+            <a:pPr>
+              <a:defRPr/>
+            </a:pPr>
+            <a:r>
+              <a:rPr lang="en-US"/>
               <a:t>Inner Classes reviewed</a:t>
             </a:r>
-            <a:endParaRPr lang="en-CA" dirty="0"/>
+            <a:endParaRPr lang="en-CA"/>
           </a:p>
         </p:txBody>
       </p:sp>
@@ -5429,62 +7538,80 @@
             <p:ph idx="1"/>
           </p:nvPr>
         </p:nvSpPr>
-        <p:spPr/>
+        <p:spPr bwMode="auto"/>
         <p:txBody>
           <a:bodyPr>
             <a:normAutofit fontScale="92500" lnSpcReduction="10000"/>
           </a:bodyPr>
           <a:lstStyle/>
           <a:p>
-            <a:r>
-              <a:rPr lang="en-US" dirty="0"/>
+            <a:pPr>
+              <a:defRPr/>
+            </a:pPr>
+            <a:r>
+              <a:rPr lang="en-US"/>
               <a:t>Examine Sequence.java example</a:t>
             </a:r>
-          </a:p>
-          <a:p>
-            <a:r>
-              <a:rPr lang="en-US" dirty="0"/>
+            <a:endParaRPr/>
+          </a:p>
+          <a:p>
+            <a:pPr>
+              <a:defRPr/>
+            </a:pPr>
+            <a:r>
+              <a:rPr lang="en-US"/>
               <a:t>Notice how the Selector allows access to the outer class object</a:t>
             </a:r>
-          </a:p>
-          <a:p>
-            <a:r>
-              <a:rPr lang="en-US" dirty="0"/>
+            <a:endParaRPr/>
+          </a:p>
+          <a:p>
+            <a:pPr>
+              <a:defRPr/>
+            </a:pPr>
+            <a:r>
+              <a:rPr lang="en-US"/>
               <a:t>Multiple Selector inner objects can be made and all are independent from each other , allowing each user of the Sector object to move through the outer class objects data independent of each other</a:t>
             </a:r>
-          </a:p>
-          <a:p>
-            <a:r>
-              <a:rPr lang="en-US" dirty="0"/>
+            <a:endParaRPr/>
+          </a:p>
+          <a:p>
+            <a:pPr>
+              <a:defRPr/>
+            </a:pPr>
+            <a:r>
+              <a:rPr lang="en-US"/>
               <a:t>Inner classes may be private or protected while regular classes may only be public or package</a:t>
             </a:r>
-            <a:endParaRPr lang="en-CA" dirty="0"/>
+            <a:endParaRPr lang="en-CA"/>
           </a:p>
         </p:txBody>
       </p:sp>
     </p:spTree>
-    <p:extLst>
-      <p:ext uri="{BB962C8B-B14F-4D97-AF65-F5344CB8AC3E}">
-        <p14:creationId xmlns:p14="http://schemas.microsoft.com/office/powerpoint/2010/main" val="1367703508"/>
-      </p:ext>
-    </p:extLst>
   </p:cSld>
   <p:clrMapOvr>
     <a:masterClrMapping/>
   </p:clrMapOvr>
+  <mc:AlternateContent xmlns:mc="http://schemas.openxmlformats.org/markup-compatibility/2006">
+    <mc:Choice xmlns:p159="http://schemas.microsoft.com/office/powerpoint/2015/09/main" xmlns:p14="http://schemas.microsoft.com/office/powerpoint/2010/main" Requires="p159">
+      <p:transition p14:dur="2000" advClick="1"/>
+    </mc:Choice>
+    <mc:Fallback>
+      <p:transition advClick="1"/>
+    </mc:Fallback>
+  </mc:AlternateContent>
 </p:sld>
 </file>
 
 <file path=ppt/slides/slide5.xml><?xml version="1.0" encoding="utf-8"?>
-<p:sld xmlns:a="http://schemas.openxmlformats.org/drawingml/2006/main" xmlns:r="http://schemas.openxmlformats.org/officeDocument/2006/relationships" xmlns:p="http://schemas.openxmlformats.org/presentationml/2006/main">
-  <p:cSld>
+<p:sld xmlns:a="http://schemas.openxmlformats.org/drawingml/2006/main" xmlns:r="http://schemas.openxmlformats.org/officeDocument/2006/relationships" xmlns:p="http://schemas.openxmlformats.org/presentationml/2006/main" xmlns:m="http://schemas.openxmlformats.org/officeDocument/2006/math" xmlns:w="http://schemas.openxmlformats.org/wordprocessingml/2006/main" showMasterPhAnim="0" show="1">
+  <p:cSld name="">
     <p:spTree>
       <p:nvGrpSpPr>
         <p:cNvPr id="1" name=""/>
         <p:cNvGrpSpPr/>
         <p:nvPr/>
       </p:nvGrpSpPr>
-      <p:grpSpPr>
+      <p:grpSpPr bwMode="auto">
         <a:xfrm>
           <a:off x="0" y="0"/>
           <a:ext cx="0" cy="0"/>
@@ -5502,20 +7629,23 @@
             <p:ph type="title"/>
           </p:nvPr>
         </p:nvSpPr>
-        <p:spPr/>
-        <p:txBody>
-          <a:bodyPr/>
-          <a:lstStyle/>
-          <a:p>
-            <a:r>
-              <a:rPr lang="en-US" dirty="0" err="1"/>
+        <p:spPr bwMode="auto"/>
+        <p:txBody>
+          <a:bodyPr/>
+          <a:lstStyle/>
+          <a:p>
+            <a:pPr>
+              <a:defRPr/>
+            </a:pPr>
+            <a:r>
+              <a:rPr lang="en-US"/>
               <a:t>Upcasting</a:t>
             </a:r>
             <a:r>
-              <a:rPr lang="en-US" dirty="0"/>
+              <a:rPr lang="en-US"/>
               <a:t> Inner classes</a:t>
             </a:r>
-            <a:endParaRPr lang="en-CA" dirty="0"/>
+            <a:endParaRPr lang="en-CA"/>
           </a:p>
         </p:txBody>
       </p:sp>
@@ -5529,64 +7659,78 @@
             <p:ph idx="1"/>
           </p:nvPr>
         </p:nvSpPr>
-        <p:spPr/>
+        <p:spPr bwMode="auto"/>
         <p:txBody>
           <a:bodyPr>
             <a:normAutofit fontScale="92500" lnSpcReduction="20000"/>
           </a:bodyPr>
           <a:lstStyle/>
           <a:p>
-            <a:r>
-              <a:rPr lang="en-US" dirty="0"/>
+            <a:pPr>
+              <a:defRPr/>
+            </a:pPr>
+            <a:r>
+              <a:rPr lang="en-US"/>
               <a:t>By using a general interface for an inner class type then </a:t>
             </a:r>
             <a:r>
-              <a:rPr lang="en-US" dirty="0" err="1"/>
+              <a:rPr lang="en-US"/>
               <a:t>upcasting</a:t>
             </a:r>
             <a:r>
-              <a:rPr lang="en-US" dirty="0"/>
+              <a:rPr lang="en-US"/>
               <a:t> to it we can hide the implementation of the inner class to the outside</a:t>
             </a:r>
-          </a:p>
-          <a:p>
-            <a:r>
-              <a:rPr lang="en-US" dirty="0"/>
+            <a:endParaRPr/>
+          </a:p>
+          <a:p>
+            <a:pPr>
+              <a:defRPr/>
+            </a:pPr>
+            <a:r>
+              <a:rPr lang="en-US"/>
               <a:t>In TestParcel.java the inner class is private preventing access to the inner class even when extending it preventing any type-coding dependencies</a:t>
             </a:r>
-          </a:p>
-          <a:p>
-            <a:r>
-              <a:rPr lang="en-US" dirty="0"/>
+            <a:endParaRPr/>
+          </a:p>
+          <a:p>
+            <a:pPr>
+              <a:defRPr/>
+            </a:pPr>
+            <a:r>
+              <a:rPr lang="en-US"/>
               <a:t>Notice in TestParcel.java once the Parcel4 object’s inner class objects have been defined (contents and destination) they cannot be altered for that object</a:t>
             </a:r>
-            <a:endParaRPr lang="en-CA" dirty="0"/>
+            <a:endParaRPr lang="en-CA"/>
           </a:p>
         </p:txBody>
       </p:sp>
     </p:spTree>
-    <p:extLst>
-      <p:ext uri="{BB962C8B-B14F-4D97-AF65-F5344CB8AC3E}">
-        <p14:creationId xmlns:p14="http://schemas.microsoft.com/office/powerpoint/2010/main" val="627358218"/>
-      </p:ext>
-    </p:extLst>
   </p:cSld>
   <p:clrMapOvr>
     <a:masterClrMapping/>
   </p:clrMapOvr>
+  <mc:AlternateContent xmlns:mc="http://schemas.openxmlformats.org/markup-compatibility/2006">
+    <mc:Choice xmlns:p159="http://schemas.microsoft.com/office/powerpoint/2015/09/main" xmlns:p14="http://schemas.microsoft.com/office/powerpoint/2010/main" Requires="p159">
+      <p:transition p14:dur="2000" advClick="1"/>
+    </mc:Choice>
+    <mc:Fallback>
+      <p:transition advClick="1"/>
+    </mc:Fallback>
+  </mc:AlternateContent>
 </p:sld>
 </file>
 
 <file path=ppt/slides/slide6.xml><?xml version="1.0" encoding="utf-8"?>
-<p:sld xmlns:a="http://schemas.openxmlformats.org/drawingml/2006/main" xmlns:r="http://schemas.openxmlformats.org/officeDocument/2006/relationships" xmlns:p="http://schemas.openxmlformats.org/presentationml/2006/main">
-  <p:cSld>
+<p:sld xmlns:a="http://schemas.openxmlformats.org/drawingml/2006/main" xmlns:r="http://schemas.openxmlformats.org/officeDocument/2006/relationships" xmlns:p="http://schemas.openxmlformats.org/presentationml/2006/main" xmlns:m="http://schemas.openxmlformats.org/officeDocument/2006/math" xmlns:w="http://schemas.openxmlformats.org/wordprocessingml/2006/main" showMasterPhAnim="0" show="1">
+  <p:cSld name="">
     <p:spTree>
       <p:nvGrpSpPr>
         <p:cNvPr id="1" name=""/>
         <p:cNvGrpSpPr/>
         <p:nvPr/>
       </p:nvGrpSpPr>
-      <p:grpSpPr>
+      <p:grpSpPr bwMode="auto">
         <a:xfrm>
           <a:off x="0" y="0"/>
           <a:ext cx="0" cy="0"/>
@@ -5604,16 +7748,19 @@
             <p:ph type="title"/>
           </p:nvPr>
         </p:nvSpPr>
-        <p:spPr/>
-        <p:txBody>
-          <a:bodyPr/>
-          <a:lstStyle/>
-          <a:p>
-            <a:r>
-              <a:rPr lang="en-US" dirty="0"/>
+        <p:spPr bwMode="auto"/>
+        <p:txBody>
+          <a:bodyPr/>
+          <a:lstStyle/>
+          <a:p>
+            <a:pPr>
+              <a:defRPr/>
+            </a:pPr>
+            <a:r>
+              <a:rPr lang="en-US"/>
               <a:t>Factory Method again</a:t>
             </a:r>
-            <a:endParaRPr lang="en-CA" dirty="0"/>
+            <a:endParaRPr lang="en-CA"/>
           </a:p>
         </p:txBody>
       </p:sp>
@@ -5627,78 +7774,96 @@
             <p:ph idx="1"/>
           </p:nvPr>
         </p:nvSpPr>
-        <p:spPr/>
+        <p:spPr bwMode="auto"/>
         <p:txBody>
           <a:bodyPr>
             <a:normAutofit lnSpcReduction="10000"/>
           </a:bodyPr>
           <a:lstStyle/>
           <a:p>
-            <a:r>
-              <a:rPr lang="en-US" dirty="0"/>
+            <a:pPr>
+              <a:defRPr/>
+            </a:pPr>
+            <a:r>
+              <a:rPr lang="en-US"/>
               <a:t>Using anonymous inner classes the Factory Method becomes cleaner</a:t>
             </a:r>
-          </a:p>
-          <a:p>
-            <a:r>
-              <a:rPr lang="en-US" dirty="0"/>
+            <a:endParaRPr/>
+          </a:p>
+          <a:p>
+            <a:pPr>
+              <a:defRPr/>
+            </a:pPr>
+            <a:r>
+              <a:rPr lang="en-US"/>
               <a:t>In Factories.java (</a:t>
             </a:r>
             <a:r>
-              <a:rPr lang="en-US" dirty="0" err="1"/>
+              <a:rPr lang="en-US"/>
               <a:t>innerclasses</a:t>
             </a:r>
             <a:r>
-              <a:rPr lang="en-US" dirty="0"/>
+              <a:rPr lang="en-US"/>
               <a:t>/Factories) example the factory() becomes an anonymous inner class (and static since you shouldn’t need more than one factory object).</a:t>
             </a:r>
-          </a:p>
-          <a:p>
-            <a:r>
-              <a:rPr lang="en-US" dirty="0"/>
+            <a:endParaRPr/>
+          </a:p>
+          <a:p>
+            <a:pPr>
+              <a:defRPr/>
+            </a:pPr>
+            <a:r>
+              <a:rPr lang="en-US"/>
               <a:t>Constructors can be made private preventing incorrect constructions</a:t>
             </a:r>
-          </a:p>
-          <a:p>
-            <a:r>
-              <a:rPr lang="en-US" dirty="0"/>
+            <a:endParaRPr/>
+          </a:p>
+          <a:p>
+            <a:pPr>
+              <a:defRPr/>
+            </a:pPr>
+            <a:r>
+              <a:rPr lang="en-US"/>
               <a:t>See Games.java (</a:t>
             </a:r>
             <a:r>
-              <a:rPr lang="en-US" dirty="0" err="1"/>
+              <a:rPr lang="en-US"/>
               <a:t>innerclasses</a:t>
             </a:r>
             <a:r>
-              <a:rPr lang="en-US" dirty="0"/>
+              <a:rPr lang="en-US"/>
               <a:t>/Games)</a:t>
             </a:r>
-            <a:endParaRPr lang="en-CA" dirty="0"/>
+            <a:endParaRPr lang="en-CA"/>
           </a:p>
         </p:txBody>
       </p:sp>
     </p:spTree>
-    <p:extLst>
-      <p:ext uri="{BB962C8B-B14F-4D97-AF65-F5344CB8AC3E}">
-        <p14:creationId xmlns:p14="http://schemas.microsoft.com/office/powerpoint/2010/main" val="3465766716"/>
-      </p:ext>
-    </p:extLst>
   </p:cSld>
   <p:clrMapOvr>
     <a:masterClrMapping/>
   </p:clrMapOvr>
+  <mc:AlternateContent xmlns:mc="http://schemas.openxmlformats.org/markup-compatibility/2006">
+    <mc:Choice xmlns:p159="http://schemas.microsoft.com/office/powerpoint/2015/09/main" xmlns:p14="http://schemas.microsoft.com/office/powerpoint/2010/main" Requires="p159">
+      <p:transition p14:dur="2000" advClick="1"/>
+    </mc:Choice>
+    <mc:Fallback>
+      <p:transition advClick="1"/>
+    </mc:Fallback>
+  </mc:AlternateContent>
 </p:sld>
 </file>
 
 <file path=ppt/slides/slide7.xml><?xml version="1.0" encoding="utf-8"?>
-<p:sld xmlns:a="http://schemas.openxmlformats.org/drawingml/2006/main" xmlns:r="http://schemas.openxmlformats.org/officeDocument/2006/relationships" xmlns:p="http://schemas.openxmlformats.org/presentationml/2006/main">
-  <p:cSld>
+<p:sld xmlns:a="http://schemas.openxmlformats.org/drawingml/2006/main" xmlns:r="http://schemas.openxmlformats.org/officeDocument/2006/relationships" xmlns:p="http://schemas.openxmlformats.org/presentationml/2006/main" xmlns:m="http://schemas.openxmlformats.org/officeDocument/2006/math" xmlns:w="http://schemas.openxmlformats.org/wordprocessingml/2006/main" showMasterPhAnim="0" show="1">
+  <p:cSld name="">
     <p:spTree>
       <p:nvGrpSpPr>
         <p:cNvPr id="1" name=""/>
         <p:cNvGrpSpPr/>
         <p:nvPr/>
       </p:nvGrpSpPr>
-      <p:grpSpPr>
+      <p:grpSpPr bwMode="auto">
         <a:xfrm>
           <a:off x="0" y="0"/>
           <a:ext cx="0" cy="0"/>
@@ -5716,16 +7881,19 @@
             <p:ph type="title"/>
           </p:nvPr>
         </p:nvSpPr>
-        <p:spPr/>
-        <p:txBody>
-          <a:bodyPr/>
-          <a:lstStyle/>
-          <a:p>
-            <a:r>
-              <a:rPr lang="en-US" dirty="0"/>
+        <p:spPr bwMode="auto"/>
+        <p:txBody>
+          <a:bodyPr/>
+          <a:lstStyle/>
+          <a:p>
+            <a:pPr>
+              <a:defRPr/>
+            </a:pPr>
+            <a:r>
+              <a:rPr lang="en-US"/>
               <a:t>Nested (static) Classes</a:t>
             </a:r>
-            <a:endParaRPr lang="en-CA" dirty="0"/>
+            <a:endParaRPr lang="en-CA"/>
           </a:p>
         </p:txBody>
       </p:sp>
@@ -5739,82 +7907,108 @@
             <p:ph idx="1"/>
           </p:nvPr>
         </p:nvSpPr>
-        <p:spPr/>
+        <p:spPr bwMode="auto"/>
         <p:txBody>
           <a:bodyPr>
             <a:normAutofit fontScale="85000" lnSpcReduction="20000"/>
           </a:bodyPr>
           <a:lstStyle/>
           <a:p>
-            <a:r>
-              <a:rPr lang="en-US" dirty="0"/>
+            <a:pPr>
+              <a:defRPr/>
+            </a:pPr>
+            <a:r>
+              <a:rPr lang="en-US"/>
               <a:t>It’s not always the case that an inner class object needs access to its outer class object</a:t>
             </a:r>
-          </a:p>
-          <a:p>
-            <a:r>
-              <a:rPr lang="en-US" dirty="0"/>
+            <a:endParaRPr/>
+          </a:p>
+          <a:p>
+            <a:pPr>
+              <a:defRPr/>
+            </a:pPr>
+            <a:r>
+              <a:rPr lang="en-US"/>
               <a:t>We can make an inner class </a:t>
             </a:r>
             <a:r>
-              <a:rPr lang="en-US" b="1" dirty="0"/>
+              <a:rPr lang="en-US" b="1"/>
               <a:t>static</a:t>
             </a:r>
             <a:r>
-              <a:rPr lang="en-US" dirty="0"/>
+              <a:rPr lang="en-US"/>
               <a:t> which decouples the inner class from the outer class</a:t>
             </a:r>
-          </a:p>
-          <a:p>
-            <a:r>
-              <a:rPr lang="en-US" dirty="0"/>
+            <a:endParaRPr/>
+          </a:p>
+          <a:p>
+            <a:pPr>
+              <a:defRPr/>
+            </a:pPr>
+            <a:r>
+              <a:rPr lang="en-US"/>
               <a:t>A static class DOES NOT imply that there is only one. You INSTANTIATE nested (static) classes as you would non-static inner classes</a:t>
             </a:r>
-          </a:p>
-          <a:p>
-            <a:r>
-              <a:rPr lang="en-US" dirty="0"/>
+            <a:endParaRPr/>
+          </a:p>
+          <a:p>
+            <a:pPr>
+              <a:defRPr/>
+            </a:pPr>
+            <a:r>
+              <a:rPr lang="en-US"/>
               <a:t>A static inner class does not require an outer class object to create an object of a nested class</a:t>
             </a:r>
-          </a:p>
-          <a:p>
-            <a:r>
-              <a:rPr lang="en-US" dirty="0"/>
+            <a:endParaRPr/>
+          </a:p>
+          <a:p>
+            <a:pPr>
+              <a:defRPr/>
+            </a:pPr>
+            <a:r>
+              <a:rPr lang="en-US"/>
               <a:t>Static inner class objects cannot access non-static outer class objects</a:t>
             </a:r>
-          </a:p>
-          <a:p>
-            <a:r>
-              <a:rPr lang="en-US" dirty="0"/>
+            <a:endParaRPr/>
+          </a:p>
+          <a:p>
+            <a:pPr>
+              <a:defRPr/>
+            </a:pPr>
+            <a:r>
+              <a:rPr lang="en-US"/>
               <a:t>See Parcel11.java</a:t>
             </a:r>
-            <a:endParaRPr lang="en-CA" dirty="0"/>
+            <a:endParaRPr lang="en-CA"/>
           </a:p>
         </p:txBody>
       </p:sp>
     </p:spTree>
-    <p:extLst>
-      <p:ext uri="{BB962C8B-B14F-4D97-AF65-F5344CB8AC3E}">
-        <p14:creationId xmlns:p14="http://schemas.microsoft.com/office/powerpoint/2010/main" val="2403633428"/>
-      </p:ext>
-    </p:extLst>
   </p:cSld>
   <p:clrMapOvr>
     <a:masterClrMapping/>
   </p:clrMapOvr>
+  <mc:AlternateContent xmlns:mc="http://schemas.openxmlformats.org/markup-compatibility/2006">
+    <mc:Choice xmlns:p159="http://schemas.microsoft.com/office/powerpoint/2015/09/main" xmlns:p14="http://schemas.microsoft.com/office/powerpoint/2010/main" Requires="p159">
+      <p:transition p14:dur="2000" advClick="1"/>
+    </mc:Choice>
+    <mc:Fallback>
+      <p:transition advClick="1"/>
+    </mc:Fallback>
+  </mc:AlternateContent>
 </p:sld>
 </file>
 
 <file path=ppt/slides/slide8.xml><?xml version="1.0" encoding="utf-8"?>
-<p:sld xmlns:a="http://schemas.openxmlformats.org/drawingml/2006/main" xmlns:r="http://schemas.openxmlformats.org/officeDocument/2006/relationships" xmlns:p="http://schemas.openxmlformats.org/presentationml/2006/main">
-  <p:cSld>
+<p:sld xmlns:a="http://schemas.openxmlformats.org/drawingml/2006/main" xmlns:r="http://schemas.openxmlformats.org/officeDocument/2006/relationships" xmlns:p="http://schemas.openxmlformats.org/presentationml/2006/main" xmlns:m="http://schemas.openxmlformats.org/officeDocument/2006/math" xmlns:w="http://schemas.openxmlformats.org/wordprocessingml/2006/main" showMasterPhAnim="0" show="1">
+  <p:cSld name="">
     <p:spTree>
       <p:nvGrpSpPr>
         <p:cNvPr id="1" name=""/>
         <p:cNvGrpSpPr/>
         <p:nvPr/>
       </p:nvGrpSpPr>
-      <p:grpSpPr>
+      <p:grpSpPr bwMode="auto">
         <a:xfrm>
           <a:off x="0" y="0"/>
           <a:ext cx="0" cy="0"/>
@@ -5832,16 +8026,19 @@
             <p:ph type="title"/>
           </p:nvPr>
         </p:nvSpPr>
-        <p:spPr/>
-        <p:txBody>
-          <a:bodyPr/>
-          <a:lstStyle/>
-          <a:p>
-            <a:r>
-              <a:rPr lang="en-US" dirty="0"/>
+        <p:spPr bwMode="auto"/>
+        <p:txBody>
+          <a:bodyPr/>
+          <a:lstStyle/>
+          <a:p>
+            <a:pPr>
+              <a:defRPr/>
+            </a:pPr>
+            <a:r>
+              <a:rPr lang="en-US"/>
               <a:t>Classes inside interfaces</a:t>
             </a:r>
-            <a:endParaRPr lang="en-CA" dirty="0"/>
+            <a:endParaRPr lang="en-CA"/>
           </a:p>
         </p:txBody>
       </p:sp>
@@ -5855,56 +8052,70 @@
             <p:ph idx="1"/>
           </p:nvPr>
         </p:nvSpPr>
-        <p:spPr/>
+        <p:spPr bwMode="auto"/>
         <p:txBody>
           <a:bodyPr>
             <a:normAutofit fontScale="92500"/>
           </a:bodyPr>
           <a:lstStyle/>
           <a:p>
-            <a:r>
-              <a:rPr lang="en-US" dirty="0"/>
+            <a:pPr>
+              <a:defRPr/>
+            </a:pPr>
+            <a:r>
+              <a:rPr lang="en-US"/>
               <a:t>Static classes (nested classes) may be added to an interface (since they are static and public they do not violate the rules for interfaces)</a:t>
             </a:r>
-          </a:p>
-          <a:p>
-            <a:r>
-              <a:rPr lang="en-US" dirty="0"/>
+            <a:endParaRPr/>
+          </a:p>
+          <a:p>
+            <a:pPr>
+              <a:defRPr/>
+            </a:pPr>
+            <a:r>
+              <a:rPr lang="en-US"/>
               <a:t>In ClassInInterface.java example an inner class object is instantiated and a method called on it. In addition it even “implemented” the interface it was defined in (not required of course)</a:t>
             </a:r>
-          </a:p>
-          <a:p>
-            <a:r>
-              <a:rPr lang="en-US" dirty="0"/>
+            <a:endParaRPr/>
+          </a:p>
+          <a:p>
+            <a:pPr>
+              <a:defRPr/>
+            </a:pPr>
+            <a:r>
+              <a:rPr lang="en-US"/>
               <a:t>Useful to provide common code for all classes that use the same interface</a:t>
             </a:r>
-            <a:endParaRPr lang="en-CA" dirty="0"/>
+            <a:endParaRPr lang="en-CA"/>
           </a:p>
         </p:txBody>
       </p:sp>
     </p:spTree>
-    <p:extLst>
-      <p:ext uri="{BB962C8B-B14F-4D97-AF65-F5344CB8AC3E}">
-        <p14:creationId xmlns:p14="http://schemas.microsoft.com/office/powerpoint/2010/main" val="3371299096"/>
-      </p:ext>
-    </p:extLst>
   </p:cSld>
   <p:clrMapOvr>
     <a:masterClrMapping/>
   </p:clrMapOvr>
+  <mc:AlternateContent xmlns:mc="http://schemas.openxmlformats.org/markup-compatibility/2006">
+    <mc:Choice xmlns:p159="http://schemas.microsoft.com/office/powerpoint/2015/09/main" xmlns:p14="http://schemas.microsoft.com/office/powerpoint/2010/main" Requires="p159">
+      <p:transition p14:dur="2000" advClick="1"/>
+    </mc:Choice>
+    <mc:Fallback>
+      <p:transition advClick="1"/>
+    </mc:Fallback>
+  </mc:AlternateContent>
 </p:sld>
 </file>
 
 <file path=ppt/slides/slide9.xml><?xml version="1.0" encoding="utf-8"?>
-<p:sld xmlns:a="http://schemas.openxmlformats.org/drawingml/2006/main" xmlns:r="http://schemas.openxmlformats.org/officeDocument/2006/relationships" xmlns:p="http://schemas.openxmlformats.org/presentationml/2006/main">
-  <p:cSld>
+<p:sld xmlns:a="http://schemas.openxmlformats.org/drawingml/2006/main" xmlns:r="http://schemas.openxmlformats.org/officeDocument/2006/relationships" xmlns:p="http://schemas.openxmlformats.org/presentationml/2006/main" xmlns:m="http://schemas.openxmlformats.org/officeDocument/2006/math" xmlns:w="http://schemas.openxmlformats.org/wordprocessingml/2006/main" showMasterPhAnim="0" show="1">
+  <p:cSld name="">
     <p:spTree>
       <p:nvGrpSpPr>
         <p:cNvPr id="1" name=""/>
         <p:cNvGrpSpPr/>
         <p:nvPr/>
       </p:nvGrpSpPr>
-      <p:grpSpPr>
+      <p:grpSpPr bwMode="auto">
         <a:xfrm>
           <a:off x="0" y="0"/>
           <a:ext cx="0" cy="0"/>
@@ -5922,16 +8133,19 @@
             <p:ph type="title"/>
           </p:nvPr>
         </p:nvSpPr>
-        <p:spPr/>
-        <p:txBody>
-          <a:bodyPr/>
-          <a:lstStyle/>
-          <a:p>
-            <a:r>
-              <a:rPr lang="en-US" dirty="0"/>
+        <p:spPr bwMode="auto"/>
+        <p:txBody>
+          <a:bodyPr/>
+          <a:lstStyle/>
+          <a:p>
+            <a:pPr>
+              <a:defRPr/>
+            </a:pPr>
+            <a:r>
+              <a:rPr lang="en-US"/>
               <a:t>Multiple Nested Classes</a:t>
             </a:r>
-            <a:endParaRPr lang="en-CA" dirty="0"/>
+            <a:endParaRPr lang="en-CA"/>
           </a:p>
         </p:txBody>
       </p:sp>
@@ -5945,40 +8159,50 @@
             <p:ph idx="1"/>
           </p:nvPr>
         </p:nvSpPr>
-        <p:spPr/>
-        <p:txBody>
-          <a:bodyPr/>
-          <a:lstStyle/>
-          <a:p>
-            <a:r>
-              <a:rPr lang="en-US" dirty="0"/>
+        <p:spPr bwMode="auto"/>
+        <p:txBody>
+          <a:bodyPr/>
+          <a:lstStyle/>
+          <a:p>
+            <a:pPr>
+              <a:defRPr/>
+            </a:pPr>
+            <a:r>
+              <a:rPr lang="en-US"/>
               <a:t>MultiNestingAccess.java demonstrates that all inner classes have access to their parent (or parents’ parent) members</a:t>
             </a:r>
-          </a:p>
-          <a:p>
-            <a:r>
-              <a:rPr lang="en-US" dirty="0"/>
+            <a:endParaRPr/>
+          </a:p>
+          <a:p>
+            <a:pPr>
+              <a:defRPr/>
+            </a:pPr>
+            <a:r>
+              <a:rPr lang="en-US"/>
               <a:t>It also demonstrates correct construction of the inner class objects using .new</a:t>
             </a:r>
-            <a:endParaRPr lang="en-CA" dirty="0"/>
+            <a:endParaRPr lang="en-CA"/>
           </a:p>
         </p:txBody>
       </p:sp>
     </p:spTree>
-    <p:extLst>
-      <p:ext uri="{BB962C8B-B14F-4D97-AF65-F5344CB8AC3E}">
-        <p14:creationId xmlns:p14="http://schemas.microsoft.com/office/powerpoint/2010/main" val="4051500964"/>
-      </p:ext>
-    </p:extLst>
   </p:cSld>
   <p:clrMapOvr>
     <a:masterClrMapping/>
   </p:clrMapOvr>
+  <mc:AlternateContent xmlns:mc="http://schemas.openxmlformats.org/markup-compatibility/2006">
+    <mc:Choice xmlns:p159="http://schemas.microsoft.com/office/powerpoint/2015/09/main" xmlns:p14="http://schemas.microsoft.com/office/powerpoint/2010/main" Requires="p159">
+      <p:transition p14:dur="2000" advClick="1"/>
+    </mc:Choice>
+    <mc:Fallback>
+      <p:transition advClick="1"/>
+    </mc:Fallback>
+  </mc:AlternateContent>
 </p:sld>
 </file>
 
 <file path=ppt/theme/theme1.xml><?xml version="1.0" encoding="utf-8"?>
-<a:theme xmlns:a="http://schemas.openxmlformats.org/drawingml/2006/main" name="Office Theme">
+<a:theme xmlns:a="http://schemas.openxmlformats.org/drawingml/2006/main" xmlns:r="http://schemas.openxmlformats.org/officeDocument/2006/relationships" xmlns:p="http://schemas.openxmlformats.org/presentationml/2006/main" name="Office Theme">
   <a:themeElements>
     <a:clrScheme name="Office">
       <a:dk1>
@@ -6021,73 +8245,13 @@
     <a:fontScheme name="Office">
       <a:majorFont>
         <a:latin typeface="Calibri"/>
-        <a:ea typeface=""/>
-        <a:cs typeface=""/>
-        <a:font script="Jpan" typeface="ＭＳ Ｐゴシック"/>
-        <a:font script="Hang" typeface="맑은 고딕"/>
-        <a:font script="Hans" typeface="宋体"/>
-        <a:font script="Hant" typeface="新細明體"/>
-        <a:font script="Arab" typeface="Times New Roman"/>
-        <a:font script="Hebr" typeface="Times New Roman"/>
-        <a:font script="Thai" typeface="Angsana New"/>
-        <a:font script="Ethi" typeface="Nyala"/>
-        <a:font script="Beng" typeface="Vrinda"/>
-        <a:font script="Gujr" typeface="Shruti"/>
-        <a:font script="Khmr" typeface="MoolBoran"/>
-        <a:font script="Knda" typeface="Tunga"/>
-        <a:font script="Guru" typeface="Raavi"/>
-        <a:font script="Cans" typeface="Euphemia"/>
-        <a:font script="Cher" typeface="Plantagenet Cherokee"/>
-        <a:font script="Yiii" typeface="Microsoft Yi Baiti"/>
-        <a:font script="Tibt" typeface="Microsoft Himalaya"/>
-        <a:font script="Thaa" typeface="MV Boli"/>
-        <a:font script="Deva" typeface="Mangal"/>
-        <a:font script="Telu" typeface="Gautami"/>
-        <a:font script="Taml" typeface="Latha"/>
-        <a:font script="Syrc" typeface="Estrangelo Edessa"/>
-        <a:font script="Orya" typeface="Kalinga"/>
-        <a:font script="Mlym" typeface="Kartika"/>
-        <a:font script="Laoo" typeface="DokChampa"/>
-        <a:font script="Sinh" typeface="Iskoola Pota"/>
-        <a:font script="Mong" typeface="Mongolian Baiti"/>
-        <a:font script="Viet" typeface="Times New Roman"/>
-        <a:font script="Uigh" typeface="Microsoft Uighur"/>
-        <a:font script="Geor" typeface="Sylfaen"/>
+        <a:ea typeface="Arial"/>
+        <a:cs typeface="Arial"/>
       </a:majorFont>
       <a:minorFont>
         <a:latin typeface="Calibri"/>
-        <a:ea typeface=""/>
-        <a:cs typeface=""/>
-        <a:font script="Jpan" typeface="ＭＳ Ｐゴシック"/>
-        <a:font script="Hang" typeface="맑은 고딕"/>
-        <a:font script="Hans" typeface="宋体"/>
-        <a:font script="Hant" typeface="新細明體"/>
-        <a:font script="Arab" typeface="Arial"/>
-        <a:font script="Hebr" typeface="Arial"/>
-        <a:font script="Thai" typeface="Cordia New"/>
-        <a:font script="Ethi" typeface="Nyala"/>
-        <a:font script="Beng" typeface="Vrinda"/>
-        <a:font script="Gujr" typeface="Shruti"/>
-        <a:font script="Khmr" typeface="DaunPenh"/>
-        <a:font script="Knda" typeface="Tunga"/>
-        <a:font script="Guru" typeface="Raavi"/>
-        <a:font script="Cans" typeface="Euphemia"/>
-        <a:font script="Cher" typeface="Plantagenet Cherokee"/>
-        <a:font script="Yiii" typeface="Microsoft Yi Baiti"/>
-        <a:font script="Tibt" typeface="Microsoft Himalaya"/>
-        <a:font script="Thaa" typeface="MV Boli"/>
-        <a:font script="Deva" typeface="Mangal"/>
-        <a:font script="Telu" typeface="Gautami"/>
-        <a:font script="Taml" typeface="Latha"/>
-        <a:font script="Syrc" typeface="Estrangelo Edessa"/>
-        <a:font script="Orya" typeface="Kalinga"/>
-        <a:font script="Mlym" typeface="Kartika"/>
-        <a:font script="Laoo" typeface="DokChampa"/>
-        <a:font script="Sinh" typeface="Iskoola Pota"/>
-        <a:font script="Mong" typeface="Mongolian Baiti"/>
-        <a:font script="Viet" typeface="Arial"/>
-        <a:font script="Uigh" typeface="Microsoft Uighur"/>
-        <a:font script="Geor" typeface="Sylfaen"/>
+        <a:ea typeface="Arial"/>
+        <a:cs typeface="Arial"/>
       </a:minorFont>
     </a:fontScheme>
     <a:fmtScheme name="Office">
@@ -6095,7 +8259,7 @@
         <a:solidFill>
           <a:schemeClr val="phClr"/>
         </a:solidFill>
-        <a:gradFill rotWithShape="1">
+        <a:gradFill>
           <a:gsLst>
             <a:gs pos="0">
               <a:schemeClr val="phClr">
@@ -6118,7 +8282,7 @@
           </a:gsLst>
           <a:lin ang="16200000" scaled="1"/>
         </a:gradFill>
-        <a:gradFill rotWithShape="1">
+        <a:gradFill>
           <a:gsLst>
             <a:gs pos="0">
               <a:schemeClr val="phClr">
@@ -6192,24 +8356,13 @@
               </a:srgbClr>
             </a:outerShdw>
           </a:effectLst>
-          <a:scene3d>
-            <a:camera prst="orthographicFront">
-              <a:rot lat="0" lon="0" rev="0"/>
-            </a:camera>
-            <a:lightRig rig="threePt" dir="t">
-              <a:rot lat="0" lon="0" rev="1200000"/>
-            </a:lightRig>
-          </a:scene3d>
-          <a:sp3d>
-            <a:bevelT w="63500" h="25400"/>
-          </a:sp3d>
         </a:effectStyle>
       </a:effectStyleLst>
       <a:bgFillStyleLst>
         <a:solidFill>
           <a:schemeClr val="phClr"/>
         </a:solidFill>
-        <a:gradFill rotWithShape="1">
+        <a:gradFill>
           <a:gsLst>
             <a:gs pos="0">
               <a:schemeClr val="phClr">
@@ -6231,11 +8384,9 @@
               </a:schemeClr>
             </a:gs>
           </a:gsLst>
-          <a:path path="circle">
-            <a:fillToRect l="50000" t="-80000" r="50000" b="180000"/>
-          </a:path>
+          <a:path path="circle"/>
         </a:gradFill>
-        <a:gradFill rotWithShape="1">
+        <a:gradFill>
           <a:gsLst>
             <a:gs pos="0">
               <a:schemeClr val="phClr">
@@ -6250,20 +8401,17 @@
               </a:schemeClr>
             </a:gs>
           </a:gsLst>
-          <a:path path="circle">
-            <a:fillToRect l="50000" t="50000" r="50000" b="50000"/>
-          </a:path>
+          <a:path path="circle"/>
         </a:gradFill>
       </a:bgFillStyleLst>
     </a:fmtScheme>
   </a:themeElements>
   <a:objectDefaults/>
-  <a:extraClrSchemeLst/>
 </a:theme>
 </file>
 
 <file path=ppt/theme/theme2.xml><?xml version="1.0" encoding="utf-8"?>
-<a:theme xmlns:a="http://schemas.openxmlformats.org/drawingml/2006/main" name="Office Theme">
+<a:theme xmlns:a="http://schemas.openxmlformats.org/drawingml/2006/main" xmlns:r="http://schemas.openxmlformats.org/officeDocument/2006/relationships" xmlns:p="http://schemas.openxmlformats.org/presentationml/2006/main" name="Office Theme">
   <a:themeElements>
     <a:clrScheme name="Office">
       <a:dk1>
@@ -6306,73 +8454,13 @@
     <a:fontScheme name="Office">
       <a:majorFont>
         <a:latin typeface="Calibri"/>
-        <a:ea typeface=""/>
-        <a:cs typeface=""/>
-        <a:font script="Jpan" typeface="ＭＳ Ｐゴシック"/>
-        <a:font script="Hang" typeface="맑은 고딕"/>
-        <a:font script="Hans" typeface="宋体"/>
-        <a:font script="Hant" typeface="新細明體"/>
-        <a:font script="Arab" typeface="Times New Roman"/>
-        <a:font script="Hebr" typeface="Times New Roman"/>
-        <a:font script="Thai" typeface="Angsana New"/>
-        <a:font script="Ethi" typeface="Nyala"/>
-        <a:font script="Beng" typeface="Vrinda"/>
-        <a:font script="Gujr" typeface="Shruti"/>
-        <a:font script="Khmr" typeface="MoolBoran"/>
-        <a:font script="Knda" typeface="Tunga"/>
-        <a:font script="Guru" typeface="Raavi"/>
-        <a:font script="Cans" typeface="Euphemia"/>
-        <a:font script="Cher" typeface="Plantagenet Cherokee"/>
-        <a:font script="Yiii" typeface="Microsoft Yi Baiti"/>
-        <a:font script="Tibt" typeface="Microsoft Himalaya"/>
-        <a:font script="Thaa" typeface="MV Boli"/>
-        <a:font script="Deva" typeface="Mangal"/>
-        <a:font script="Telu" typeface="Gautami"/>
-        <a:font script="Taml" typeface="Latha"/>
-        <a:font script="Syrc" typeface="Estrangelo Edessa"/>
-        <a:font script="Orya" typeface="Kalinga"/>
-        <a:font script="Mlym" typeface="Kartika"/>
-        <a:font script="Laoo" typeface="DokChampa"/>
-        <a:font script="Sinh" typeface="Iskoola Pota"/>
-        <a:font script="Mong" typeface="Mongolian Baiti"/>
-        <a:font script="Viet" typeface="Times New Roman"/>
-        <a:font script="Uigh" typeface="Microsoft Uighur"/>
-        <a:font script="Geor" typeface="Sylfaen"/>
+        <a:ea typeface="Arial"/>
+        <a:cs typeface="Arial"/>
       </a:majorFont>
       <a:minorFont>
         <a:latin typeface="Calibri"/>
-        <a:ea typeface=""/>
-        <a:cs typeface=""/>
-        <a:font script="Jpan" typeface="ＭＳ Ｐゴシック"/>
-        <a:font script="Hang" typeface="맑은 고딕"/>
-        <a:font script="Hans" typeface="宋体"/>
-        <a:font script="Hant" typeface="新細明體"/>
-        <a:font script="Arab" typeface="Arial"/>
-        <a:font script="Hebr" typeface="Arial"/>
-        <a:font script="Thai" typeface="Cordia New"/>
-        <a:font script="Ethi" typeface="Nyala"/>
-        <a:font script="Beng" typeface="Vrinda"/>
-        <a:font script="Gujr" typeface="Shruti"/>
-        <a:font script="Khmr" typeface="DaunPenh"/>
-        <a:font script="Knda" typeface="Tunga"/>
-        <a:font script="Guru" typeface="Raavi"/>
-        <a:font script="Cans" typeface="Euphemia"/>
-        <a:font script="Cher" typeface="Plantagenet Cherokee"/>
-        <a:font script="Yiii" typeface="Microsoft Yi Baiti"/>
-        <a:font script="Tibt" typeface="Microsoft Himalaya"/>
-        <a:font script="Thaa" typeface="MV Boli"/>
-        <a:font script="Deva" typeface="Mangal"/>
-        <a:font script="Telu" typeface="Gautami"/>
-        <a:font script="Taml" typeface="Latha"/>
-        <a:font script="Syrc" typeface="Estrangelo Edessa"/>
-        <a:font script="Orya" typeface="Kalinga"/>
-        <a:font script="Mlym" typeface="Kartika"/>
-        <a:font script="Laoo" typeface="DokChampa"/>
-        <a:font script="Sinh" typeface="Iskoola Pota"/>
-        <a:font script="Mong" typeface="Mongolian Baiti"/>
-        <a:font script="Viet" typeface="Arial"/>
-        <a:font script="Uigh" typeface="Microsoft Uighur"/>
-        <a:font script="Geor" typeface="Sylfaen"/>
+        <a:ea typeface="Arial"/>
+        <a:cs typeface="Arial"/>
       </a:minorFont>
     </a:fontScheme>
     <a:fmtScheme name="Office">
@@ -6380,7 +8468,7 @@
         <a:solidFill>
           <a:schemeClr val="phClr"/>
         </a:solidFill>
-        <a:gradFill rotWithShape="1">
+        <a:gradFill>
           <a:gsLst>
             <a:gs pos="0">
               <a:schemeClr val="phClr">
@@ -6403,7 +8491,7 @@
           </a:gsLst>
           <a:lin ang="16200000" scaled="1"/>
         </a:gradFill>
-        <a:gradFill rotWithShape="1">
+        <a:gradFill>
           <a:gsLst>
             <a:gs pos="0">
               <a:schemeClr val="phClr">
@@ -6477,24 +8565,13 @@
               </a:srgbClr>
             </a:outerShdw>
           </a:effectLst>
-          <a:scene3d>
-            <a:camera prst="orthographicFront">
-              <a:rot lat="0" lon="0" rev="0"/>
-            </a:camera>
-            <a:lightRig rig="threePt" dir="t">
-              <a:rot lat="0" lon="0" rev="1200000"/>
-            </a:lightRig>
-          </a:scene3d>
-          <a:sp3d>
-            <a:bevelT w="63500" h="25400"/>
-          </a:sp3d>
         </a:effectStyle>
       </a:effectStyleLst>
       <a:bgFillStyleLst>
         <a:solidFill>
           <a:schemeClr val="phClr"/>
         </a:solidFill>
-        <a:gradFill rotWithShape="1">
+        <a:gradFill>
           <a:gsLst>
             <a:gs pos="0">
               <a:schemeClr val="phClr">
@@ -6516,11 +8593,9 @@
               </a:schemeClr>
             </a:gs>
           </a:gsLst>
-          <a:path path="circle">
-            <a:fillToRect l="50000" t="-80000" r="50000" b="180000"/>
-          </a:path>
+          <a:path path="circle"/>
         </a:gradFill>
-        <a:gradFill rotWithShape="1">
+        <a:gradFill>
           <a:gsLst>
             <a:gs pos="0">
               <a:schemeClr val="phClr">
@@ -6535,14 +8610,11 @@
               </a:schemeClr>
             </a:gs>
           </a:gsLst>
-          <a:path path="circle">
-            <a:fillToRect l="50000" t="50000" r="50000" b="50000"/>
-          </a:path>
+          <a:path path="circle"/>
         </a:gradFill>
       </a:bgFillStyleLst>
     </a:fmtScheme>
   </a:themeElements>
   <a:objectDefaults/>
-  <a:extraClrSchemeLst/>
 </a:theme>
 </file>